--- a/Assets/Online Marketplace Net.pptx
+++ b/Assets/Online Marketplace Net.pptx
@@ -4,19 +4,25 @@
   <p:sldMasterIdLst>
     <p:sldMasterId id="2147483739" r:id="rId1"/>
   </p:sldMasterIdLst>
+  <p:notesMasterIdLst>
+    <p:notesMasterId r:id="rId17"/>
+  </p:notesMasterIdLst>
   <p:sldIdLst>
-    <p:sldId id="256" r:id="rId2"/>
-    <p:sldId id="261" r:id="rId3"/>
-    <p:sldId id="257" r:id="rId4"/>
-    <p:sldId id="258" r:id="rId5"/>
-    <p:sldId id="259" r:id="rId6"/>
-    <p:sldId id="260" r:id="rId7"/>
-    <p:sldId id="262" r:id="rId8"/>
-    <p:sldId id="263" r:id="rId9"/>
-    <p:sldId id="266" r:id="rId10"/>
-    <p:sldId id="265" r:id="rId11"/>
-    <p:sldId id="264" r:id="rId12"/>
-    <p:sldId id="267" r:id="rId13"/>
+    <p:sldId id="268" r:id="rId2"/>
+    <p:sldId id="256" r:id="rId3"/>
+    <p:sldId id="261" r:id="rId4"/>
+    <p:sldId id="257" r:id="rId5"/>
+    <p:sldId id="258" r:id="rId6"/>
+    <p:sldId id="259" r:id="rId7"/>
+    <p:sldId id="260" r:id="rId8"/>
+    <p:sldId id="262" r:id="rId9"/>
+    <p:sldId id="271" r:id="rId10"/>
+    <p:sldId id="263" r:id="rId11"/>
+    <p:sldId id="266" r:id="rId12"/>
+    <p:sldId id="265" r:id="rId13"/>
+    <p:sldId id="270" r:id="rId14"/>
+    <p:sldId id="264" r:id="rId15"/>
+    <p:sldId id="267" r:id="rId16"/>
   </p:sldIdLst>
   <p:sldSz cx="12192000" cy="6858000"/>
   <p:notesSz cx="6858000" cy="9144000"/>
@@ -115,7 +121,2234 @@
       </a:defRPr>
     </a:lvl9pPr>
   </p:defaultTextStyle>
+  <p:extLst>
+    <p:ext uri="{EFAFB233-063F-42B5-8137-9DF3F51BA10A}">
+      <p15:sldGuideLst xmlns:p15="http://schemas.microsoft.com/office/powerpoint/2012/main"/>
+    </p:ext>
+  </p:extLst>
 </p:presentation>
+</file>
+
+<file path=ppt/commentAuthors.xml><?xml version="1.0" encoding="utf-8"?>
+<p:cmAuthorLst xmlns:a="http://schemas.openxmlformats.org/drawingml/2006/main" xmlns:r="http://schemas.openxmlformats.org/officeDocument/2006/relationships" xmlns:p="http://schemas.openxmlformats.org/presentationml/2006/main">
+  <p:cmAuthor id="1" name="John Merchan" initials="JM" lastIdx="1" clrIdx="0">
+    <p:extLst>
+      <p:ext uri="{19B8F6BF-5375-455C-9EA6-DF929625EA0E}">
+        <p15:presenceInfo xmlns:p15="http://schemas.microsoft.com/office/powerpoint/2012/main" userId="John Merchan" providerId="None"/>
+      </p:ext>
+    </p:extLst>
+  </p:cmAuthor>
+</p:cmAuthorLst>
+</file>
+
+<file path=ppt/comments/comment1.xml><?xml version="1.0" encoding="utf-8"?>
+<p:cmLst xmlns:a="http://schemas.openxmlformats.org/drawingml/2006/main" xmlns:r="http://schemas.openxmlformats.org/officeDocument/2006/relationships" xmlns:p="http://schemas.openxmlformats.org/presentationml/2006/main">
+  <p:cm authorId="1" dt="2020-07-29T12:48:46.387" idx="1">
+    <p:pos x="10" y="10"/>
+    <p:text/>
+    <p:extLst>
+      <p:ext uri="{C676402C-5697-4E1C-873F-D02D1690AC5C}">
+        <p15:threadingInfo xmlns:p15="http://schemas.microsoft.com/office/powerpoint/2012/main" timeZoneBias="-600"/>
+      </p:ext>
+    </p:extLst>
+  </p:cm>
+</p:cmLst>
+</file>
+
+<file path=ppt/notesMasters/notesMaster1.xml><?xml version="1.0" encoding="utf-8"?>
+<p:notesMaster xmlns:a="http://schemas.openxmlformats.org/drawingml/2006/main" xmlns:r="http://schemas.openxmlformats.org/officeDocument/2006/relationships" xmlns:p="http://schemas.openxmlformats.org/presentationml/2006/main">
+  <p:cSld>
+    <p:bg>
+      <p:bgRef idx="1001">
+        <a:schemeClr val="bg1"/>
+      </p:bgRef>
+    </p:bg>
+    <p:spTree>
+      <p:nvGrpSpPr>
+        <p:cNvPr id="1" name=""/>
+        <p:cNvGrpSpPr/>
+        <p:nvPr/>
+      </p:nvGrpSpPr>
+      <p:grpSpPr>
+        <a:xfrm>
+          <a:off x="0" y="0"/>
+          <a:ext cx="0" cy="0"/>
+          <a:chOff x="0" y="0"/>
+          <a:chExt cx="0" cy="0"/>
+        </a:xfrm>
+      </p:grpSpPr>
+      <p:sp>
+        <p:nvSpPr>
+          <p:cNvPr id="2" name="Header Placeholder 1"/>
+          <p:cNvSpPr>
+            <a:spLocks noGrp="1"/>
+          </p:cNvSpPr>
+          <p:nvPr>
+            <p:ph type="hdr" sz="quarter"/>
+          </p:nvPr>
+        </p:nvSpPr>
+        <p:spPr>
+          <a:xfrm>
+            <a:off x="0" y="0"/>
+            <a:ext cx="2971800" cy="458788"/>
+          </a:xfrm>
+          <a:prstGeom prst="rect">
+            <a:avLst/>
+          </a:prstGeom>
+        </p:spPr>
+        <p:txBody>
+          <a:bodyPr vert="horz" lIns="91440" tIns="45720" rIns="91440" bIns="45720" rtlCol="0"/>
+          <a:lstStyle>
+            <a:lvl1pPr algn="l">
+              <a:defRPr sz="1200"/>
+            </a:lvl1pPr>
+          </a:lstStyle>
+          <a:p>
+            <a:endParaRPr lang="en-US"/>
+          </a:p>
+        </p:txBody>
+      </p:sp>
+      <p:sp>
+        <p:nvSpPr>
+          <p:cNvPr id="3" name="Date Placeholder 2"/>
+          <p:cNvSpPr>
+            <a:spLocks noGrp="1"/>
+          </p:cNvSpPr>
+          <p:nvPr>
+            <p:ph type="dt" idx="1"/>
+          </p:nvPr>
+        </p:nvSpPr>
+        <p:spPr>
+          <a:xfrm>
+            <a:off x="3884613" y="0"/>
+            <a:ext cx="2971800" cy="458788"/>
+          </a:xfrm>
+          <a:prstGeom prst="rect">
+            <a:avLst/>
+          </a:prstGeom>
+        </p:spPr>
+        <p:txBody>
+          <a:bodyPr vert="horz" lIns="91440" tIns="45720" rIns="91440" bIns="45720" rtlCol="0"/>
+          <a:lstStyle>
+            <a:lvl1pPr algn="r">
+              <a:defRPr sz="1200"/>
+            </a:lvl1pPr>
+          </a:lstStyle>
+          <a:p>
+            <a:fld id="{19803282-3550-48D0-B755-15BCE2654C7C}" type="datetimeFigureOut">
+              <a:rPr lang="en-US" smtClean="0"/>
+              <a:t>29-Jul-20</a:t>
+            </a:fld>
+            <a:endParaRPr lang="en-US"/>
+          </a:p>
+        </p:txBody>
+      </p:sp>
+      <p:sp>
+        <p:nvSpPr>
+          <p:cNvPr id="4" name="Slide Image Placeholder 3"/>
+          <p:cNvSpPr>
+            <a:spLocks noGrp="1" noRot="1" noChangeAspect="1"/>
+          </p:cNvSpPr>
+          <p:nvPr>
+            <p:ph type="sldImg" idx="2"/>
+          </p:nvPr>
+        </p:nvSpPr>
+        <p:spPr>
+          <a:xfrm>
+            <a:off x="685800" y="1143000"/>
+            <a:ext cx="5486400" cy="3086100"/>
+          </a:xfrm>
+          <a:prstGeom prst="rect">
+            <a:avLst/>
+          </a:prstGeom>
+          <a:noFill/>
+          <a:ln w="12700">
+            <a:solidFill>
+              <a:prstClr val="black"/>
+            </a:solidFill>
+          </a:ln>
+        </p:spPr>
+        <p:txBody>
+          <a:bodyPr vert="horz" lIns="91440" tIns="45720" rIns="91440" bIns="45720" rtlCol="0" anchor="ctr"/>
+          <a:lstStyle/>
+          <a:p>
+            <a:endParaRPr lang="en-US"/>
+          </a:p>
+        </p:txBody>
+      </p:sp>
+      <p:sp>
+        <p:nvSpPr>
+          <p:cNvPr id="5" name="Notes Placeholder 4"/>
+          <p:cNvSpPr>
+            <a:spLocks noGrp="1"/>
+          </p:cNvSpPr>
+          <p:nvPr>
+            <p:ph type="body" sz="quarter" idx="3"/>
+          </p:nvPr>
+        </p:nvSpPr>
+        <p:spPr>
+          <a:xfrm>
+            <a:off x="685800" y="4400550"/>
+            <a:ext cx="5486400" cy="3600450"/>
+          </a:xfrm>
+          <a:prstGeom prst="rect">
+            <a:avLst/>
+          </a:prstGeom>
+        </p:spPr>
+        <p:txBody>
+          <a:bodyPr vert="horz" lIns="91440" tIns="45720" rIns="91440" bIns="45720" rtlCol="0"/>
+          <a:lstStyle/>
+          <a:p>
+            <a:pPr lvl="0"/>
+            <a:r>
+              <a:rPr lang="en-US"/>
+              <a:t>Click to edit Master text styles</a:t>
+            </a:r>
+          </a:p>
+          <a:p>
+            <a:pPr lvl="1"/>
+            <a:r>
+              <a:rPr lang="en-US"/>
+              <a:t>Second level</a:t>
+            </a:r>
+          </a:p>
+          <a:p>
+            <a:pPr lvl="2"/>
+            <a:r>
+              <a:rPr lang="en-US"/>
+              <a:t>Third level</a:t>
+            </a:r>
+          </a:p>
+          <a:p>
+            <a:pPr lvl="3"/>
+            <a:r>
+              <a:rPr lang="en-US"/>
+              <a:t>Fourth level</a:t>
+            </a:r>
+          </a:p>
+          <a:p>
+            <a:pPr lvl="4"/>
+            <a:r>
+              <a:rPr lang="en-US"/>
+              <a:t>Fifth level</a:t>
+            </a:r>
+          </a:p>
+        </p:txBody>
+      </p:sp>
+      <p:sp>
+        <p:nvSpPr>
+          <p:cNvPr id="6" name="Footer Placeholder 5"/>
+          <p:cNvSpPr>
+            <a:spLocks noGrp="1"/>
+          </p:cNvSpPr>
+          <p:nvPr>
+            <p:ph type="ftr" sz="quarter" idx="4"/>
+          </p:nvPr>
+        </p:nvSpPr>
+        <p:spPr>
+          <a:xfrm>
+            <a:off x="0" y="8685213"/>
+            <a:ext cx="2971800" cy="458787"/>
+          </a:xfrm>
+          <a:prstGeom prst="rect">
+            <a:avLst/>
+          </a:prstGeom>
+        </p:spPr>
+        <p:txBody>
+          <a:bodyPr vert="horz" lIns="91440" tIns="45720" rIns="91440" bIns="45720" rtlCol="0" anchor="b"/>
+          <a:lstStyle>
+            <a:lvl1pPr algn="l">
+              <a:defRPr sz="1200"/>
+            </a:lvl1pPr>
+          </a:lstStyle>
+          <a:p>
+            <a:endParaRPr lang="en-US"/>
+          </a:p>
+        </p:txBody>
+      </p:sp>
+      <p:sp>
+        <p:nvSpPr>
+          <p:cNvPr id="7" name="Slide Number Placeholder 6"/>
+          <p:cNvSpPr>
+            <a:spLocks noGrp="1"/>
+          </p:cNvSpPr>
+          <p:nvPr>
+            <p:ph type="sldNum" sz="quarter" idx="5"/>
+          </p:nvPr>
+        </p:nvSpPr>
+        <p:spPr>
+          <a:xfrm>
+            <a:off x="3884613" y="8685213"/>
+            <a:ext cx="2971800" cy="458787"/>
+          </a:xfrm>
+          <a:prstGeom prst="rect">
+            <a:avLst/>
+          </a:prstGeom>
+        </p:spPr>
+        <p:txBody>
+          <a:bodyPr vert="horz" lIns="91440" tIns="45720" rIns="91440" bIns="45720" rtlCol="0" anchor="b"/>
+          <a:lstStyle>
+            <a:lvl1pPr algn="r">
+              <a:defRPr sz="1200"/>
+            </a:lvl1pPr>
+          </a:lstStyle>
+          <a:p>
+            <a:fld id="{EABFCCEA-FF81-4183-8686-D06A66284F15}" type="slidenum">
+              <a:rPr lang="en-US" smtClean="0"/>
+              <a:t>‹#›</a:t>
+            </a:fld>
+            <a:endParaRPr lang="en-US"/>
+          </a:p>
+        </p:txBody>
+      </p:sp>
+    </p:spTree>
+    <p:extLst>
+      <p:ext uri="{BB962C8B-B14F-4D97-AF65-F5344CB8AC3E}">
+        <p14:creationId xmlns:p14="http://schemas.microsoft.com/office/powerpoint/2010/main" val="4230036903"/>
+      </p:ext>
+    </p:extLst>
+  </p:cSld>
+  <p:clrMap bg1="lt1" tx1="dk1" bg2="lt2" tx2="dk2" accent1="accent1" accent2="accent2" accent3="accent3" accent4="accent4" accent5="accent5" accent6="accent6" hlink="hlink" folHlink="folHlink"/>
+  <p:notesStyle>
+    <a:lvl1pPr marL="0" algn="l" defTabSz="914400" rtl="0" eaLnBrk="1" latinLnBrk="0" hangingPunct="1">
+      <a:defRPr sz="1200" kern="1200">
+        <a:solidFill>
+          <a:schemeClr val="tx1"/>
+        </a:solidFill>
+        <a:latin typeface="+mn-lt"/>
+        <a:ea typeface="+mn-ea"/>
+        <a:cs typeface="+mn-cs"/>
+      </a:defRPr>
+    </a:lvl1pPr>
+    <a:lvl2pPr marL="457200" algn="l" defTabSz="914400" rtl="0" eaLnBrk="1" latinLnBrk="0" hangingPunct="1">
+      <a:defRPr sz="1200" kern="1200">
+        <a:solidFill>
+          <a:schemeClr val="tx1"/>
+        </a:solidFill>
+        <a:latin typeface="+mn-lt"/>
+        <a:ea typeface="+mn-ea"/>
+        <a:cs typeface="+mn-cs"/>
+      </a:defRPr>
+    </a:lvl2pPr>
+    <a:lvl3pPr marL="914400" algn="l" defTabSz="914400" rtl="0" eaLnBrk="1" latinLnBrk="0" hangingPunct="1">
+      <a:defRPr sz="1200" kern="1200">
+        <a:solidFill>
+          <a:schemeClr val="tx1"/>
+        </a:solidFill>
+        <a:latin typeface="+mn-lt"/>
+        <a:ea typeface="+mn-ea"/>
+        <a:cs typeface="+mn-cs"/>
+      </a:defRPr>
+    </a:lvl3pPr>
+    <a:lvl4pPr marL="1371600" algn="l" defTabSz="914400" rtl="0" eaLnBrk="1" latinLnBrk="0" hangingPunct="1">
+      <a:defRPr sz="1200" kern="1200">
+        <a:solidFill>
+          <a:schemeClr val="tx1"/>
+        </a:solidFill>
+        <a:latin typeface="+mn-lt"/>
+        <a:ea typeface="+mn-ea"/>
+        <a:cs typeface="+mn-cs"/>
+      </a:defRPr>
+    </a:lvl4pPr>
+    <a:lvl5pPr marL="1828800" algn="l" defTabSz="914400" rtl="0" eaLnBrk="1" latinLnBrk="0" hangingPunct="1">
+      <a:defRPr sz="1200" kern="1200">
+        <a:solidFill>
+          <a:schemeClr val="tx1"/>
+        </a:solidFill>
+        <a:latin typeface="+mn-lt"/>
+        <a:ea typeface="+mn-ea"/>
+        <a:cs typeface="+mn-cs"/>
+      </a:defRPr>
+    </a:lvl5pPr>
+    <a:lvl6pPr marL="2286000" algn="l" defTabSz="914400" rtl="0" eaLnBrk="1" latinLnBrk="0" hangingPunct="1">
+      <a:defRPr sz="1200" kern="1200">
+        <a:solidFill>
+          <a:schemeClr val="tx1"/>
+        </a:solidFill>
+        <a:latin typeface="+mn-lt"/>
+        <a:ea typeface="+mn-ea"/>
+        <a:cs typeface="+mn-cs"/>
+      </a:defRPr>
+    </a:lvl6pPr>
+    <a:lvl7pPr marL="2743200" algn="l" defTabSz="914400" rtl="0" eaLnBrk="1" latinLnBrk="0" hangingPunct="1">
+      <a:defRPr sz="1200" kern="1200">
+        <a:solidFill>
+          <a:schemeClr val="tx1"/>
+        </a:solidFill>
+        <a:latin typeface="+mn-lt"/>
+        <a:ea typeface="+mn-ea"/>
+        <a:cs typeface="+mn-cs"/>
+      </a:defRPr>
+    </a:lvl7pPr>
+    <a:lvl8pPr marL="3200400" algn="l" defTabSz="914400" rtl="0" eaLnBrk="1" latinLnBrk="0" hangingPunct="1">
+      <a:defRPr sz="1200" kern="1200">
+        <a:solidFill>
+          <a:schemeClr val="tx1"/>
+        </a:solidFill>
+        <a:latin typeface="+mn-lt"/>
+        <a:ea typeface="+mn-ea"/>
+        <a:cs typeface="+mn-cs"/>
+      </a:defRPr>
+    </a:lvl8pPr>
+    <a:lvl9pPr marL="3657600" algn="l" defTabSz="914400" rtl="0" eaLnBrk="1" latinLnBrk="0" hangingPunct="1">
+      <a:defRPr sz="1200" kern="1200">
+        <a:solidFill>
+          <a:schemeClr val="tx1"/>
+        </a:solidFill>
+        <a:latin typeface="+mn-lt"/>
+        <a:ea typeface="+mn-ea"/>
+        <a:cs typeface="+mn-cs"/>
+      </a:defRPr>
+    </a:lvl9pPr>
+  </p:notesStyle>
+</p:notesMaster>
+</file>
+
+<file path=ppt/notesSlides/notesSlide1.xml><?xml version="1.0" encoding="utf-8"?>
+<p:notes xmlns:a="http://schemas.openxmlformats.org/drawingml/2006/main" xmlns:r="http://schemas.openxmlformats.org/officeDocument/2006/relationships" xmlns:p="http://schemas.openxmlformats.org/presentationml/2006/main">
+  <p:cSld>
+    <p:spTree>
+      <p:nvGrpSpPr>
+        <p:cNvPr id="1" name=""/>
+        <p:cNvGrpSpPr/>
+        <p:nvPr/>
+      </p:nvGrpSpPr>
+      <p:grpSpPr>
+        <a:xfrm>
+          <a:off x="0" y="0"/>
+          <a:ext cx="0" cy="0"/>
+          <a:chOff x="0" y="0"/>
+          <a:chExt cx="0" cy="0"/>
+        </a:xfrm>
+      </p:grpSpPr>
+      <p:sp>
+        <p:nvSpPr>
+          <p:cNvPr id="2" name="Slide Image Placeholder 1"/>
+          <p:cNvSpPr>
+            <a:spLocks noGrp="1" noRot="1" noChangeAspect="1"/>
+          </p:cNvSpPr>
+          <p:nvPr>
+            <p:ph type="sldImg"/>
+          </p:nvPr>
+        </p:nvSpPr>
+        <p:spPr/>
+      </p:sp>
+      <p:sp>
+        <p:nvSpPr>
+          <p:cNvPr id="3" name="Notes Placeholder 2"/>
+          <p:cNvSpPr>
+            <a:spLocks noGrp="1"/>
+          </p:cNvSpPr>
+          <p:nvPr>
+            <p:ph type="body" idx="1"/>
+          </p:nvPr>
+        </p:nvSpPr>
+        <p:spPr/>
+        <p:txBody>
+          <a:bodyPr/>
+          <a:lstStyle/>
+          <a:p>
+            <a:r>
+              <a:rPr lang="en-US" dirty="0"/>
+              <a:t>An App that is a clone of eBay, provides the same services as it.</a:t>
+            </a:r>
+          </a:p>
+        </p:txBody>
+      </p:sp>
+      <p:sp>
+        <p:nvSpPr>
+          <p:cNvPr id="4" name="Slide Number Placeholder 3"/>
+          <p:cNvSpPr>
+            <a:spLocks noGrp="1"/>
+          </p:cNvSpPr>
+          <p:nvPr>
+            <p:ph type="sldNum" sz="quarter" idx="5"/>
+          </p:nvPr>
+        </p:nvSpPr>
+        <p:spPr/>
+        <p:txBody>
+          <a:bodyPr/>
+          <a:lstStyle/>
+          <a:p>
+            <a:fld id="{EABFCCEA-FF81-4183-8686-D06A66284F15}" type="slidenum">
+              <a:rPr lang="en-US" smtClean="0"/>
+              <a:t>3</a:t>
+            </a:fld>
+            <a:endParaRPr lang="en-US"/>
+          </a:p>
+        </p:txBody>
+      </p:sp>
+    </p:spTree>
+    <p:extLst>
+      <p:ext uri="{BB962C8B-B14F-4D97-AF65-F5344CB8AC3E}">
+        <p14:creationId xmlns:p14="http://schemas.microsoft.com/office/powerpoint/2010/main" val="4105624239"/>
+      </p:ext>
+    </p:extLst>
+  </p:cSld>
+  <p:clrMapOvr>
+    <a:masterClrMapping/>
+  </p:clrMapOvr>
+</p:notes>
+</file>
+
+<file path=ppt/notesSlides/notesSlide10.xml><?xml version="1.0" encoding="utf-8"?>
+<p:notes xmlns:a="http://schemas.openxmlformats.org/drawingml/2006/main" xmlns:r="http://schemas.openxmlformats.org/officeDocument/2006/relationships" xmlns:p="http://schemas.openxmlformats.org/presentationml/2006/main">
+  <p:cSld>
+    <p:spTree>
+      <p:nvGrpSpPr>
+        <p:cNvPr id="1" name=""/>
+        <p:cNvGrpSpPr/>
+        <p:nvPr/>
+      </p:nvGrpSpPr>
+      <p:grpSpPr>
+        <a:xfrm>
+          <a:off x="0" y="0"/>
+          <a:ext cx="0" cy="0"/>
+          <a:chOff x="0" y="0"/>
+          <a:chExt cx="0" cy="0"/>
+        </a:xfrm>
+      </p:grpSpPr>
+      <p:sp>
+        <p:nvSpPr>
+          <p:cNvPr id="2" name="Slide Image Placeholder 1"/>
+          <p:cNvSpPr>
+            <a:spLocks noGrp="1" noRot="1" noChangeAspect="1"/>
+          </p:cNvSpPr>
+          <p:nvPr>
+            <p:ph type="sldImg"/>
+          </p:nvPr>
+        </p:nvSpPr>
+        <p:spPr/>
+      </p:sp>
+      <p:sp>
+        <p:nvSpPr>
+          <p:cNvPr id="3" name="Notes Placeholder 2"/>
+          <p:cNvSpPr>
+            <a:spLocks noGrp="1"/>
+          </p:cNvSpPr>
+          <p:nvPr>
+            <p:ph type="body" idx="1"/>
+          </p:nvPr>
+        </p:nvSpPr>
+        <p:spPr/>
+        <p:txBody>
+          <a:bodyPr/>
+          <a:lstStyle/>
+          <a:p>
+            <a:r>
+              <a:rPr lang="en-US" dirty="0"/>
+              <a:t>All the dependencies used for the project. </a:t>
+            </a:r>
+          </a:p>
+        </p:txBody>
+      </p:sp>
+      <p:sp>
+        <p:nvSpPr>
+          <p:cNvPr id="4" name="Slide Number Placeholder 3"/>
+          <p:cNvSpPr>
+            <a:spLocks noGrp="1"/>
+          </p:cNvSpPr>
+          <p:nvPr>
+            <p:ph type="sldNum" sz="quarter" idx="5"/>
+          </p:nvPr>
+        </p:nvSpPr>
+        <p:spPr/>
+        <p:txBody>
+          <a:bodyPr/>
+          <a:lstStyle/>
+          <a:p>
+            <a:fld id="{EABFCCEA-FF81-4183-8686-D06A66284F15}" type="slidenum">
+              <a:rPr lang="en-US" smtClean="0"/>
+              <a:t>12</a:t>
+            </a:fld>
+            <a:endParaRPr lang="en-US"/>
+          </a:p>
+        </p:txBody>
+      </p:sp>
+    </p:spTree>
+    <p:extLst>
+      <p:ext uri="{BB962C8B-B14F-4D97-AF65-F5344CB8AC3E}">
+        <p14:creationId xmlns:p14="http://schemas.microsoft.com/office/powerpoint/2010/main" val="1628386844"/>
+      </p:ext>
+    </p:extLst>
+  </p:cSld>
+  <p:clrMapOvr>
+    <a:masterClrMapping/>
+  </p:clrMapOvr>
+</p:notes>
+</file>
+
+<file path=ppt/notesSlides/notesSlide11.xml><?xml version="1.0" encoding="utf-8"?>
+<p:notes xmlns:a="http://schemas.openxmlformats.org/drawingml/2006/main" xmlns:r="http://schemas.openxmlformats.org/officeDocument/2006/relationships" xmlns:p="http://schemas.openxmlformats.org/presentationml/2006/main">
+  <p:cSld>
+    <p:spTree>
+      <p:nvGrpSpPr>
+        <p:cNvPr id="1" name=""/>
+        <p:cNvGrpSpPr/>
+        <p:nvPr/>
+      </p:nvGrpSpPr>
+      <p:grpSpPr>
+        <a:xfrm>
+          <a:off x="0" y="0"/>
+          <a:ext cx="0" cy="0"/>
+          <a:chOff x="0" y="0"/>
+          <a:chExt cx="0" cy="0"/>
+        </a:xfrm>
+      </p:grpSpPr>
+      <p:sp>
+        <p:nvSpPr>
+          <p:cNvPr id="2" name="Slide Image Placeholder 1"/>
+          <p:cNvSpPr>
+            <a:spLocks noGrp="1" noRot="1" noChangeAspect="1"/>
+          </p:cNvSpPr>
+          <p:nvPr>
+            <p:ph type="sldImg"/>
+          </p:nvPr>
+        </p:nvSpPr>
+        <p:spPr/>
+      </p:sp>
+      <p:sp>
+        <p:nvSpPr>
+          <p:cNvPr id="3" name="Notes Placeholder 2"/>
+          <p:cNvSpPr>
+            <a:spLocks noGrp="1"/>
+          </p:cNvSpPr>
+          <p:nvPr>
+            <p:ph type="body" idx="1"/>
+          </p:nvPr>
+        </p:nvSpPr>
+        <p:spPr/>
+        <p:txBody>
+          <a:bodyPr/>
+          <a:lstStyle/>
+          <a:p>
+            <a:r>
+              <a:rPr lang="en-US" dirty="0"/>
+              <a:t>Coding:</a:t>
+            </a:r>
+          </a:p>
+          <a:p>
+            <a:r>
+              <a:rPr lang="en-US" dirty="0"/>
+              <a:t>This is the main list of </a:t>
+            </a:r>
+            <a:r>
+              <a:rPr lang="en-US" dirty="0" err="1"/>
+              <a:t>Youtube</a:t>
+            </a:r>
+            <a:r>
+              <a:rPr lang="en-US" dirty="0"/>
+              <a:t> videos that I watch in regards to a marketplace portal. </a:t>
+            </a:r>
+          </a:p>
+          <a:p>
+            <a:r>
+              <a:rPr lang="en-US" dirty="0"/>
+              <a:t>Also, 2 videos of Maximilian on Udemy, one MERN-</a:t>
+            </a:r>
+            <a:r>
+              <a:rPr lang="en-US" dirty="0" err="1"/>
+              <a:t>FullStack</a:t>
+            </a:r>
+            <a:r>
+              <a:rPr lang="en-US" dirty="0"/>
+              <a:t>. and the other REACT- The complete guide. Both over 40 hours of videos. Amazing material, honestly. </a:t>
+            </a:r>
+          </a:p>
+          <a:p>
+            <a:endParaRPr lang="en-US" dirty="0"/>
+          </a:p>
+          <a:p>
+            <a:r>
+              <a:rPr lang="en-US" dirty="0"/>
+              <a:t>Relax Time: </a:t>
+            </a:r>
+          </a:p>
+          <a:p>
+            <a:r>
+              <a:rPr lang="en-US" dirty="0"/>
+              <a:t>When my mind was lost in oblivion looking at endless lines of who knows what at that time, I lay down for 30 minutes listening to that video, works.</a:t>
+            </a:r>
+          </a:p>
+          <a:p>
+            <a:endParaRPr lang="en-US" dirty="0"/>
+          </a:p>
+          <a:p>
+            <a:r>
+              <a:rPr lang="en-US" dirty="0"/>
+              <a:t>Motivational:</a:t>
+            </a:r>
+          </a:p>
+          <a:p>
+            <a:r>
+              <a:rPr lang="en-US" dirty="0"/>
+              <a:t>And when I lost hope, I was down, tired and giving up every once in a awhile, I would listen to some of these motivational videos, helped me get back up and continue coding.</a:t>
+            </a:r>
+          </a:p>
+          <a:p>
+            <a:endParaRPr lang="en-US" dirty="0"/>
+          </a:p>
+          <a:p>
+            <a:endParaRPr lang="en-US" dirty="0"/>
+          </a:p>
+          <a:p>
+            <a:endParaRPr lang="en-US" dirty="0"/>
+          </a:p>
+          <a:p>
+            <a:endParaRPr lang="en-US" dirty="0"/>
+          </a:p>
+        </p:txBody>
+      </p:sp>
+      <p:sp>
+        <p:nvSpPr>
+          <p:cNvPr id="4" name="Slide Number Placeholder 3"/>
+          <p:cNvSpPr>
+            <a:spLocks noGrp="1"/>
+          </p:cNvSpPr>
+          <p:nvPr>
+            <p:ph type="sldNum" sz="quarter" idx="5"/>
+          </p:nvPr>
+        </p:nvSpPr>
+        <p:spPr/>
+        <p:txBody>
+          <a:bodyPr/>
+          <a:lstStyle/>
+          <a:p>
+            <a:fld id="{EABFCCEA-FF81-4183-8686-D06A66284F15}" type="slidenum">
+              <a:rPr lang="en-US" smtClean="0"/>
+              <a:t>13</a:t>
+            </a:fld>
+            <a:endParaRPr lang="en-US"/>
+          </a:p>
+        </p:txBody>
+      </p:sp>
+    </p:spTree>
+    <p:extLst>
+      <p:ext uri="{BB962C8B-B14F-4D97-AF65-F5344CB8AC3E}">
+        <p14:creationId xmlns:p14="http://schemas.microsoft.com/office/powerpoint/2010/main" val="2696525139"/>
+      </p:ext>
+    </p:extLst>
+  </p:cSld>
+  <p:clrMapOvr>
+    <a:masterClrMapping/>
+  </p:clrMapOvr>
+</p:notes>
+</file>
+
+<file path=ppt/notesSlides/notesSlide12.xml><?xml version="1.0" encoding="utf-8"?>
+<p:notes xmlns:a="http://schemas.openxmlformats.org/drawingml/2006/main" xmlns:r="http://schemas.openxmlformats.org/officeDocument/2006/relationships" xmlns:p="http://schemas.openxmlformats.org/presentationml/2006/main">
+  <p:cSld>
+    <p:spTree>
+      <p:nvGrpSpPr>
+        <p:cNvPr id="1" name=""/>
+        <p:cNvGrpSpPr/>
+        <p:nvPr/>
+      </p:nvGrpSpPr>
+      <p:grpSpPr>
+        <a:xfrm>
+          <a:off x="0" y="0"/>
+          <a:ext cx="0" cy="0"/>
+          <a:chOff x="0" y="0"/>
+          <a:chExt cx="0" cy="0"/>
+        </a:xfrm>
+      </p:grpSpPr>
+      <p:sp>
+        <p:nvSpPr>
+          <p:cNvPr id="2" name="Slide Image Placeholder 1"/>
+          <p:cNvSpPr>
+            <a:spLocks noGrp="1" noRot="1" noChangeAspect="1"/>
+          </p:cNvSpPr>
+          <p:nvPr>
+            <p:ph type="sldImg"/>
+          </p:nvPr>
+        </p:nvSpPr>
+        <p:spPr/>
+      </p:sp>
+      <p:sp>
+        <p:nvSpPr>
+          <p:cNvPr id="3" name="Notes Placeholder 2"/>
+          <p:cNvSpPr>
+            <a:spLocks noGrp="1"/>
+          </p:cNvSpPr>
+          <p:nvPr>
+            <p:ph type="body" idx="1"/>
+          </p:nvPr>
+        </p:nvSpPr>
+        <p:spPr/>
+        <p:txBody>
+          <a:bodyPr/>
+          <a:lstStyle/>
+          <a:p>
+            <a:endParaRPr lang="en-US" dirty="0"/>
+          </a:p>
+        </p:txBody>
+      </p:sp>
+      <p:sp>
+        <p:nvSpPr>
+          <p:cNvPr id="4" name="Slide Number Placeholder 3"/>
+          <p:cNvSpPr>
+            <a:spLocks noGrp="1"/>
+          </p:cNvSpPr>
+          <p:nvPr>
+            <p:ph type="sldNum" sz="quarter" idx="5"/>
+          </p:nvPr>
+        </p:nvSpPr>
+        <p:spPr/>
+        <p:txBody>
+          <a:bodyPr/>
+          <a:lstStyle/>
+          <a:p>
+            <a:fld id="{EABFCCEA-FF81-4183-8686-D06A66284F15}" type="slidenum">
+              <a:rPr lang="en-US" smtClean="0"/>
+              <a:t>14</a:t>
+            </a:fld>
+            <a:endParaRPr lang="en-US"/>
+          </a:p>
+        </p:txBody>
+      </p:sp>
+    </p:spTree>
+    <p:extLst>
+      <p:ext uri="{BB962C8B-B14F-4D97-AF65-F5344CB8AC3E}">
+        <p14:creationId xmlns:p14="http://schemas.microsoft.com/office/powerpoint/2010/main" val="2129113296"/>
+      </p:ext>
+    </p:extLst>
+  </p:cSld>
+  <p:clrMapOvr>
+    <a:masterClrMapping/>
+  </p:clrMapOvr>
+</p:notes>
+</file>
+
+<file path=ppt/notesSlides/notesSlide13.xml><?xml version="1.0" encoding="utf-8"?>
+<p:notes xmlns:a="http://schemas.openxmlformats.org/drawingml/2006/main" xmlns:r="http://schemas.openxmlformats.org/officeDocument/2006/relationships" xmlns:p="http://schemas.openxmlformats.org/presentationml/2006/main">
+  <p:cSld>
+    <p:spTree>
+      <p:nvGrpSpPr>
+        <p:cNvPr id="1" name=""/>
+        <p:cNvGrpSpPr/>
+        <p:nvPr/>
+      </p:nvGrpSpPr>
+      <p:grpSpPr>
+        <a:xfrm>
+          <a:off x="0" y="0"/>
+          <a:ext cx="0" cy="0"/>
+          <a:chOff x="0" y="0"/>
+          <a:chExt cx="0" cy="0"/>
+        </a:xfrm>
+      </p:grpSpPr>
+      <p:sp>
+        <p:nvSpPr>
+          <p:cNvPr id="2" name="Slide Image Placeholder 1"/>
+          <p:cNvSpPr>
+            <a:spLocks noGrp="1" noRot="1" noChangeAspect="1"/>
+          </p:cNvSpPr>
+          <p:nvPr>
+            <p:ph type="sldImg"/>
+          </p:nvPr>
+        </p:nvSpPr>
+        <p:spPr/>
+      </p:sp>
+      <p:sp>
+        <p:nvSpPr>
+          <p:cNvPr id="3" name="Notes Placeholder 2"/>
+          <p:cNvSpPr>
+            <a:spLocks noGrp="1"/>
+          </p:cNvSpPr>
+          <p:nvPr>
+            <p:ph type="body" idx="1"/>
+          </p:nvPr>
+        </p:nvSpPr>
+        <p:spPr/>
+        <p:txBody>
+          <a:bodyPr/>
+          <a:lstStyle/>
+          <a:p>
+            <a:endParaRPr lang="en-US"/>
+          </a:p>
+        </p:txBody>
+      </p:sp>
+      <p:sp>
+        <p:nvSpPr>
+          <p:cNvPr id="4" name="Slide Number Placeholder 3"/>
+          <p:cNvSpPr>
+            <a:spLocks noGrp="1"/>
+          </p:cNvSpPr>
+          <p:nvPr>
+            <p:ph type="sldNum" sz="quarter" idx="5"/>
+          </p:nvPr>
+        </p:nvSpPr>
+        <p:spPr/>
+        <p:txBody>
+          <a:bodyPr/>
+          <a:lstStyle/>
+          <a:p>
+            <a:fld id="{EABFCCEA-FF81-4183-8686-D06A66284F15}" type="slidenum">
+              <a:rPr lang="en-US" smtClean="0"/>
+              <a:t>15</a:t>
+            </a:fld>
+            <a:endParaRPr lang="en-US"/>
+          </a:p>
+        </p:txBody>
+      </p:sp>
+    </p:spTree>
+    <p:extLst>
+      <p:ext uri="{BB962C8B-B14F-4D97-AF65-F5344CB8AC3E}">
+        <p14:creationId xmlns:p14="http://schemas.microsoft.com/office/powerpoint/2010/main" val="2980426047"/>
+      </p:ext>
+    </p:extLst>
+  </p:cSld>
+  <p:clrMapOvr>
+    <a:masterClrMapping/>
+  </p:clrMapOvr>
+</p:notes>
+</file>
+
+<file path=ppt/notesSlides/notesSlide2.xml><?xml version="1.0" encoding="utf-8"?>
+<p:notes xmlns:a="http://schemas.openxmlformats.org/drawingml/2006/main" xmlns:r="http://schemas.openxmlformats.org/officeDocument/2006/relationships" xmlns:p="http://schemas.openxmlformats.org/presentationml/2006/main">
+  <p:cSld>
+    <p:spTree>
+      <p:nvGrpSpPr>
+        <p:cNvPr id="1" name=""/>
+        <p:cNvGrpSpPr/>
+        <p:nvPr/>
+      </p:nvGrpSpPr>
+      <p:grpSpPr>
+        <a:xfrm>
+          <a:off x="0" y="0"/>
+          <a:ext cx="0" cy="0"/>
+          <a:chOff x="0" y="0"/>
+          <a:chExt cx="0" cy="0"/>
+        </a:xfrm>
+      </p:grpSpPr>
+      <p:sp>
+        <p:nvSpPr>
+          <p:cNvPr id="2" name="Slide Image Placeholder 1"/>
+          <p:cNvSpPr>
+            <a:spLocks noGrp="1" noRot="1" noChangeAspect="1"/>
+          </p:cNvSpPr>
+          <p:nvPr>
+            <p:ph type="sldImg"/>
+          </p:nvPr>
+        </p:nvSpPr>
+        <p:spPr/>
+      </p:sp>
+      <p:sp>
+        <p:nvSpPr>
+          <p:cNvPr id="3" name="Notes Placeholder 2"/>
+          <p:cNvSpPr>
+            <a:spLocks noGrp="1"/>
+          </p:cNvSpPr>
+          <p:nvPr>
+            <p:ph type="body" idx="1"/>
+          </p:nvPr>
+        </p:nvSpPr>
+        <p:spPr/>
+        <p:txBody>
+          <a:bodyPr/>
+          <a:lstStyle/>
+          <a:p>
+            <a:r>
+              <a:rPr lang="en-US" dirty="0"/>
+              <a:t>This was a very important part of the whole idea of the marketplace.</a:t>
+            </a:r>
+          </a:p>
+          <a:p>
+            <a:r>
+              <a:rPr lang="en-US" dirty="0"/>
+              <a:t>As I really wanted a challenge and to put myself on the spot light.</a:t>
+            </a:r>
+          </a:p>
+          <a:p>
+            <a:r>
+              <a:rPr lang="en-US" dirty="0"/>
+              <a:t>The journey was amazing but I am excited to go for my next one and </a:t>
+            </a:r>
+          </a:p>
+          <a:p>
+            <a:r>
+              <a:rPr lang="en-US" dirty="0"/>
+              <a:t>The one after that one.</a:t>
+            </a:r>
+          </a:p>
+        </p:txBody>
+      </p:sp>
+      <p:sp>
+        <p:nvSpPr>
+          <p:cNvPr id="4" name="Slide Number Placeholder 3"/>
+          <p:cNvSpPr>
+            <a:spLocks noGrp="1"/>
+          </p:cNvSpPr>
+          <p:nvPr>
+            <p:ph type="sldNum" sz="quarter" idx="5"/>
+          </p:nvPr>
+        </p:nvSpPr>
+        <p:spPr/>
+        <p:txBody>
+          <a:bodyPr/>
+          <a:lstStyle/>
+          <a:p>
+            <a:fld id="{EABFCCEA-FF81-4183-8686-D06A66284F15}" type="slidenum">
+              <a:rPr lang="en-US" smtClean="0"/>
+              <a:t>4</a:t>
+            </a:fld>
+            <a:endParaRPr lang="en-US"/>
+          </a:p>
+        </p:txBody>
+      </p:sp>
+    </p:spTree>
+    <p:extLst>
+      <p:ext uri="{BB962C8B-B14F-4D97-AF65-F5344CB8AC3E}">
+        <p14:creationId xmlns:p14="http://schemas.microsoft.com/office/powerpoint/2010/main" val="593667385"/>
+      </p:ext>
+    </p:extLst>
+  </p:cSld>
+  <p:clrMapOvr>
+    <a:masterClrMapping/>
+  </p:clrMapOvr>
+</p:notes>
+</file>
+
+<file path=ppt/notesSlides/notesSlide3.xml><?xml version="1.0" encoding="utf-8"?>
+<p:notes xmlns:a="http://schemas.openxmlformats.org/drawingml/2006/main" xmlns:r="http://schemas.openxmlformats.org/officeDocument/2006/relationships" xmlns:p="http://schemas.openxmlformats.org/presentationml/2006/main">
+  <p:cSld>
+    <p:spTree>
+      <p:nvGrpSpPr>
+        <p:cNvPr id="1" name=""/>
+        <p:cNvGrpSpPr/>
+        <p:nvPr/>
+      </p:nvGrpSpPr>
+      <p:grpSpPr>
+        <a:xfrm>
+          <a:off x="0" y="0"/>
+          <a:ext cx="0" cy="0"/>
+          <a:chOff x="0" y="0"/>
+          <a:chExt cx="0" cy="0"/>
+        </a:xfrm>
+      </p:grpSpPr>
+      <p:sp>
+        <p:nvSpPr>
+          <p:cNvPr id="2" name="Slide Image Placeholder 1"/>
+          <p:cNvSpPr>
+            <a:spLocks noGrp="1" noRot="1" noChangeAspect="1"/>
+          </p:cNvSpPr>
+          <p:nvPr>
+            <p:ph type="sldImg"/>
+          </p:nvPr>
+        </p:nvSpPr>
+        <p:spPr/>
+      </p:sp>
+      <p:sp>
+        <p:nvSpPr>
+          <p:cNvPr id="3" name="Notes Placeholder 2"/>
+          <p:cNvSpPr>
+            <a:spLocks noGrp="1"/>
+          </p:cNvSpPr>
+          <p:nvPr>
+            <p:ph type="body" idx="1"/>
+          </p:nvPr>
+        </p:nvSpPr>
+        <p:spPr/>
+        <p:txBody>
+          <a:bodyPr/>
+          <a:lstStyle/>
+          <a:p>
+            <a:r>
+              <a:rPr lang="en-US" sz="1200" b="1" i="0" dirty="0" err="1">
+                <a:solidFill>
+                  <a:schemeClr val="accent5">
+                    <a:lumMod val="60000"/>
+                    <a:lumOff val="40000"/>
+                  </a:schemeClr>
+                </a:solidFill>
+              </a:rPr>
+              <a:t>jsonwebtoken</a:t>
+            </a:r>
+            <a:r>
+              <a:rPr lang="en-US" sz="1200" b="1" i="0" dirty="0">
+                <a:solidFill>
+                  <a:schemeClr val="accent5">
+                    <a:lumMod val="60000"/>
+                    <a:lumOff val="40000"/>
+                  </a:schemeClr>
+                </a:solidFill>
+              </a:rPr>
+              <a:t>,  </a:t>
+            </a:r>
+            <a:r>
+              <a:rPr lang="en-US" sz="1200" i="0" dirty="0">
+                <a:solidFill>
+                  <a:schemeClr val="accent5">
+                    <a:lumMod val="60000"/>
+                    <a:lumOff val="40000"/>
+                  </a:schemeClr>
+                </a:solidFill>
+              </a:rPr>
+              <a:t>Was the most complicated to implement and understand. </a:t>
+            </a:r>
+          </a:p>
+          <a:p>
+            <a:r>
+              <a:rPr lang="en-US" b="1" i="0" dirty="0"/>
+              <a:t>Formidable</a:t>
+            </a:r>
+            <a:r>
+              <a:rPr lang="en-US" i="0" dirty="0"/>
+              <a:t>: </a:t>
+            </a:r>
+            <a:r>
+              <a:rPr lang="en-AU" sz="1200" b="0" i="0" kern="1200" dirty="0">
+                <a:solidFill>
+                  <a:schemeClr val="tx1"/>
+                </a:solidFill>
+                <a:effectLst/>
+                <a:latin typeface="+mn-lt"/>
+                <a:ea typeface="+mn-ea"/>
+                <a:cs typeface="+mn-cs"/>
+              </a:rPr>
+              <a:t>A node.js module for parsing form data, especially file uploads.</a:t>
+            </a:r>
+          </a:p>
+          <a:p>
+            <a:r>
+              <a:rPr lang="en-AU" sz="1200" b="1" i="0" kern="1200" dirty="0">
+                <a:solidFill>
+                  <a:schemeClr val="tx1"/>
+                </a:solidFill>
+                <a:effectLst/>
+                <a:latin typeface="+mn-lt"/>
+                <a:ea typeface="+mn-ea"/>
+                <a:cs typeface="+mn-cs"/>
+              </a:rPr>
+              <a:t>HELMET</a:t>
+            </a:r>
+            <a:r>
+              <a:rPr lang="en-AU" sz="1200" b="0" i="0" kern="1200" dirty="0">
+                <a:solidFill>
+                  <a:schemeClr val="tx1"/>
+                </a:solidFill>
+                <a:effectLst/>
+                <a:latin typeface="+mn-lt"/>
+                <a:ea typeface="+mn-ea"/>
+                <a:cs typeface="+mn-cs"/>
+              </a:rPr>
+              <a:t>: Helmet helps you secure your Express apps by setting various HTTP headers</a:t>
+            </a:r>
+          </a:p>
+          <a:p>
+            <a:r>
+              <a:rPr lang="en-US" sz="1200" b="1" i="1" dirty="0">
+                <a:solidFill>
+                  <a:schemeClr val="accent5">
+                    <a:lumMod val="60000"/>
+                    <a:lumOff val="40000"/>
+                  </a:schemeClr>
+                </a:solidFill>
+              </a:rPr>
+              <a:t>query-string: </a:t>
+            </a:r>
+            <a:r>
+              <a:rPr lang="en-AU" sz="1200" b="0" i="0" kern="1200" dirty="0">
+                <a:solidFill>
+                  <a:schemeClr val="tx1"/>
+                </a:solidFill>
+                <a:effectLst/>
+                <a:latin typeface="+mn-lt"/>
+                <a:ea typeface="+mn-ea"/>
+                <a:cs typeface="+mn-cs"/>
+              </a:rPr>
+              <a:t>Parse and </a:t>
+            </a:r>
+            <a:r>
+              <a:rPr lang="en-AU" sz="1200" b="0" i="0" kern="1200" dirty="0" err="1">
+                <a:solidFill>
+                  <a:schemeClr val="tx1"/>
+                </a:solidFill>
+                <a:effectLst/>
+                <a:latin typeface="+mn-lt"/>
+                <a:ea typeface="+mn-ea"/>
+                <a:cs typeface="+mn-cs"/>
+              </a:rPr>
+              <a:t>stringify</a:t>
+            </a:r>
+            <a:r>
+              <a:rPr lang="en-AU" sz="1200" b="0" i="0" kern="1200" dirty="0">
+                <a:solidFill>
+                  <a:schemeClr val="tx1"/>
+                </a:solidFill>
+                <a:effectLst/>
+                <a:latin typeface="+mn-lt"/>
+                <a:ea typeface="+mn-ea"/>
+                <a:cs typeface="+mn-cs"/>
+              </a:rPr>
+              <a:t> URL </a:t>
+            </a:r>
+            <a:r>
+              <a:rPr lang="en-AU" sz="1200" b="0" i="0" u="sng" strike="noStrike" kern="1200" dirty="0">
+                <a:solidFill>
+                  <a:schemeClr val="tx1"/>
+                </a:solidFill>
+                <a:effectLst/>
+                <a:latin typeface="+mn-lt"/>
+                <a:ea typeface="+mn-ea"/>
+                <a:cs typeface="+mn-cs"/>
+                <a:hlinkClick r:id="rId3"/>
+              </a:rPr>
+              <a:t>query strings</a:t>
+            </a:r>
+            <a:endParaRPr lang="en-AU" sz="1200" b="0" i="0" u="sng" strike="noStrike" kern="1200" dirty="0">
+              <a:solidFill>
+                <a:schemeClr val="tx1"/>
+              </a:solidFill>
+              <a:effectLst/>
+              <a:latin typeface="+mn-lt"/>
+              <a:ea typeface="+mn-ea"/>
+              <a:cs typeface="+mn-cs"/>
+            </a:endParaRPr>
+          </a:p>
+          <a:p>
+            <a:r>
+              <a:rPr lang="en-AU" sz="1200" b="1" i="0" u="sng" strike="noStrike" kern="1200" dirty="0">
+                <a:solidFill>
+                  <a:schemeClr val="tx1"/>
+                </a:solidFill>
+                <a:effectLst/>
+                <a:latin typeface="+mn-lt"/>
+                <a:ea typeface="+mn-ea"/>
+                <a:cs typeface="+mn-cs"/>
+              </a:rPr>
+              <a:t>LODASH : </a:t>
+            </a:r>
+            <a:r>
+              <a:rPr lang="en-AU" sz="1200" b="0" i="0" kern="1200" dirty="0" err="1">
+                <a:solidFill>
+                  <a:schemeClr val="tx1"/>
+                </a:solidFill>
+                <a:effectLst/>
+                <a:latin typeface="+mn-lt"/>
+                <a:ea typeface="+mn-ea"/>
+                <a:cs typeface="+mn-cs"/>
+              </a:rPr>
+              <a:t>Lodash</a:t>
+            </a:r>
+            <a:r>
+              <a:rPr lang="en-AU" sz="1200" b="0" i="0" kern="1200" dirty="0">
+                <a:solidFill>
+                  <a:schemeClr val="tx1"/>
+                </a:solidFill>
+                <a:effectLst/>
+                <a:latin typeface="+mn-lt"/>
+                <a:ea typeface="+mn-ea"/>
+                <a:cs typeface="+mn-cs"/>
+              </a:rPr>
+              <a:t> makes JavaScript easier by taking the hassle out of working with arrays, numbers, objects, strings, </a:t>
+            </a:r>
+            <a:r>
+              <a:rPr lang="en-AU" sz="1200" b="0" i="0" kern="1200" dirty="0" err="1">
+                <a:solidFill>
+                  <a:schemeClr val="tx1"/>
+                </a:solidFill>
+                <a:effectLst/>
+                <a:latin typeface="+mn-lt"/>
+                <a:ea typeface="+mn-ea"/>
+                <a:cs typeface="+mn-cs"/>
+              </a:rPr>
+              <a:t>etc.Lodash’s</a:t>
+            </a:r>
+            <a:r>
+              <a:rPr lang="en-AU" sz="1200" b="0" i="0" kern="1200" dirty="0">
+                <a:solidFill>
+                  <a:schemeClr val="tx1"/>
+                </a:solidFill>
+                <a:effectLst/>
+                <a:latin typeface="+mn-lt"/>
+                <a:ea typeface="+mn-ea"/>
+                <a:cs typeface="+mn-cs"/>
+              </a:rPr>
+              <a:t> modular methods are great for:</a:t>
+            </a:r>
+          </a:p>
+          <a:p>
+            <a:r>
+              <a:rPr lang="en-AU" sz="1200" b="0" i="0" kern="1200" dirty="0">
+                <a:solidFill>
+                  <a:schemeClr val="tx1"/>
+                </a:solidFill>
+                <a:effectLst/>
+                <a:latin typeface="+mn-lt"/>
+                <a:ea typeface="+mn-ea"/>
+                <a:cs typeface="+mn-cs"/>
+              </a:rPr>
+              <a:t>Iterating arrays, objects, &amp; strings</a:t>
+            </a:r>
+          </a:p>
+          <a:p>
+            <a:r>
+              <a:rPr lang="en-AU" sz="1200" b="0" i="0" kern="1200" dirty="0">
+                <a:solidFill>
+                  <a:schemeClr val="tx1"/>
+                </a:solidFill>
+                <a:effectLst/>
+                <a:latin typeface="+mn-lt"/>
+                <a:ea typeface="+mn-ea"/>
+                <a:cs typeface="+mn-cs"/>
+              </a:rPr>
+              <a:t>Manipulating &amp; testing values</a:t>
+            </a:r>
+          </a:p>
+          <a:p>
+            <a:r>
+              <a:rPr lang="en-AU" sz="1200" b="0" i="0" kern="1200" dirty="0">
+                <a:solidFill>
+                  <a:schemeClr val="tx1"/>
+                </a:solidFill>
+                <a:effectLst/>
+                <a:latin typeface="+mn-lt"/>
+                <a:ea typeface="+mn-ea"/>
+                <a:cs typeface="+mn-cs"/>
+              </a:rPr>
+              <a:t>Creating composite functions</a:t>
+            </a:r>
+          </a:p>
+          <a:p>
+            <a:r>
+              <a:rPr lang="en-US" b="0" i="0" u="sng" dirty="0"/>
+              <a:t>Cookie-Parser: </a:t>
+            </a:r>
+            <a:r>
+              <a:rPr lang="en-AU" sz="1200" b="0" i="0" kern="1200" dirty="0">
+                <a:solidFill>
+                  <a:schemeClr val="tx1"/>
+                </a:solidFill>
+                <a:effectLst/>
+                <a:latin typeface="+mn-lt"/>
+                <a:ea typeface="+mn-ea"/>
+                <a:cs typeface="+mn-cs"/>
+              </a:rPr>
+              <a:t>Parse </a:t>
+            </a:r>
+            <a:r>
+              <a:rPr lang="en-AU" dirty="0"/>
+              <a:t>Cookie</a:t>
+            </a:r>
+            <a:r>
+              <a:rPr lang="en-AU" sz="1200" b="0" i="0" kern="1200" dirty="0">
+                <a:solidFill>
+                  <a:schemeClr val="tx1"/>
+                </a:solidFill>
+                <a:effectLst/>
+                <a:latin typeface="+mn-lt"/>
+                <a:ea typeface="+mn-ea"/>
+                <a:cs typeface="+mn-cs"/>
+              </a:rPr>
+              <a:t> header and populate </a:t>
+            </a:r>
+            <a:r>
+              <a:rPr lang="en-AU" dirty="0" err="1"/>
+              <a:t>req.cookies</a:t>
+            </a:r>
+            <a:r>
+              <a:rPr lang="en-AU" sz="1200" b="0" i="0" kern="1200" dirty="0">
+                <a:solidFill>
+                  <a:schemeClr val="tx1"/>
+                </a:solidFill>
+                <a:effectLst/>
+                <a:latin typeface="+mn-lt"/>
+                <a:ea typeface="+mn-ea"/>
+                <a:cs typeface="+mn-cs"/>
+              </a:rPr>
+              <a:t> with an object keyed by the cookie names. Optionally you may enable signed cookie support by passing a </a:t>
+            </a:r>
+            <a:r>
+              <a:rPr lang="en-AU" dirty="0"/>
+              <a:t>secret</a:t>
+            </a:r>
+            <a:r>
+              <a:rPr lang="en-AU" sz="1200" b="0" i="0" kern="1200" dirty="0">
+                <a:solidFill>
+                  <a:schemeClr val="tx1"/>
+                </a:solidFill>
+                <a:effectLst/>
+                <a:latin typeface="+mn-lt"/>
+                <a:ea typeface="+mn-ea"/>
+                <a:cs typeface="+mn-cs"/>
+              </a:rPr>
+              <a:t> string, which assigns </a:t>
+            </a:r>
+            <a:r>
+              <a:rPr lang="en-AU" dirty="0" err="1"/>
+              <a:t>req.secret</a:t>
+            </a:r>
+            <a:r>
+              <a:rPr lang="en-AU" sz="1200" b="0" i="0" kern="1200" dirty="0">
+                <a:solidFill>
+                  <a:schemeClr val="tx1"/>
+                </a:solidFill>
+                <a:effectLst/>
+                <a:latin typeface="+mn-lt"/>
+                <a:ea typeface="+mn-ea"/>
+                <a:cs typeface="+mn-cs"/>
+              </a:rPr>
+              <a:t> so it may be used by other middleware.</a:t>
+            </a:r>
+            <a:endParaRPr lang="en-US" b="0" i="0" u="sng" dirty="0"/>
+          </a:p>
+        </p:txBody>
+      </p:sp>
+      <p:sp>
+        <p:nvSpPr>
+          <p:cNvPr id="4" name="Slide Number Placeholder 3"/>
+          <p:cNvSpPr>
+            <a:spLocks noGrp="1"/>
+          </p:cNvSpPr>
+          <p:nvPr>
+            <p:ph type="sldNum" sz="quarter" idx="5"/>
+          </p:nvPr>
+        </p:nvSpPr>
+        <p:spPr/>
+        <p:txBody>
+          <a:bodyPr/>
+          <a:lstStyle/>
+          <a:p>
+            <a:fld id="{EABFCCEA-FF81-4183-8686-D06A66284F15}" type="slidenum">
+              <a:rPr lang="en-US" smtClean="0"/>
+              <a:t>5</a:t>
+            </a:fld>
+            <a:endParaRPr lang="en-US"/>
+          </a:p>
+        </p:txBody>
+      </p:sp>
+    </p:spTree>
+    <p:extLst>
+      <p:ext uri="{BB962C8B-B14F-4D97-AF65-F5344CB8AC3E}">
+        <p14:creationId xmlns:p14="http://schemas.microsoft.com/office/powerpoint/2010/main" val="1266533040"/>
+      </p:ext>
+    </p:extLst>
+  </p:cSld>
+  <p:clrMapOvr>
+    <a:masterClrMapping/>
+  </p:clrMapOvr>
+</p:notes>
+</file>
+
+<file path=ppt/notesSlides/notesSlide4.xml><?xml version="1.0" encoding="utf-8"?>
+<p:notes xmlns:a="http://schemas.openxmlformats.org/drawingml/2006/main" xmlns:r="http://schemas.openxmlformats.org/officeDocument/2006/relationships" xmlns:p="http://schemas.openxmlformats.org/presentationml/2006/main">
+  <p:cSld>
+    <p:spTree>
+      <p:nvGrpSpPr>
+        <p:cNvPr id="1" name=""/>
+        <p:cNvGrpSpPr/>
+        <p:nvPr/>
+      </p:nvGrpSpPr>
+      <p:grpSpPr>
+        <a:xfrm>
+          <a:off x="0" y="0"/>
+          <a:ext cx="0" cy="0"/>
+          <a:chOff x="0" y="0"/>
+          <a:chExt cx="0" cy="0"/>
+        </a:xfrm>
+      </p:grpSpPr>
+      <p:sp>
+        <p:nvSpPr>
+          <p:cNvPr id="2" name="Slide Image Placeholder 1"/>
+          <p:cNvSpPr>
+            <a:spLocks noGrp="1" noRot="1" noChangeAspect="1"/>
+          </p:cNvSpPr>
+          <p:nvPr>
+            <p:ph type="sldImg"/>
+          </p:nvPr>
+        </p:nvSpPr>
+        <p:spPr/>
+      </p:sp>
+      <p:sp>
+        <p:nvSpPr>
+          <p:cNvPr id="3" name="Notes Placeholder 2"/>
+          <p:cNvSpPr>
+            <a:spLocks noGrp="1"/>
+          </p:cNvSpPr>
+          <p:nvPr>
+            <p:ph type="body" idx="1"/>
+          </p:nvPr>
+        </p:nvSpPr>
+        <p:spPr/>
+        <p:txBody>
+          <a:bodyPr/>
+          <a:lstStyle/>
+          <a:p>
+            <a:r>
+              <a:rPr lang="en-US" dirty="0"/>
+              <a:t>I read for hours of documentation of all the dependencies involved and tested dozen of examples, </a:t>
+            </a:r>
+          </a:p>
+          <a:p>
+            <a:r>
+              <a:rPr lang="en-US" dirty="0"/>
+              <a:t>Which non worked. By the way. When I started with 4 files of the front end, which was one controller, one modal and one route for the user on the back-end,</a:t>
+            </a:r>
+          </a:p>
+          <a:p>
+            <a:r>
+              <a:rPr lang="en-US" dirty="0"/>
+              <a:t> multiplied by 4 in a few days and then by 4 again, I ended up fixing a controller that was working thinking it was another one, and lost few hours just to realize</a:t>
+            </a:r>
+          </a:p>
+          <a:p>
+            <a:r>
+              <a:rPr lang="en-US" dirty="0"/>
+              <a:t>That Product.js is different than Products.js</a:t>
+            </a:r>
+          </a:p>
+          <a:p>
+            <a:r>
+              <a:rPr lang="en-US" dirty="0"/>
+              <a:t>With Stripe, I learned something valuable. Never Give Up! </a:t>
+            </a:r>
+          </a:p>
+          <a:p>
+            <a:r>
+              <a:rPr lang="en-US" dirty="0"/>
+              <a:t>When Augustin, kindly replied to me on a Sunday to either fix the strip or drop it, I decided to drop it,</a:t>
+            </a:r>
+          </a:p>
+          <a:p>
+            <a:r>
+              <a:rPr lang="en-US" dirty="0"/>
+              <a:t>On the following Monday, I had a chat with </a:t>
+            </a:r>
+            <a:r>
+              <a:rPr lang="en-US" dirty="0" err="1"/>
+              <a:t>Dyon</a:t>
+            </a:r>
+            <a:r>
+              <a:rPr lang="en-US" dirty="0"/>
+              <a:t> and Scottie, and felt miserable, and told myself, </a:t>
+            </a:r>
+            <a:r>
+              <a:rPr lang="en-US" b="1" dirty="0"/>
+              <a:t>I never give up, why am I now?</a:t>
+            </a:r>
+          </a:p>
+          <a:p>
+            <a:r>
+              <a:rPr lang="en-US" dirty="0"/>
+              <a:t>And that night, I was able to get the strip working.</a:t>
+            </a:r>
+          </a:p>
+        </p:txBody>
+      </p:sp>
+      <p:sp>
+        <p:nvSpPr>
+          <p:cNvPr id="4" name="Slide Number Placeholder 3"/>
+          <p:cNvSpPr>
+            <a:spLocks noGrp="1"/>
+          </p:cNvSpPr>
+          <p:nvPr>
+            <p:ph type="sldNum" sz="quarter" idx="5"/>
+          </p:nvPr>
+        </p:nvSpPr>
+        <p:spPr/>
+        <p:txBody>
+          <a:bodyPr/>
+          <a:lstStyle/>
+          <a:p>
+            <a:fld id="{EABFCCEA-FF81-4183-8686-D06A66284F15}" type="slidenum">
+              <a:rPr lang="en-US" smtClean="0"/>
+              <a:t>6</a:t>
+            </a:fld>
+            <a:endParaRPr lang="en-US"/>
+          </a:p>
+        </p:txBody>
+      </p:sp>
+    </p:spTree>
+    <p:extLst>
+      <p:ext uri="{BB962C8B-B14F-4D97-AF65-F5344CB8AC3E}">
+        <p14:creationId xmlns:p14="http://schemas.microsoft.com/office/powerpoint/2010/main" val="998790540"/>
+      </p:ext>
+    </p:extLst>
+  </p:cSld>
+  <p:clrMapOvr>
+    <a:masterClrMapping/>
+  </p:clrMapOvr>
+</p:notes>
+</file>
+
+<file path=ppt/notesSlides/notesSlide5.xml><?xml version="1.0" encoding="utf-8"?>
+<p:notes xmlns:a="http://schemas.openxmlformats.org/drawingml/2006/main" xmlns:r="http://schemas.openxmlformats.org/officeDocument/2006/relationships" xmlns:p="http://schemas.openxmlformats.org/presentationml/2006/main">
+  <p:cSld>
+    <p:spTree>
+      <p:nvGrpSpPr>
+        <p:cNvPr id="1" name=""/>
+        <p:cNvGrpSpPr/>
+        <p:nvPr/>
+      </p:nvGrpSpPr>
+      <p:grpSpPr>
+        <a:xfrm>
+          <a:off x="0" y="0"/>
+          <a:ext cx="0" cy="0"/>
+          <a:chOff x="0" y="0"/>
+          <a:chExt cx="0" cy="0"/>
+        </a:xfrm>
+      </p:grpSpPr>
+      <p:sp>
+        <p:nvSpPr>
+          <p:cNvPr id="2" name="Slide Image Placeholder 1"/>
+          <p:cNvSpPr>
+            <a:spLocks noGrp="1" noRot="1" noChangeAspect="1"/>
+          </p:cNvSpPr>
+          <p:nvPr>
+            <p:ph type="sldImg"/>
+          </p:nvPr>
+        </p:nvSpPr>
+        <p:spPr/>
+      </p:sp>
+      <p:sp>
+        <p:nvSpPr>
+          <p:cNvPr id="3" name="Notes Placeholder 2"/>
+          <p:cNvSpPr>
+            <a:spLocks noGrp="1"/>
+          </p:cNvSpPr>
+          <p:nvPr>
+            <p:ph type="body" idx="1"/>
+          </p:nvPr>
+        </p:nvSpPr>
+        <p:spPr/>
+        <p:txBody>
+          <a:bodyPr/>
+          <a:lstStyle/>
+          <a:p>
+            <a:r>
+              <a:rPr lang="en-US" dirty="0"/>
+              <a:t>I made plenty notes, many drawings, many ideas, that did make in but many more that were discarded. </a:t>
+            </a:r>
+          </a:p>
+          <a:p>
+            <a:r>
+              <a:rPr lang="en-US" dirty="0"/>
+              <a:t>Thankfully I followed through, with planning, or I would have not been able to keep my mental health in check,</a:t>
+            </a:r>
+          </a:p>
+          <a:p>
+            <a:r>
+              <a:rPr lang="en-US" dirty="0"/>
+              <a:t>I used Kanban a the beginning a lot, but at the end, I tried to keep up, but time was pressing.</a:t>
+            </a:r>
+          </a:p>
+        </p:txBody>
+      </p:sp>
+      <p:sp>
+        <p:nvSpPr>
+          <p:cNvPr id="4" name="Slide Number Placeholder 3"/>
+          <p:cNvSpPr>
+            <a:spLocks noGrp="1"/>
+          </p:cNvSpPr>
+          <p:nvPr>
+            <p:ph type="sldNum" sz="quarter" idx="5"/>
+          </p:nvPr>
+        </p:nvSpPr>
+        <p:spPr/>
+        <p:txBody>
+          <a:bodyPr/>
+          <a:lstStyle/>
+          <a:p>
+            <a:fld id="{EABFCCEA-FF81-4183-8686-D06A66284F15}" type="slidenum">
+              <a:rPr lang="en-US" smtClean="0"/>
+              <a:t>7</a:t>
+            </a:fld>
+            <a:endParaRPr lang="en-US"/>
+          </a:p>
+        </p:txBody>
+      </p:sp>
+    </p:spTree>
+    <p:extLst>
+      <p:ext uri="{BB962C8B-B14F-4D97-AF65-F5344CB8AC3E}">
+        <p14:creationId xmlns:p14="http://schemas.microsoft.com/office/powerpoint/2010/main" val="226123373"/>
+      </p:ext>
+    </p:extLst>
+  </p:cSld>
+  <p:clrMapOvr>
+    <a:masterClrMapping/>
+  </p:clrMapOvr>
+</p:notes>
+</file>
+
+<file path=ppt/notesSlides/notesSlide6.xml><?xml version="1.0" encoding="utf-8"?>
+<p:notes xmlns:a="http://schemas.openxmlformats.org/drawingml/2006/main" xmlns:r="http://schemas.openxmlformats.org/officeDocument/2006/relationships" xmlns:p="http://schemas.openxmlformats.org/presentationml/2006/main">
+  <p:cSld>
+    <p:spTree>
+      <p:nvGrpSpPr>
+        <p:cNvPr id="1" name=""/>
+        <p:cNvGrpSpPr/>
+        <p:nvPr/>
+      </p:nvGrpSpPr>
+      <p:grpSpPr>
+        <a:xfrm>
+          <a:off x="0" y="0"/>
+          <a:ext cx="0" cy="0"/>
+          <a:chOff x="0" y="0"/>
+          <a:chExt cx="0" cy="0"/>
+        </a:xfrm>
+      </p:grpSpPr>
+      <p:sp>
+        <p:nvSpPr>
+          <p:cNvPr id="2" name="Slide Image Placeholder 1"/>
+          <p:cNvSpPr>
+            <a:spLocks noGrp="1" noRot="1" noChangeAspect="1"/>
+          </p:cNvSpPr>
+          <p:nvPr>
+            <p:ph type="sldImg"/>
+          </p:nvPr>
+        </p:nvSpPr>
+        <p:spPr/>
+      </p:sp>
+      <p:sp>
+        <p:nvSpPr>
+          <p:cNvPr id="3" name="Notes Placeholder 2"/>
+          <p:cNvSpPr>
+            <a:spLocks noGrp="1"/>
+          </p:cNvSpPr>
+          <p:nvPr>
+            <p:ph type="body" idx="1"/>
+          </p:nvPr>
+        </p:nvSpPr>
+        <p:spPr/>
+        <p:txBody>
+          <a:bodyPr/>
+          <a:lstStyle/>
+          <a:p>
+            <a:r>
+              <a:rPr lang="en-US" dirty="0"/>
+              <a:t>As mentioned earlier slides, It has been a tough hard insanely tiring 3 weeks! </a:t>
+            </a:r>
+          </a:p>
+          <a:p>
+            <a:r>
+              <a:rPr lang="en-US" dirty="0"/>
+              <a:t>I made so many mistakes, as missing comas, or curly brackets that </a:t>
+            </a:r>
+            <a:r>
+              <a:rPr lang="en-US" dirty="0" err="1"/>
+              <a:t>VSCode</a:t>
+            </a:r>
+            <a:r>
+              <a:rPr lang="en-US" dirty="0"/>
+              <a:t> did not even see it as an issue, </a:t>
+            </a:r>
+          </a:p>
+          <a:p>
+            <a:r>
+              <a:rPr lang="en-US" dirty="0"/>
+              <a:t>Then do tons of </a:t>
+            </a:r>
+            <a:r>
+              <a:rPr lang="en-US" dirty="0" err="1"/>
+              <a:t>console.logs</a:t>
+            </a:r>
+            <a:r>
+              <a:rPr lang="en-US" dirty="0"/>
+              <a:t> and hunt down the issue and google the messages and nothing made much sense most of the time.</a:t>
+            </a:r>
+          </a:p>
+          <a:p>
+            <a:r>
+              <a:rPr lang="en-US" dirty="0"/>
+              <a:t>I made it through! </a:t>
+            </a:r>
+          </a:p>
+        </p:txBody>
+      </p:sp>
+      <p:sp>
+        <p:nvSpPr>
+          <p:cNvPr id="4" name="Slide Number Placeholder 3"/>
+          <p:cNvSpPr>
+            <a:spLocks noGrp="1"/>
+          </p:cNvSpPr>
+          <p:nvPr>
+            <p:ph type="sldNum" sz="quarter" idx="5"/>
+          </p:nvPr>
+        </p:nvSpPr>
+        <p:spPr/>
+        <p:txBody>
+          <a:bodyPr/>
+          <a:lstStyle/>
+          <a:p>
+            <a:fld id="{EABFCCEA-FF81-4183-8686-D06A66284F15}" type="slidenum">
+              <a:rPr lang="en-US" smtClean="0"/>
+              <a:t>8</a:t>
+            </a:fld>
+            <a:endParaRPr lang="en-US"/>
+          </a:p>
+        </p:txBody>
+      </p:sp>
+    </p:spTree>
+    <p:extLst>
+      <p:ext uri="{BB962C8B-B14F-4D97-AF65-F5344CB8AC3E}">
+        <p14:creationId xmlns:p14="http://schemas.microsoft.com/office/powerpoint/2010/main" val="1386089172"/>
+      </p:ext>
+    </p:extLst>
+  </p:cSld>
+  <p:clrMapOvr>
+    <a:masterClrMapping/>
+  </p:clrMapOvr>
+</p:notes>
+</file>
+
+<file path=ppt/notesSlides/notesSlide7.xml><?xml version="1.0" encoding="utf-8"?>
+<p:notes xmlns:a="http://schemas.openxmlformats.org/drawingml/2006/main" xmlns:r="http://schemas.openxmlformats.org/officeDocument/2006/relationships" xmlns:p="http://schemas.openxmlformats.org/presentationml/2006/main">
+  <p:cSld>
+    <p:spTree>
+      <p:nvGrpSpPr>
+        <p:cNvPr id="1" name=""/>
+        <p:cNvGrpSpPr/>
+        <p:nvPr/>
+      </p:nvGrpSpPr>
+      <p:grpSpPr>
+        <a:xfrm>
+          <a:off x="0" y="0"/>
+          <a:ext cx="0" cy="0"/>
+          <a:chOff x="0" y="0"/>
+          <a:chExt cx="0" cy="0"/>
+        </a:xfrm>
+      </p:grpSpPr>
+      <p:sp>
+        <p:nvSpPr>
+          <p:cNvPr id="2" name="Slide Image Placeholder 1"/>
+          <p:cNvSpPr>
+            <a:spLocks noGrp="1" noRot="1" noChangeAspect="1"/>
+          </p:cNvSpPr>
+          <p:nvPr>
+            <p:ph type="sldImg"/>
+          </p:nvPr>
+        </p:nvSpPr>
+        <p:spPr/>
+      </p:sp>
+      <p:sp>
+        <p:nvSpPr>
+          <p:cNvPr id="3" name="Notes Placeholder 2"/>
+          <p:cNvSpPr>
+            <a:spLocks noGrp="1"/>
+          </p:cNvSpPr>
+          <p:nvPr>
+            <p:ph type="body" idx="1"/>
+          </p:nvPr>
+        </p:nvSpPr>
+        <p:spPr/>
+        <p:txBody>
+          <a:bodyPr/>
+          <a:lstStyle/>
+          <a:p>
+            <a:r>
+              <a:rPr lang="en-US" dirty="0"/>
+              <a:t>This Tree shows a bit of how I started the process.</a:t>
+            </a:r>
+          </a:p>
+          <a:p>
+            <a:r>
+              <a:rPr lang="en-US" dirty="0"/>
+              <a:t>The blue were the initial views or flows that I wanted or needed in the app.</a:t>
+            </a:r>
+          </a:p>
+          <a:p>
+            <a:r>
+              <a:rPr lang="en-US" dirty="0"/>
+              <a:t>As well as the Green which ended up complicated and took a lot of time.</a:t>
+            </a:r>
+          </a:p>
+          <a:p>
+            <a:r>
+              <a:rPr lang="en-US" dirty="0"/>
+              <a:t>I ended up adding the dark gold color then the light orange.</a:t>
+            </a:r>
+          </a:p>
+          <a:p>
+            <a:r>
+              <a:rPr lang="en-US" dirty="0"/>
+              <a:t>There might be some missing, but I had to remake this as I cannot find the original one.</a:t>
+            </a:r>
+          </a:p>
+        </p:txBody>
+      </p:sp>
+      <p:sp>
+        <p:nvSpPr>
+          <p:cNvPr id="4" name="Slide Number Placeholder 3"/>
+          <p:cNvSpPr>
+            <a:spLocks noGrp="1"/>
+          </p:cNvSpPr>
+          <p:nvPr>
+            <p:ph type="sldNum" sz="quarter" idx="5"/>
+          </p:nvPr>
+        </p:nvSpPr>
+        <p:spPr/>
+        <p:txBody>
+          <a:bodyPr/>
+          <a:lstStyle/>
+          <a:p>
+            <a:fld id="{EABFCCEA-FF81-4183-8686-D06A66284F15}" type="slidenum">
+              <a:rPr lang="en-US" smtClean="0"/>
+              <a:t>9</a:t>
+            </a:fld>
+            <a:endParaRPr lang="en-US"/>
+          </a:p>
+        </p:txBody>
+      </p:sp>
+    </p:spTree>
+    <p:extLst>
+      <p:ext uri="{BB962C8B-B14F-4D97-AF65-F5344CB8AC3E}">
+        <p14:creationId xmlns:p14="http://schemas.microsoft.com/office/powerpoint/2010/main" val="2498433878"/>
+      </p:ext>
+    </p:extLst>
+  </p:cSld>
+  <p:clrMapOvr>
+    <a:masterClrMapping/>
+  </p:clrMapOvr>
+</p:notes>
+</file>
+
+<file path=ppt/notesSlides/notesSlide8.xml><?xml version="1.0" encoding="utf-8"?>
+<p:notes xmlns:a="http://schemas.openxmlformats.org/drawingml/2006/main" xmlns:r="http://schemas.openxmlformats.org/officeDocument/2006/relationships" xmlns:p="http://schemas.openxmlformats.org/presentationml/2006/main">
+  <p:cSld>
+    <p:spTree>
+      <p:nvGrpSpPr>
+        <p:cNvPr id="1" name=""/>
+        <p:cNvGrpSpPr/>
+        <p:nvPr/>
+      </p:nvGrpSpPr>
+      <p:grpSpPr>
+        <a:xfrm>
+          <a:off x="0" y="0"/>
+          <a:ext cx="0" cy="0"/>
+          <a:chOff x="0" y="0"/>
+          <a:chExt cx="0" cy="0"/>
+        </a:xfrm>
+      </p:grpSpPr>
+      <p:sp>
+        <p:nvSpPr>
+          <p:cNvPr id="2" name="Slide Image Placeholder 1"/>
+          <p:cNvSpPr>
+            <a:spLocks noGrp="1" noRot="1" noChangeAspect="1"/>
+          </p:cNvSpPr>
+          <p:nvPr>
+            <p:ph type="sldImg"/>
+          </p:nvPr>
+        </p:nvSpPr>
+        <p:spPr/>
+      </p:sp>
+      <p:sp>
+        <p:nvSpPr>
+          <p:cNvPr id="3" name="Notes Placeholder 2"/>
+          <p:cNvSpPr>
+            <a:spLocks noGrp="1"/>
+          </p:cNvSpPr>
+          <p:nvPr>
+            <p:ph type="body" idx="1"/>
+          </p:nvPr>
+        </p:nvSpPr>
+        <p:spPr/>
+        <p:txBody>
+          <a:bodyPr/>
+          <a:lstStyle/>
+          <a:p>
+            <a:r>
+              <a:rPr lang="en-US" dirty="0"/>
+              <a:t>Time for the demo, well as you can see, this is what you would expect from a market place portal. </a:t>
+            </a:r>
+          </a:p>
+          <a:p>
+            <a:r>
+              <a:rPr lang="en-US" dirty="0"/>
+              <a:t>I will create one new user, and with this user, I will be just a buyer, and purchase some products and go tot the end of the process. </a:t>
+            </a:r>
+          </a:p>
+          <a:p>
+            <a:r>
+              <a:rPr lang="en-US" dirty="0"/>
+              <a:t>Then I will log into one user who is a seller and has a store, and products already uploaded, </a:t>
+            </a:r>
+          </a:p>
+          <a:p>
+            <a:r>
+              <a:rPr lang="en-US" dirty="0"/>
+              <a:t>Here we can see the order made and we can change the status as delivered, processing, which currently its not working, as it’s a test account with stripe and no payments are made. But the flow is as you can see. The users can see the status updated on their profile view.</a:t>
+            </a:r>
+          </a:p>
+          <a:p>
+            <a:endParaRPr lang="en-US" dirty="0"/>
+          </a:p>
+          <a:p>
+            <a:endParaRPr lang="en-US" dirty="0"/>
+          </a:p>
+        </p:txBody>
+      </p:sp>
+      <p:sp>
+        <p:nvSpPr>
+          <p:cNvPr id="4" name="Slide Number Placeholder 3"/>
+          <p:cNvSpPr>
+            <a:spLocks noGrp="1"/>
+          </p:cNvSpPr>
+          <p:nvPr>
+            <p:ph type="sldNum" sz="quarter" idx="5"/>
+          </p:nvPr>
+        </p:nvSpPr>
+        <p:spPr/>
+        <p:txBody>
+          <a:bodyPr/>
+          <a:lstStyle/>
+          <a:p>
+            <a:fld id="{EABFCCEA-FF81-4183-8686-D06A66284F15}" type="slidenum">
+              <a:rPr lang="en-US" smtClean="0"/>
+              <a:t>10</a:t>
+            </a:fld>
+            <a:endParaRPr lang="en-US"/>
+          </a:p>
+        </p:txBody>
+      </p:sp>
+    </p:spTree>
+    <p:extLst>
+      <p:ext uri="{BB962C8B-B14F-4D97-AF65-F5344CB8AC3E}">
+        <p14:creationId xmlns:p14="http://schemas.microsoft.com/office/powerpoint/2010/main" val="2185388867"/>
+      </p:ext>
+    </p:extLst>
+  </p:cSld>
+  <p:clrMapOvr>
+    <a:masterClrMapping/>
+  </p:clrMapOvr>
+</p:notes>
+</file>
+
+<file path=ppt/notesSlides/notesSlide9.xml><?xml version="1.0" encoding="utf-8"?>
+<p:notes xmlns:a="http://schemas.openxmlformats.org/drawingml/2006/main" xmlns:r="http://schemas.openxmlformats.org/officeDocument/2006/relationships" xmlns:p="http://schemas.openxmlformats.org/presentationml/2006/main">
+  <p:cSld>
+    <p:spTree>
+      <p:nvGrpSpPr>
+        <p:cNvPr id="1" name=""/>
+        <p:cNvGrpSpPr/>
+        <p:nvPr/>
+      </p:nvGrpSpPr>
+      <p:grpSpPr>
+        <a:xfrm>
+          <a:off x="0" y="0"/>
+          <a:ext cx="0" cy="0"/>
+          <a:chOff x="0" y="0"/>
+          <a:chExt cx="0" cy="0"/>
+        </a:xfrm>
+      </p:grpSpPr>
+      <p:sp>
+        <p:nvSpPr>
+          <p:cNvPr id="2" name="Slide Image Placeholder 1"/>
+          <p:cNvSpPr>
+            <a:spLocks noGrp="1" noRot="1" noChangeAspect="1"/>
+          </p:cNvSpPr>
+          <p:nvPr>
+            <p:ph type="sldImg"/>
+          </p:nvPr>
+        </p:nvSpPr>
+        <p:spPr/>
+      </p:sp>
+      <p:sp>
+        <p:nvSpPr>
+          <p:cNvPr id="3" name="Notes Placeholder 2"/>
+          <p:cNvSpPr>
+            <a:spLocks noGrp="1"/>
+          </p:cNvSpPr>
+          <p:nvPr>
+            <p:ph type="body" idx="1"/>
+          </p:nvPr>
+        </p:nvSpPr>
+        <p:spPr/>
+        <p:txBody>
+          <a:bodyPr/>
+          <a:lstStyle/>
+          <a:p>
+            <a:r>
+              <a:rPr lang="en-US" dirty="0"/>
+              <a:t>There is much to add that would enhance the app, as logging in with your Facebook, google and </a:t>
+            </a:r>
+            <a:r>
+              <a:rPr lang="en-US" dirty="0" err="1"/>
+              <a:t>Linkedin</a:t>
+            </a:r>
+            <a:r>
+              <a:rPr lang="en-US" dirty="0"/>
+              <a:t> accounts, </a:t>
+            </a:r>
+          </a:p>
+          <a:p>
+            <a:r>
+              <a:rPr lang="en-US" dirty="0"/>
+              <a:t>And using other pay system as </a:t>
+            </a:r>
+            <a:r>
+              <a:rPr lang="en-US" dirty="0" err="1"/>
+              <a:t>Paypal</a:t>
+            </a:r>
+            <a:r>
+              <a:rPr lang="en-US" dirty="0"/>
+              <a:t>, Already have some code ready to implement, and did a tests which failed, so it was removed.</a:t>
+            </a:r>
+          </a:p>
+          <a:p>
+            <a:pPr marL="0" marR="0" lvl="0" indent="0" algn="l" defTabSz="914400" rtl="0" eaLnBrk="1" fontAlgn="auto" latinLnBrk="0" hangingPunct="1">
+              <a:lnSpc>
+                <a:spcPct val="100000"/>
+              </a:lnSpc>
+              <a:spcBef>
+                <a:spcPts val="0"/>
+              </a:spcBef>
+              <a:spcAft>
+                <a:spcPts val="0"/>
+              </a:spcAft>
+              <a:buClrTx/>
+              <a:buSzTx/>
+              <a:buFontTx/>
+              <a:buNone/>
+              <a:tabLst/>
+              <a:defRPr/>
+            </a:pPr>
+            <a:r>
+              <a:rPr lang="en-US" sz="1200" dirty="0"/>
+              <a:t>I am always thinking how to automate things and make it easy the second time, I would need to implement this and there is a </a:t>
+            </a:r>
+            <a:r>
+              <a:rPr lang="en-US" sz="1200" dirty="0" err="1"/>
+              <a:t>lof</a:t>
+            </a:r>
+            <a:r>
+              <a:rPr lang="en-US" sz="1200" dirty="0"/>
+              <a:t> improvements in this area, </a:t>
+            </a:r>
+          </a:p>
+          <a:p>
+            <a:pPr marL="0" marR="0" lvl="0" indent="0" algn="l" defTabSz="914400" rtl="0" eaLnBrk="1" fontAlgn="auto" latinLnBrk="0" hangingPunct="1">
+              <a:lnSpc>
+                <a:spcPct val="100000"/>
+              </a:lnSpc>
+              <a:spcBef>
+                <a:spcPts val="0"/>
+              </a:spcBef>
+              <a:spcAft>
+                <a:spcPts val="0"/>
+              </a:spcAft>
+              <a:buClrTx/>
+              <a:buSzTx/>
+              <a:buFontTx/>
+              <a:buNone/>
+              <a:tabLst/>
+              <a:defRPr/>
+            </a:pPr>
+            <a:r>
+              <a:rPr lang="en-US" sz="1200" dirty="0"/>
+              <a:t>For instance the theme used:, So creating a centralized theme so to be able to make the app reusable to different customers, countries &amp; languages.</a:t>
+            </a:r>
+          </a:p>
+          <a:p>
+            <a:pPr marL="0" marR="0" lvl="0" indent="0" algn="l" defTabSz="914400" rtl="0" eaLnBrk="1" fontAlgn="auto" latinLnBrk="0" hangingPunct="1">
+              <a:lnSpc>
+                <a:spcPct val="100000"/>
+              </a:lnSpc>
+              <a:spcBef>
+                <a:spcPts val="0"/>
+              </a:spcBef>
+              <a:spcAft>
+                <a:spcPts val="0"/>
+              </a:spcAft>
+              <a:buClrTx/>
+              <a:buSzTx/>
+              <a:buFontTx/>
+              <a:buNone/>
+              <a:tabLst/>
+              <a:defRPr/>
+            </a:pPr>
+            <a:r>
+              <a:rPr lang="en-US" sz="1200" dirty="0"/>
+              <a:t>Using variables that can use the localization of the computer used to offer translation with a click of a switch. </a:t>
+            </a:r>
+          </a:p>
+          <a:p>
+            <a:pPr marL="0" marR="0" lvl="0" indent="0" algn="l" defTabSz="914400" rtl="0" eaLnBrk="1" fontAlgn="auto" latinLnBrk="0" hangingPunct="1">
+              <a:lnSpc>
+                <a:spcPct val="100000"/>
+              </a:lnSpc>
+              <a:spcBef>
+                <a:spcPts val="0"/>
+              </a:spcBef>
+              <a:spcAft>
+                <a:spcPts val="0"/>
+              </a:spcAft>
+              <a:buClrTx/>
+              <a:buSzTx/>
+              <a:buFontTx/>
+              <a:buNone/>
+              <a:tabLst/>
+              <a:defRPr/>
+            </a:pPr>
+            <a:r>
+              <a:rPr lang="en-US" sz="1200" dirty="0"/>
+              <a:t>Also, creating an Admin panel, that would allow users to manage currency which currently is hardcoded to their country of origin. </a:t>
+            </a:r>
+          </a:p>
+          <a:p>
+            <a:pPr marL="0" marR="0" lvl="0" indent="0" algn="l" defTabSz="914400" rtl="0" eaLnBrk="1" fontAlgn="auto" latinLnBrk="0" hangingPunct="1">
+              <a:lnSpc>
+                <a:spcPct val="100000"/>
+              </a:lnSpc>
+              <a:spcBef>
+                <a:spcPts val="0"/>
+              </a:spcBef>
+              <a:spcAft>
+                <a:spcPts val="0"/>
+              </a:spcAft>
+              <a:buClrTx/>
+              <a:buSzTx/>
+              <a:buFontTx/>
+              <a:buNone/>
+              <a:tabLst/>
+              <a:defRPr/>
+            </a:pPr>
+            <a:endParaRPr lang="en-US" sz="1200" dirty="0"/>
+          </a:p>
+          <a:p>
+            <a:endParaRPr lang="en-US" dirty="0"/>
+          </a:p>
+          <a:p>
+            <a:endParaRPr lang="en-US" dirty="0"/>
+          </a:p>
+          <a:p>
+            <a:endParaRPr lang="en-US" dirty="0"/>
+          </a:p>
+        </p:txBody>
+      </p:sp>
+      <p:sp>
+        <p:nvSpPr>
+          <p:cNvPr id="4" name="Slide Number Placeholder 3"/>
+          <p:cNvSpPr>
+            <a:spLocks noGrp="1"/>
+          </p:cNvSpPr>
+          <p:nvPr>
+            <p:ph type="sldNum" sz="quarter" idx="5"/>
+          </p:nvPr>
+        </p:nvSpPr>
+        <p:spPr/>
+        <p:txBody>
+          <a:bodyPr/>
+          <a:lstStyle/>
+          <a:p>
+            <a:fld id="{EABFCCEA-FF81-4183-8686-D06A66284F15}" type="slidenum">
+              <a:rPr lang="en-US" smtClean="0"/>
+              <a:t>11</a:t>
+            </a:fld>
+            <a:endParaRPr lang="en-US"/>
+          </a:p>
+        </p:txBody>
+      </p:sp>
+    </p:spTree>
+    <p:extLst>
+      <p:ext uri="{BB962C8B-B14F-4D97-AF65-F5344CB8AC3E}">
+        <p14:creationId xmlns:p14="http://schemas.microsoft.com/office/powerpoint/2010/main" val="3555206743"/>
+      </p:ext>
+    </p:extLst>
+  </p:cSld>
+  <p:clrMapOvr>
+    <a:masterClrMapping/>
+  </p:clrMapOvr>
+</p:notes>
 </file>
 
 <file path=ppt/slideLayouts/slideLayout1.xml><?xml version="1.0" encoding="utf-8"?>
@@ -274,7 +2507,7 @@
           <a:p>
             <a:fld id="{02AC24A9-CCB6-4F8D-B8DB-C2F3692CFA5A}" type="datetimeFigureOut">
               <a:rPr lang="en-US" smtClean="0"/>
-              <a:t>27-Jul-20</a:t>
+              <a:t>29-Jul-20</a:t>
             </a:fld>
             <a:endParaRPr lang="en-US" dirty="0"/>
           </a:p>
@@ -644,7 +2877,7 @@
           <a:p>
             <a:fld id="{02AC24A9-CCB6-4F8D-B8DB-C2F3692CFA5A}" type="datetimeFigureOut">
               <a:rPr lang="en-US" smtClean="0"/>
-              <a:t>27-Jul-20</a:t>
+              <a:t>29-Jul-20</a:t>
             </a:fld>
             <a:endParaRPr lang="en-US"/>
           </a:p>
@@ -853,7 +3086,7 @@
           <a:p>
             <a:fld id="{02AC24A9-CCB6-4F8D-B8DB-C2F3692CFA5A}" type="datetimeFigureOut">
               <a:rPr lang="en-US" smtClean="0"/>
-              <a:t>27-Jul-20</a:t>
+              <a:t>29-Jul-20</a:t>
             </a:fld>
             <a:endParaRPr lang="en-US"/>
           </a:p>
@@ -1323,7 +3556,7 @@
           <a:p>
             <a:fld id="{02AC24A9-CCB6-4F8D-B8DB-C2F3692CFA5A}" type="datetimeFigureOut">
               <a:rPr lang="en-US" smtClean="0"/>
-              <a:t>27-Jul-20</a:t>
+              <a:t>29-Jul-20</a:t>
             </a:fld>
             <a:endParaRPr lang="en-US"/>
           </a:p>
@@ -1777,7 +4010,7 @@
           <a:p>
             <a:fld id="{02AC24A9-CCB6-4F8D-B8DB-C2F3692CFA5A}" type="datetimeFigureOut">
               <a:rPr lang="en-US" smtClean="0"/>
-              <a:t>27-Jul-20</a:t>
+              <a:t>29-Jul-20</a:t>
             </a:fld>
             <a:endParaRPr lang="en-US"/>
           </a:p>
@@ -2309,7 +4542,7 @@
           <a:p>
             <a:fld id="{02AC24A9-CCB6-4F8D-B8DB-C2F3692CFA5A}" type="datetimeFigureOut">
               <a:rPr lang="en-US" smtClean="0"/>
-              <a:t>27-Jul-20</a:t>
+              <a:t>29-Jul-20</a:t>
             </a:fld>
             <a:endParaRPr lang="en-US"/>
           </a:p>
@@ -3008,7 +5241,7 @@
           <a:p>
             <a:fld id="{02AC24A9-CCB6-4F8D-B8DB-C2F3692CFA5A}" type="datetimeFigureOut">
               <a:rPr lang="en-US" smtClean="0"/>
-              <a:t>27-Jul-20</a:t>
+              <a:t>29-Jul-20</a:t>
             </a:fld>
             <a:endParaRPr lang="en-US"/>
           </a:p>
@@ -3337,7 +5570,7 @@
           <a:p>
             <a:fld id="{02AC24A9-CCB6-4F8D-B8DB-C2F3692CFA5A}" type="datetimeFigureOut">
               <a:rPr lang="en-US" smtClean="0"/>
-              <a:t>27-Jul-20</a:t>
+              <a:t>29-Jul-20</a:t>
             </a:fld>
             <a:endParaRPr lang="en-US"/>
           </a:p>
@@ -3450,7 +5683,7 @@
           <a:p>
             <a:fld id="{02AC24A9-CCB6-4F8D-B8DB-C2F3692CFA5A}" type="datetimeFigureOut">
               <a:rPr lang="en-US" smtClean="0"/>
-              <a:t>27-Jul-20</a:t>
+              <a:t>29-Jul-20</a:t>
             </a:fld>
             <a:endParaRPr lang="en-US"/>
           </a:p>
@@ -3945,7 +6178,7 @@
           <a:p>
             <a:fld id="{02AC24A9-CCB6-4F8D-B8DB-C2F3692CFA5A}" type="datetimeFigureOut">
               <a:rPr lang="en-US" smtClean="0"/>
-              <a:t>27-Jul-20</a:t>
+              <a:t>29-Jul-20</a:t>
             </a:fld>
             <a:endParaRPr lang="en-US" dirty="0"/>
           </a:p>
@@ -4422,7 +6655,7 @@
           <a:p>
             <a:fld id="{02AC24A9-CCB6-4F8D-B8DB-C2F3692CFA5A}" type="datetimeFigureOut">
               <a:rPr lang="en-US" smtClean="0"/>
-              <a:t>27-Jul-20</a:t>
+              <a:t>29-Jul-20</a:t>
             </a:fld>
             <a:endParaRPr lang="en-US"/>
           </a:p>
@@ -4665,7 +6898,7 @@
           <a:p>
             <a:fld id="{02AC24A9-CCB6-4F8D-B8DB-C2F3692CFA5A}" type="datetimeFigureOut">
               <a:rPr lang="en-US" smtClean="0"/>
-              <a:t>27-Jul-20</a:t>
+              <a:t>29-Jul-20</a:t>
             </a:fld>
             <a:endParaRPr lang="en-US"/>
           </a:p>
@@ -5068,14 +7301,6 @@
 <file path=ppt/slides/slide1.xml><?xml version="1.0" encoding="utf-8"?>
 <p:sld xmlns:a="http://schemas.openxmlformats.org/drawingml/2006/main" xmlns:r="http://schemas.openxmlformats.org/officeDocument/2006/relationships" xmlns:p="http://schemas.openxmlformats.org/presentationml/2006/main">
   <p:cSld>
-    <p:bg>
-      <p:bgPr>
-        <a:solidFill>
-          <a:schemeClr val="bg1"/>
-        </a:solidFill>
-        <a:effectLst/>
-      </p:bgPr>
-    </p:bg>
     <p:spTree>
       <p:nvGrpSpPr>
         <p:cNvPr id="1" name=""/>
@@ -5090,12 +7315,62 @@
           <a:chExt cx="0" cy="0"/>
         </a:xfrm>
       </p:grpSpPr>
+      <p:sp>
+        <p:nvSpPr>
+          <p:cNvPr id="2" name="Title 1">
+            <a:extLst>
+              <a:ext uri="{FF2B5EF4-FFF2-40B4-BE49-F238E27FC236}">
+                <a16:creationId xmlns:a16="http://schemas.microsoft.com/office/drawing/2014/main" id="{41A4756F-AE2C-47B0-8929-8C70CFA4A6C5}"/>
+              </a:ext>
+            </a:extLst>
+          </p:cNvPr>
+          <p:cNvSpPr>
+            <a:spLocks noGrp="1"/>
+          </p:cNvSpPr>
+          <p:nvPr>
+            <p:ph type="ctrTitle"/>
+          </p:nvPr>
+        </p:nvSpPr>
+        <p:spPr/>
+        <p:txBody>
+          <a:bodyPr/>
+          <a:lstStyle/>
+          <a:p>
+            <a:endParaRPr lang="en-US"/>
+          </a:p>
+        </p:txBody>
+      </p:sp>
+      <p:sp>
+        <p:nvSpPr>
+          <p:cNvPr id="3" name="Subtitle 2">
+            <a:extLst>
+              <a:ext uri="{FF2B5EF4-FFF2-40B4-BE49-F238E27FC236}">
+                <a16:creationId xmlns:a16="http://schemas.microsoft.com/office/drawing/2014/main" id="{3230052E-F003-4096-94BC-7B8E3A7FA2B9}"/>
+              </a:ext>
+            </a:extLst>
+          </p:cNvPr>
+          <p:cNvSpPr>
+            <a:spLocks noGrp="1"/>
+          </p:cNvSpPr>
+          <p:nvPr>
+            <p:ph type="subTitle" idx="1"/>
+          </p:nvPr>
+        </p:nvSpPr>
+        <p:spPr/>
+        <p:txBody>
+          <a:bodyPr/>
+          <a:lstStyle/>
+          <a:p>
+            <a:endParaRPr lang="en-US"/>
+          </a:p>
+        </p:txBody>
+      </p:sp>
       <p:pic>
         <p:nvPicPr>
           <p:cNvPr id="4" name="Picture 3">
             <a:extLst>
               <a:ext uri="{FF2B5EF4-FFF2-40B4-BE49-F238E27FC236}">
-                <a16:creationId xmlns:a16="http://schemas.microsoft.com/office/drawing/2014/main" id="{74226D09-B5F5-475D-8635-256A6F54E5F2}"/>
+                <a16:creationId xmlns:a16="http://schemas.microsoft.com/office/drawing/2014/main" id="{78C732DA-99C6-45D7-8E77-9261F51D965C}"/>
               </a:ext>
             </a:extLst>
           </p:cNvPr>
@@ -5104,258 +7379,123 @@
           </p:cNvPicPr>
           <p:nvPr/>
         </p:nvPicPr>
-        <p:blipFill rotWithShape="1">
-          <a:blip r:embed="rId2"/>
-          <a:srcRect t="7704" b="459"/>
-          <a:stretch/>
+        <p:blipFill>
+          <a:blip r:embed="rId3"/>
+          <a:stretch>
+            <a:fillRect/>
+          </a:stretch>
         </p:blipFill>
         <p:spPr>
           <a:xfrm>
-            <a:off x="0" y="10"/>
-            <a:ext cx="12188952" cy="6856276"/>
+            <a:off x="0" y="0"/>
+            <a:ext cx="12192000" cy="6857999"/>
           </a:xfrm>
           <a:prstGeom prst="rect">
             <a:avLst/>
           </a:prstGeom>
         </p:spPr>
       </p:pic>
-      <p:sp>
-        <p:nvSpPr>
-          <p:cNvPr id="9" name="Rectangle 8">
-            <a:extLst>
-              <a:ext uri="{FF2B5EF4-FFF2-40B4-BE49-F238E27FC236}">
-                <a16:creationId xmlns:a16="http://schemas.microsoft.com/office/drawing/2014/main" id="{007891EC-4501-44ED-A8C8-B11B6DB767AB}"/>
-              </a:ext>
-              <a:ext uri="{C183D7F6-B498-43B3-948B-1728B52AA6E4}">
-                <adec:decorative xmlns:adec="http://schemas.microsoft.com/office/drawing/2017/decorative" val="1"/>
-              </a:ext>
-            </a:extLst>
-          </p:cNvPr>
-          <p:cNvSpPr>
-            <a:spLocks noGrp="1" noRot="1" noChangeAspect="1" noMove="1" noResize="1" noEditPoints="1" noAdjustHandles="1" noChangeArrowheads="1" noChangeShapeType="1" noTextEdit="1"/>
-          </p:cNvSpPr>
-          <p:nvPr>
-            <p:extLst>
-              <p:ext uri="{386F3935-93C4-4BCD-93E2-E3B085C9AB24}">
-                <p16:designElem xmlns:p16="http://schemas.microsoft.com/office/powerpoint/2015/main" val="1"/>
-              </p:ext>
-            </p:extLst>
-          </p:nvPr>
-        </p:nvSpPr>
-        <p:spPr>
-          <a:xfrm>
-            <a:off x="0" y="2207602"/>
-            <a:ext cx="12191999" cy="3162146"/>
-          </a:xfrm>
-          <a:prstGeom prst="rect">
-            <a:avLst/>
-          </a:prstGeom>
-          <a:gradFill flip="none" rotWithShape="1">
-            <a:gsLst>
-              <a:gs pos="0">
-                <a:schemeClr val="tx2">
-                  <a:alpha val="0"/>
-                </a:schemeClr>
-              </a:gs>
-              <a:gs pos="50000">
-                <a:schemeClr val="tx2">
-                  <a:alpha val="35000"/>
-                </a:schemeClr>
-              </a:gs>
-              <a:gs pos="100000">
-                <a:schemeClr val="tx2">
-                  <a:alpha val="0"/>
-                </a:schemeClr>
-              </a:gs>
-            </a:gsLst>
-            <a:lin ang="16200000" scaled="1"/>
-            <a:tileRect/>
-          </a:gradFill>
-          <a:ln>
-            <a:noFill/>
-          </a:ln>
-        </p:spPr>
-        <p:style>
-          <a:lnRef idx="2">
-            <a:schemeClr val="accent1">
-              <a:shade val="50000"/>
-            </a:schemeClr>
-          </a:lnRef>
-          <a:fillRef idx="1">
-            <a:schemeClr val="accent1"/>
-          </a:fillRef>
-          <a:effectRef idx="0">
-            <a:schemeClr val="accent1"/>
-          </a:effectRef>
-          <a:fontRef idx="minor">
-            <a:schemeClr val="lt1"/>
-          </a:fontRef>
-        </p:style>
-        <p:txBody>
-          <a:bodyPr rtlCol="0" anchor="ctr"/>
-          <a:lstStyle/>
-          <a:p>
-            <a:pPr algn="ctr"/>
-            <a:endParaRPr lang="en-US"/>
-          </a:p>
-        </p:txBody>
-      </p:sp>
-      <p:sp>
-        <p:nvSpPr>
-          <p:cNvPr id="2" name="Title 1">
-            <a:extLst>
-              <a:ext uri="{FF2B5EF4-FFF2-40B4-BE49-F238E27FC236}">
-                <a16:creationId xmlns:a16="http://schemas.microsoft.com/office/drawing/2014/main" id="{A4D51BD5-E74E-4E27-B556-418EBBEFC9E6}"/>
-              </a:ext>
-            </a:extLst>
-          </p:cNvPr>
-          <p:cNvSpPr>
-            <a:spLocks noGrp="1"/>
-          </p:cNvSpPr>
-          <p:nvPr>
-            <p:ph type="ctrTitle"/>
-          </p:nvPr>
-        </p:nvSpPr>
-        <p:spPr>
-          <a:xfrm>
-            <a:off x="333073" y="431957"/>
-            <a:ext cx="10905059" cy="727281"/>
-          </a:xfrm>
-          <a:effectLst>
-            <a:outerShdw blurRad="50800" dist="38100" dir="2700000" algn="tl" rotWithShape="0">
-              <a:prstClr val="black">
-                <a:alpha val="40000"/>
-              </a:prstClr>
-            </a:outerShdw>
-          </a:effectLst>
-        </p:spPr>
-        <p:txBody>
-          <a:bodyPr>
-            <a:normAutofit/>
-          </a:bodyPr>
-          <a:lstStyle/>
-          <a:p>
-            <a:pPr algn="ctr"/>
-            <a:r>
-              <a:rPr lang="en-US" sz="3600" dirty="0"/>
-              <a:t>Online Marketplace Net</a:t>
-            </a:r>
-          </a:p>
-        </p:txBody>
-      </p:sp>
-      <p:sp>
-        <p:nvSpPr>
-          <p:cNvPr id="3" name="Subtitle 2">
-            <a:extLst>
-              <a:ext uri="{FF2B5EF4-FFF2-40B4-BE49-F238E27FC236}">
-                <a16:creationId xmlns:a16="http://schemas.microsoft.com/office/drawing/2014/main" id="{D8911FFF-6D5A-4187-8901-2F7C344F358A}"/>
-              </a:ext>
-            </a:extLst>
-          </p:cNvPr>
-          <p:cNvSpPr>
-            <a:spLocks noGrp="1"/>
-          </p:cNvSpPr>
-          <p:nvPr>
-            <p:ph type="subTitle" idx="1"/>
-          </p:nvPr>
-        </p:nvSpPr>
-        <p:spPr>
-          <a:xfrm>
-            <a:off x="643466" y="5083727"/>
-            <a:ext cx="10902016" cy="503917"/>
-          </a:xfrm>
-          <a:effectLst>
-            <a:outerShdw blurRad="50800" dist="38100" dir="2700000" algn="tl" rotWithShape="0">
-              <a:prstClr val="black">
-                <a:alpha val="40000"/>
-              </a:prstClr>
-            </a:outerShdw>
-          </a:effectLst>
-        </p:spPr>
-        <p:txBody>
-          <a:bodyPr>
-            <a:normAutofit/>
-          </a:bodyPr>
-          <a:lstStyle/>
-          <a:p>
-            <a:pPr algn="ctr"/>
-            <a:r>
-              <a:rPr lang="en-AU" sz="1800" dirty="0"/>
-              <a:t>The Online Marketplace Net is a place where you can catch bargains from your favourite store online!</a:t>
-            </a:r>
-            <a:endParaRPr lang="en-US" sz="1800" dirty="0"/>
-          </a:p>
-        </p:txBody>
-      </p:sp>
-      <p:cxnSp>
-        <p:nvCxnSpPr>
-          <p:cNvPr id="11" name="Straight Connector 10">
-            <a:extLst>
-              <a:ext uri="{FF2B5EF4-FFF2-40B4-BE49-F238E27FC236}">
-                <a16:creationId xmlns:a16="http://schemas.microsoft.com/office/drawing/2014/main" id="{34E5597F-CE67-4085-9548-E6A8036DA3BB}"/>
-              </a:ext>
-              <a:ext uri="{C183D7F6-B498-43B3-948B-1728B52AA6E4}">
-                <adec:decorative xmlns:adec="http://schemas.microsoft.com/office/drawing/2017/decorative" val="1"/>
-              </a:ext>
-            </a:extLst>
-          </p:cNvPr>
-          <p:cNvCxnSpPr>
-            <a:cxnSpLocks noGrp="1" noRot="1" noChangeAspect="1" noMove="1" noResize="1" noEditPoints="1" noAdjustHandles="1" noChangeArrowheads="1" noChangeShapeType="1"/>
-          </p:cNvCxnSpPr>
-          <p:nvPr>
-            <p:extLst>
-              <p:ext uri="{386F3935-93C4-4BCD-93E2-E3B085C9AB24}">
-                <p16:designElem xmlns:p16="http://schemas.microsoft.com/office/powerpoint/2015/main" val="1"/>
-              </p:ext>
-            </p:extLst>
-          </p:nvPr>
-        </p:nvCxnSpPr>
-        <p:spPr>
-          <a:xfrm>
-            <a:off x="3393881" y="4035362"/>
-            <a:ext cx="5404237" cy="0"/>
-          </a:xfrm>
-          <a:prstGeom prst="line">
-            <a:avLst/>
-          </a:prstGeom>
-          <a:ln>
-            <a:solidFill>
-              <a:schemeClr val="bg1"/>
-            </a:solidFill>
-          </a:ln>
-          <a:effectLst>
-            <a:outerShdw blurRad="50800" dist="38100" dir="2700000" algn="tl" rotWithShape="0">
-              <a:prstClr val="black">
-                <a:alpha val="40000"/>
-              </a:prstClr>
-            </a:outerShdw>
-          </a:effectLst>
-        </p:spPr>
-        <p:style>
-          <a:lnRef idx="1">
-            <a:schemeClr val="accent1"/>
-          </a:lnRef>
-          <a:fillRef idx="0">
-            <a:schemeClr val="accent1"/>
-          </a:fillRef>
-          <a:effectRef idx="0">
-            <a:schemeClr val="accent1"/>
-          </a:effectRef>
-          <a:fontRef idx="minor">
-            <a:schemeClr val="tx1"/>
-          </a:fontRef>
-        </p:style>
-      </p:cxnSp>
     </p:spTree>
     <p:extLst>
       <p:ext uri="{BB962C8B-B14F-4D97-AF65-F5344CB8AC3E}">
-        <p14:creationId xmlns:p14="http://schemas.microsoft.com/office/powerpoint/2010/main" val="3761305285"/>
+        <p14:creationId xmlns:p14="http://schemas.microsoft.com/office/powerpoint/2010/main" val="947752101"/>
       </p:ext>
     </p:extLst>
   </p:cSld>
   <p:clrMapOvr>
     <a:masterClrMapping/>
   </p:clrMapOvr>
+  <mc:AlternateContent xmlns:mc="http://schemas.openxmlformats.org/markup-compatibility/2006">
+    <mc:Choice xmlns:p15="http://schemas.microsoft.com/office/powerpoint/2012/main" Requires="p15">
+      <p:transition xmlns:p14="http://schemas.microsoft.com/office/powerpoint/2010/main" spd="slow" p14:dur="6000">
+        <p15:prstTrans prst="curtains"/>
+        <p:sndAc>
+          <p:stSnd>
+            <p:snd r:embed="rId2" name="drumroll.wav"/>
+          </p:stSnd>
+        </p:sndAc>
+      </p:transition>
+    </mc:Choice>
+    <mc:Fallback>
+      <p:transition spd="slow">
+        <p:fade/>
+        <p:sndAc>
+          <p:stSnd>
+            <p:snd r:embed="rId2" name="drumroll.wav"/>
+          </p:stSnd>
+        </p:sndAc>
+      </p:transition>
+    </mc:Fallback>
+  </mc:AlternateContent>
+  <p:timing>
+    <p:tnLst>
+      <p:par>
+        <p:cTn id="1" dur="indefinite" restart="never" nodeType="tmRoot">
+          <p:childTnLst>
+            <p:seq concurrent="1" nextAc="seek">
+              <p:cTn id="2" dur="indefinite" nodeType="mainSeq">
+                <p:childTnLst>
+                  <p:par>
+                    <p:cTn id="3" fill="hold">
+                      <p:stCondLst>
+                        <p:cond delay="indefinite"/>
+                      </p:stCondLst>
+                      <p:childTnLst>
+                        <p:par>
+                          <p:cTn id="4" fill="hold">
+                            <p:stCondLst>
+                              <p:cond delay="0"/>
+                            </p:stCondLst>
+                            <p:childTnLst>
+                              <p:par>
+                                <p:cTn id="5" presetID="0" presetClass="path" presetSubtype="0" accel="50000" decel="50000" fill="hold" nodeType="clickEffect">
+                                  <p:stCondLst>
+                                    <p:cond delay="0"/>
+                                  </p:stCondLst>
+                                  <p:childTnLst>
+                                    <p:animMotion origin="layout" path="M -0.48008 -0.45648 L 0.12682 -0.24583 L -0.47552 0.06319 L -0.0362 0.04537 L -0.03776 0.04537 " pathEditMode="relative" ptsTypes="AAAAA">
+                                      <p:cBhvr>
+                                        <p:cTn id="6" dur="2000" fill="hold"/>
+                                        <p:tgtEl>
+                                          <p:spTgt spid="4"/>
+                                        </p:tgtEl>
+                                        <p:attrNameLst>
+                                          <p:attrName>ppt_x</p:attrName>
+                                          <p:attrName>ppt_y</p:attrName>
+                                        </p:attrNameLst>
+                                      </p:cBhvr>
+                                    </p:animMotion>
+                                  </p:childTnLst>
+                                </p:cTn>
+                              </p:par>
+                            </p:childTnLst>
+                          </p:cTn>
+                        </p:par>
+                      </p:childTnLst>
+                    </p:cTn>
+                  </p:par>
+                </p:childTnLst>
+              </p:cTn>
+              <p:prevCondLst>
+                <p:cond evt="onPrev" delay="0">
+                  <p:tgtEl>
+                    <p:sldTgt/>
+                  </p:tgtEl>
+                </p:cond>
+              </p:prevCondLst>
+              <p:nextCondLst>
+                <p:cond evt="onNext" delay="0">
+                  <p:tgtEl>
+                    <p:sldTgt/>
+                  </p:tgtEl>
+                </p:cond>
+              </p:nextCondLst>
+            </p:seq>
+          </p:childTnLst>
+        </p:cTn>
+      </p:par>
+    </p:tnLst>
+  </p:timing>
 </p:sld>
 </file>
 
@@ -5384,12 +7524,12 @@
           <a:chExt cx="0" cy="0"/>
         </a:xfrm>
       </p:grpSpPr>
-      <p:sp useBgFill="1">
-        <p:nvSpPr>
-          <p:cNvPr id="11" name="Rectangle 10">
-            <a:extLst>
-              <a:ext uri="{FF2B5EF4-FFF2-40B4-BE49-F238E27FC236}">
-                <a16:creationId xmlns:a16="http://schemas.microsoft.com/office/drawing/2014/main" id="{7C432AFE-B3D2-4BFF-BF8F-96C27AFF1AC7}"/>
+      <p:sp>
+        <p:nvSpPr>
+          <p:cNvPr id="16" name="Rectangle 8">
+            <a:extLst>
+              <a:ext uri="{FF2B5EF4-FFF2-40B4-BE49-F238E27FC236}">
+                <a16:creationId xmlns:a16="http://schemas.microsoft.com/office/drawing/2014/main" id="{8D06CE56-3881-4ADA-8CEF-D18B02C242A3}"/>
               </a:ext>
               <a:ext uri="{C183D7F6-B498-43B3-948B-1728B52AA6E4}">
                 <adec:decorative xmlns:adec="http://schemas.microsoft.com/office/drawing/2017/decorative" val="1"/>
@@ -5408,135 +7548,8 @@
           </p:nvPr>
         </p:nvSpPr>
         <p:spPr>
-          <a:xfrm>
-            <a:off x="0" y="0"/>
-            <a:ext cx="12192000" cy="6858000"/>
-          </a:xfrm>
-          <a:prstGeom prst="rect">
-            <a:avLst/>
-          </a:prstGeom>
-          <a:ln>
-            <a:noFill/>
-          </a:ln>
-        </p:spPr>
-        <p:style>
-          <a:lnRef idx="2">
-            <a:schemeClr val="accent1">
-              <a:shade val="50000"/>
-            </a:schemeClr>
-          </a:lnRef>
-          <a:fillRef idx="1">
-            <a:schemeClr val="accent1"/>
-          </a:fillRef>
-          <a:effectRef idx="0">
-            <a:schemeClr val="accent1"/>
-          </a:effectRef>
-          <a:fontRef idx="minor">
-            <a:schemeClr val="lt1"/>
-          </a:fontRef>
-        </p:style>
-        <p:txBody>
-          <a:bodyPr rtlCol="0" anchor="ctr"/>
-          <a:lstStyle/>
-          <a:p>
-            <a:pPr algn="ctr"/>
-            <a:endParaRPr lang="en-US"/>
-          </a:p>
-        </p:txBody>
-      </p:sp>
-      <p:pic>
-        <p:nvPicPr>
-          <p:cNvPr id="6" name="Picture 5">
-            <a:extLst>
-              <a:ext uri="{FF2B5EF4-FFF2-40B4-BE49-F238E27FC236}">
-                <a16:creationId xmlns:a16="http://schemas.microsoft.com/office/drawing/2014/main" id="{3F6E371A-A529-4ADF-813E-A5AE4BA79DB0}"/>
-              </a:ext>
-            </a:extLst>
-          </p:cNvPr>
-          <p:cNvPicPr>
-            <a:picLocks noChangeAspect="1"/>
-          </p:cNvPicPr>
-          <p:nvPr/>
-        </p:nvPicPr>
-        <p:blipFill rotWithShape="1">
-          <a:blip r:embed="rId2">
-            <a:alphaModFix amt="40000"/>
-          </a:blip>
-          <a:srcRect/>
-          <a:stretch/>
-        </p:blipFill>
-        <p:spPr>
-          <a:xfrm>
-            <a:off x="6040" y="0"/>
-            <a:ext cx="12192000" cy="6857999"/>
-          </a:xfrm>
-          <a:prstGeom prst="rect">
-            <a:avLst/>
-          </a:prstGeom>
-        </p:spPr>
-      </p:pic>
-      <p:sp>
-        <p:nvSpPr>
-          <p:cNvPr id="2" name="Title 1">
-            <a:extLst>
-              <a:ext uri="{FF2B5EF4-FFF2-40B4-BE49-F238E27FC236}">
-                <a16:creationId xmlns:a16="http://schemas.microsoft.com/office/drawing/2014/main" id="{EE9AF024-403A-4A03-ACD4-498597BA2525}"/>
-              </a:ext>
-            </a:extLst>
-          </p:cNvPr>
-          <p:cNvSpPr>
-            <a:spLocks noGrp="1"/>
-          </p:cNvSpPr>
-          <p:nvPr>
-            <p:ph type="title"/>
-          </p:nvPr>
-        </p:nvSpPr>
-        <p:spPr>
-          <a:xfrm>
-            <a:off x="841249" y="941832"/>
-            <a:ext cx="10506456" cy="763482"/>
-          </a:xfrm>
-        </p:spPr>
-        <p:txBody>
-          <a:bodyPr anchor="b">
-            <a:normAutofit fontScale="90000"/>
-          </a:bodyPr>
-          <a:lstStyle/>
-          <a:p>
-            <a:pPr algn="ctr"/>
-            <a:r>
-              <a:rPr lang="en-US" sz="5000" dirty="0"/>
-              <a:t>Online Marketplace Net</a:t>
-            </a:r>
-          </a:p>
-        </p:txBody>
-      </p:sp>
-      <p:sp>
-        <p:nvSpPr>
-          <p:cNvPr id="13" name="Rectangle 12">
-            <a:extLst>
-              <a:ext uri="{FF2B5EF4-FFF2-40B4-BE49-F238E27FC236}">
-                <a16:creationId xmlns:a16="http://schemas.microsoft.com/office/drawing/2014/main" id="{AF2F604E-43BE-4DC3-B983-E071523364F8}"/>
-              </a:ext>
-              <a:ext uri="{C183D7F6-B498-43B3-948B-1728B52AA6E4}">
-                <adec:decorative xmlns:adec="http://schemas.microsoft.com/office/drawing/2017/decorative" val="1"/>
-              </a:ext>
-            </a:extLst>
-          </p:cNvPr>
-          <p:cNvSpPr>
-            <a:spLocks noGrp="1" noRot="1" noChangeAspect="1" noMove="1" noResize="1" noEditPoints="1" noAdjustHandles="1" noChangeArrowheads="1" noChangeShapeType="1" noTextEdit="1"/>
-          </p:cNvSpPr>
-          <p:nvPr>
-            <p:extLst>
-              <p:ext uri="{386F3935-93C4-4BCD-93E2-E3B085C9AB24}">
-                <p16:designElem xmlns:p16="http://schemas.microsoft.com/office/powerpoint/2015/main" val="1"/>
-              </p:ext>
-            </p:extLst>
-          </p:nvPr>
-        </p:nvSpPr>
-        <p:spPr>
           <a:xfrm rot="5400000">
-            <a:off x="1120140" y="346791"/>
+            <a:off x="857544" y="346791"/>
             <a:ext cx="146304" cy="704088"/>
           </a:xfrm>
           <a:prstGeom prst="rect">
@@ -5605,10 +7618,10 @@
       </p:sp>
       <p:sp>
         <p:nvSpPr>
-          <p:cNvPr id="15" name="Rectangle 14">
-            <a:extLst>
-              <a:ext uri="{FF2B5EF4-FFF2-40B4-BE49-F238E27FC236}">
-                <a16:creationId xmlns:a16="http://schemas.microsoft.com/office/drawing/2014/main" id="{08C9B587-E65E-4B52-B37C-ABEBB6E87928}"/>
+          <p:cNvPr id="18" name="Rectangle 10">
+            <a:extLst>
+              <a:ext uri="{FF2B5EF4-FFF2-40B4-BE49-F238E27FC236}">
+                <a16:creationId xmlns:a16="http://schemas.microsoft.com/office/drawing/2014/main" id="{79F3C543-62EC-4433-9C93-A2CD8764E9B4}"/>
               </a:ext>
               <a:ext uri="{C183D7F6-B498-43B3-948B-1728B52AA6E4}">
                 <adec:decorative xmlns:adec="http://schemas.microsoft.com/office/drawing/2017/decorative" val="1"/>
@@ -5627,15 +7640,18 @@
           </p:nvPr>
         </p:nvSpPr>
         <p:spPr>
-          <a:xfrm>
-            <a:off x="841248" y="3241202"/>
-            <a:ext cx="10506456" cy="18288"/>
+          <a:xfrm flipV="1">
+            <a:off x="578652" y="4501201"/>
+            <a:ext cx="11034696" cy="18288"/>
           </a:xfrm>
           <a:prstGeom prst="rect">
             <a:avLst/>
           </a:prstGeom>
           <a:solidFill>
-            <a:schemeClr val="tx1"/>
+            <a:schemeClr val="tx2">
+              <a:lumMod val="25000"/>
+              <a:lumOff val="75000"/>
+            </a:schemeClr>
           </a:solidFill>
           <a:ln w="3175">
             <a:noFill/>
@@ -5696,495 +7712,287 @@
           </a:p>
         </p:txBody>
       </p:sp>
-      <p:sp>
-        <p:nvSpPr>
-          <p:cNvPr id="3" name="Content Placeholder 2">
-            <a:extLst>
-              <a:ext uri="{FF2B5EF4-FFF2-40B4-BE49-F238E27FC236}">
-                <a16:creationId xmlns:a16="http://schemas.microsoft.com/office/drawing/2014/main" id="{311E482E-D9AF-401E-A5D1-94D5DF286EE8}"/>
-              </a:ext>
-            </a:extLst>
-          </p:cNvPr>
-          <p:cNvSpPr>
-            <a:spLocks noGrp="1"/>
-          </p:cNvSpPr>
-          <p:nvPr>
-            <p:ph idx="1"/>
+      <p:sp useBgFill="1">
+        <p:nvSpPr>
+          <p:cNvPr id="19" name="Rectangle 12">
+            <a:extLst>
+              <a:ext uri="{FF2B5EF4-FFF2-40B4-BE49-F238E27FC236}">
+                <a16:creationId xmlns:a16="http://schemas.microsoft.com/office/drawing/2014/main" id="{5A59F003-E00A-43F9-91DC-CC54E3B87466}"/>
+              </a:ext>
+              <a:ext uri="{C183D7F6-B498-43B3-948B-1728B52AA6E4}">
+                <adec:decorative xmlns:adec="http://schemas.microsoft.com/office/drawing/2017/decorative" val="1"/>
+              </a:ext>
+            </a:extLst>
+          </p:cNvPr>
+          <p:cNvSpPr>
+            <a:spLocks noGrp="1" noRot="1" noChangeAspect="1" noMove="1" noResize="1" noEditPoints="1" noAdjustHandles="1" noChangeArrowheads="1" noChangeShapeType="1" noTextEdit="1"/>
+          </p:cNvSpPr>
+          <p:nvPr>
+            <p:extLst>
+              <p:ext uri="{386F3935-93C4-4BCD-93E2-E3B085C9AB24}">
+                <p16:designElem xmlns:p16="http://schemas.microsoft.com/office/powerpoint/2015/main" val="1"/>
+              </p:ext>
+            </p:extLst>
           </p:nvPr>
         </p:nvSpPr>
         <p:spPr>
           <a:xfrm>
-            <a:off x="841248" y="3502152"/>
-            <a:ext cx="10506456" cy="3183874"/>
-          </a:xfrm>
-        </p:spPr>
-        <p:txBody>
-          <a:bodyPr>
-            <a:noAutofit/>
-          </a:bodyPr>
-          <a:lstStyle/>
-          <a:p>
-            <a:pPr marL="0" indent="0">
-              <a:lnSpc>
-                <a:spcPct val="100000"/>
-              </a:lnSpc>
-              <a:spcBef>
-                <a:spcPts val="600"/>
-              </a:spcBef>
-              <a:buNone/>
-            </a:pPr>
-            <a:r>
-              <a:rPr lang="en-US" sz="1600" b="1" dirty="0"/>
-              <a:t>Dependencies:</a:t>
-            </a:r>
-          </a:p>
-          <a:p>
-            <a:pPr marL="0" indent="0">
-              <a:lnSpc>
-                <a:spcPct val="100000"/>
-              </a:lnSpc>
-              <a:spcBef>
-                <a:spcPts val="600"/>
-              </a:spcBef>
-              <a:buNone/>
-            </a:pPr>
-            <a:r>
-              <a:rPr lang="en-US" sz="1600" dirty="0"/>
-              <a:t>@hot-loader/react-dom</a:t>
-            </a:r>
-          </a:p>
-          <a:p>
-            <a:pPr marL="0" indent="0">
-              <a:lnSpc>
-                <a:spcPct val="100000"/>
-              </a:lnSpc>
-              <a:spcBef>
-                <a:spcPts val="600"/>
-              </a:spcBef>
-              <a:buNone/>
-            </a:pPr>
-            <a:r>
-              <a:rPr lang="en-US" sz="1600" dirty="0"/>
-              <a:t>@material-ui/core</a:t>
-            </a:r>
-          </a:p>
-          <a:p>
-            <a:pPr marL="0" indent="0">
-              <a:lnSpc>
-                <a:spcPct val="100000"/>
-              </a:lnSpc>
-              <a:spcBef>
-                <a:spcPts val="600"/>
-              </a:spcBef>
-              <a:buNone/>
-            </a:pPr>
-            <a:r>
-              <a:rPr lang="en-US" sz="1600" dirty="0"/>
-              <a:t>@material-ui/icons</a:t>
-            </a:r>
-          </a:p>
-          <a:p>
-            <a:pPr marL="0" indent="0">
-              <a:lnSpc>
-                <a:spcPct val="100000"/>
-              </a:lnSpc>
-              <a:spcBef>
-                <a:spcPts val="600"/>
-              </a:spcBef>
-              <a:buNone/>
-            </a:pPr>
-            <a:r>
-              <a:rPr lang="en-US" sz="1600" dirty="0"/>
-              <a:t>Compression</a:t>
-            </a:r>
-          </a:p>
-          <a:p>
-            <a:pPr marL="0" indent="0">
-              <a:lnSpc>
-                <a:spcPct val="100000"/>
-              </a:lnSpc>
-              <a:spcBef>
-                <a:spcPts val="600"/>
-              </a:spcBef>
-              <a:buNone/>
-            </a:pPr>
-            <a:r>
-              <a:rPr lang="en-US" sz="1600" dirty="0"/>
-              <a:t>cookie-parser</a:t>
-            </a:r>
-          </a:p>
-          <a:p>
-            <a:pPr marL="0" indent="0">
-              <a:lnSpc>
-                <a:spcPct val="100000"/>
-              </a:lnSpc>
-              <a:spcBef>
-                <a:spcPts val="600"/>
-              </a:spcBef>
-              <a:buNone/>
-            </a:pPr>
-            <a:r>
-              <a:rPr lang="en-US" sz="1600" dirty="0" err="1"/>
-              <a:t>Cors</a:t>
-            </a:r>
-            <a:endParaRPr lang="en-US" sz="1600" dirty="0"/>
-          </a:p>
-          <a:p>
-            <a:pPr marL="0" indent="0">
-              <a:lnSpc>
-                <a:spcPct val="100000"/>
-              </a:lnSpc>
-              <a:spcBef>
-                <a:spcPts val="600"/>
-              </a:spcBef>
-              <a:buNone/>
-            </a:pPr>
-            <a:r>
-              <a:rPr lang="en-US" sz="1600" dirty="0"/>
-              <a:t>Express</a:t>
-            </a:r>
-          </a:p>
-          <a:p>
-            <a:pPr marL="0" indent="0">
-              <a:lnSpc>
-                <a:spcPct val="100000"/>
-              </a:lnSpc>
-              <a:spcBef>
-                <a:spcPts val="600"/>
-              </a:spcBef>
-              <a:buNone/>
-            </a:pPr>
-            <a:r>
-              <a:rPr lang="en-US" sz="1600" dirty="0"/>
-              <a:t>express-</a:t>
-            </a:r>
-            <a:r>
-              <a:rPr lang="en-US" sz="1600" dirty="0" err="1"/>
-              <a:t>jwt</a:t>
-            </a:r>
-            <a:endParaRPr lang="en-US" sz="1600" dirty="0"/>
-          </a:p>
-        </p:txBody>
-      </p:sp>
-      <p:sp>
-        <p:nvSpPr>
-          <p:cNvPr id="7" name="TextBox 6">
-            <a:extLst>
-              <a:ext uri="{FF2B5EF4-FFF2-40B4-BE49-F238E27FC236}">
-                <a16:creationId xmlns:a16="http://schemas.microsoft.com/office/drawing/2014/main" id="{A3768130-B895-4299-9B5B-EF8E8F129615}"/>
-              </a:ext>
-            </a:extLst>
-          </p:cNvPr>
-          <p:cNvSpPr txBox="1"/>
-          <p:nvPr/>
-        </p:nvSpPr>
-        <p:spPr>
-          <a:xfrm>
-            <a:off x="738232" y="2212748"/>
-            <a:ext cx="1417739" cy="369332"/>
+            <a:off x="0" y="0"/>
+            <a:ext cx="12192000" cy="6858000"/>
           </a:xfrm>
           <a:prstGeom prst="rect">
             <a:avLst/>
           </a:prstGeom>
-          <a:noFill/>
-        </p:spPr>
-        <p:txBody>
-          <a:bodyPr wrap="square" rtlCol="0">
-            <a:spAutoFit/>
-          </a:bodyPr>
-          <a:lstStyle/>
-          <a:p>
-            <a:r>
-              <a:rPr lang="en-US" b="1" dirty="0"/>
-              <a:t>ANNEX - A</a:t>
-            </a:r>
-          </a:p>
-        </p:txBody>
-      </p:sp>
-      <p:sp>
-        <p:nvSpPr>
-          <p:cNvPr id="8" name="TextBox 7">
-            <a:extLst>
-              <a:ext uri="{FF2B5EF4-FFF2-40B4-BE49-F238E27FC236}">
-                <a16:creationId xmlns:a16="http://schemas.microsoft.com/office/drawing/2014/main" id="{5074365B-134C-4DBF-8741-AF3D76BFCF5E}"/>
-              </a:ext>
-            </a:extLst>
-          </p:cNvPr>
-          <p:cNvSpPr txBox="1"/>
-          <p:nvPr/>
-        </p:nvSpPr>
+          <a:ln>
+            <a:noFill/>
+          </a:ln>
+        </p:spPr>
+        <p:style>
+          <a:lnRef idx="2">
+            <a:schemeClr val="accent1">
+              <a:shade val="50000"/>
+            </a:schemeClr>
+          </a:lnRef>
+          <a:fillRef idx="1">
+            <a:schemeClr val="accent1"/>
+          </a:fillRef>
+          <a:effectRef idx="0">
+            <a:schemeClr val="accent1"/>
+          </a:effectRef>
+          <a:fontRef idx="minor">
+            <a:schemeClr val="lt1"/>
+          </a:fontRef>
+        </p:style>
+        <p:txBody>
+          <a:bodyPr rtlCol="0" anchor="ctr"/>
+          <a:lstStyle/>
+          <a:p>
+            <a:pPr algn="ctr"/>
+            <a:endParaRPr lang="en-US"/>
+          </a:p>
+        </p:txBody>
+      </p:sp>
+      <p:pic>
+        <p:nvPicPr>
+          <p:cNvPr id="4" name="Content Placeholder 3">
+            <a:extLst>
+              <a:ext uri="{FF2B5EF4-FFF2-40B4-BE49-F238E27FC236}">
+                <a16:creationId xmlns:a16="http://schemas.microsoft.com/office/drawing/2014/main" id="{9CA6DC9B-30F4-4946-B42E-8FCB6947DCF7}"/>
+              </a:ext>
+            </a:extLst>
+          </p:cNvPr>
+          <p:cNvPicPr>
+            <a:picLocks noGrp="1" noChangeAspect="1"/>
+          </p:cNvPicPr>
+          <p:nvPr>
+            <p:ph idx="1"/>
+          </p:nvPr>
+        </p:nvPicPr>
+        <p:blipFill rotWithShape="1">
+          <a:blip r:embed="rId3"/>
+          <a:srcRect t="9091" r="9091"/>
+          <a:stretch/>
+        </p:blipFill>
         <p:spPr>
           <a:xfrm>
-            <a:off x="3254928" y="3779715"/>
-            <a:ext cx="2667699" cy="2554545"/>
+            <a:off x="0" y="0"/>
+            <a:ext cx="12192000" cy="6857999"/>
           </a:xfrm>
           <a:prstGeom prst="rect">
             <a:avLst/>
           </a:prstGeom>
-          <a:noFill/>
-        </p:spPr>
-        <p:txBody>
-          <a:bodyPr wrap="square" rtlCol="0">
-            <a:spAutoFit/>
-          </a:bodyPr>
-          <a:lstStyle/>
-          <a:p>
-            <a:r>
-              <a:rPr lang="en-US" sz="1600" dirty="0"/>
-              <a:t>Formidable</a:t>
-            </a:r>
-          </a:p>
-          <a:p>
-            <a:r>
-              <a:rPr lang="en-US" sz="1600" dirty="0" err="1"/>
-              <a:t>jsonwebtoken</a:t>
-            </a:r>
-            <a:endParaRPr lang="en-US" sz="1600" dirty="0"/>
-          </a:p>
-          <a:p>
-            <a:r>
-              <a:rPr lang="en-US" sz="1600" dirty="0" err="1"/>
-              <a:t>lodash</a:t>
-            </a:r>
-            <a:endParaRPr lang="en-US" sz="1600" dirty="0"/>
-          </a:p>
-          <a:p>
-            <a:r>
-              <a:rPr lang="en-US" sz="1600" dirty="0"/>
-              <a:t>mongoose</a:t>
-            </a:r>
-          </a:p>
-          <a:p>
-            <a:r>
-              <a:rPr lang="en-US" sz="1600" dirty="0"/>
-              <a:t>query-string</a:t>
-            </a:r>
-          </a:p>
-          <a:p>
-            <a:r>
-              <a:rPr lang="en-US" sz="1600" dirty="0"/>
-              <a:t>React</a:t>
-            </a:r>
-          </a:p>
-          <a:p>
-            <a:r>
-              <a:rPr lang="en-US" sz="1600" dirty="0"/>
-              <a:t>React-</a:t>
-            </a:r>
-            <a:r>
-              <a:rPr lang="en-US" sz="1600" dirty="0" err="1"/>
-              <a:t>dom</a:t>
-            </a:r>
-            <a:endParaRPr lang="en-US" sz="1600" dirty="0"/>
-          </a:p>
-          <a:p>
-            <a:r>
-              <a:rPr lang="en-US" sz="1600" dirty="0"/>
-              <a:t>React-hot-loader</a:t>
-            </a:r>
-          </a:p>
-          <a:p>
-            <a:r>
-              <a:rPr lang="en-US" sz="1600" dirty="0"/>
-              <a:t>React-router</a:t>
-            </a:r>
-          </a:p>
-          <a:p>
-            <a:r>
-              <a:rPr lang="en-US" sz="1600" dirty="0"/>
-              <a:t>React-router-</a:t>
-            </a:r>
-            <a:r>
-              <a:rPr lang="en-US" sz="1600" dirty="0" err="1"/>
-              <a:t>dom</a:t>
-            </a:r>
-            <a:endParaRPr lang="en-US" sz="1600" dirty="0"/>
-          </a:p>
-        </p:txBody>
-      </p:sp>
-      <p:sp>
-        <p:nvSpPr>
-          <p:cNvPr id="9" name="TextBox 8">
-            <a:extLst>
-              <a:ext uri="{FF2B5EF4-FFF2-40B4-BE49-F238E27FC236}">
-                <a16:creationId xmlns:a16="http://schemas.microsoft.com/office/drawing/2014/main" id="{02205362-7C8D-4B19-A55C-C4C2B1160EA5}"/>
-              </a:ext>
-            </a:extLst>
-          </p:cNvPr>
-          <p:cNvSpPr txBox="1"/>
-          <p:nvPr/>
-        </p:nvSpPr>
-        <p:spPr>
-          <a:xfrm>
-            <a:off x="5494788" y="3753213"/>
-            <a:ext cx="3225694" cy="1846659"/>
+        </p:spPr>
+      </p:pic>
+      <p:sp>
+        <p:nvSpPr>
+          <p:cNvPr id="15" name="Rectangle 14">
+            <a:extLst>
+              <a:ext uri="{FF2B5EF4-FFF2-40B4-BE49-F238E27FC236}">
+                <a16:creationId xmlns:a16="http://schemas.microsoft.com/office/drawing/2014/main" id="{D74A4382-E3AD-430A-9A1F-DFA3E0E77A7D}"/>
+              </a:ext>
+              <a:ext uri="{C183D7F6-B498-43B3-948B-1728B52AA6E4}">
+                <adec:decorative xmlns:adec="http://schemas.microsoft.com/office/drawing/2017/decorative" val="1"/>
+              </a:ext>
+            </a:extLst>
+          </p:cNvPr>
+          <p:cNvSpPr>
+            <a:spLocks noGrp="1" noRot="1" noChangeAspect="1" noMove="1" noResize="1" noEditPoints="1" noAdjustHandles="1" noChangeArrowheads="1" noChangeShapeType="1" noTextEdit="1"/>
+          </p:cNvSpPr>
+          <p:nvPr>
+            <p:extLst>
+              <p:ext uri="{386F3935-93C4-4BCD-93E2-E3B085C9AB24}">
+                <p16:designElem xmlns:p16="http://schemas.microsoft.com/office/powerpoint/2015/main" val="1"/>
+              </p:ext>
+            </p:extLst>
+          </p:nvPr>
+        </p:nvSpPr>
+        <p:spPr>
+          <a:xfrm rot="16200000">
+            <a:off x="3799868" y="-1534136"/>
+            <a:ext cx="4592270" cy="12192001"/>
           </a:xfrm>
           <a:prstGeom prst="rect">
             <a:avLst/>
           </a:prstGeom>
-          <a:noFill/>
-        </p:spPr>
-        <p:txBody>
-          <a:bodyPr wrap="square" rtlCol="0">
-            <a:spAutoFit/>
+          <a:gradFill>
+            <a:gsLst>
+              <a:gs pos="35000">
+                <a:schemeClr val="bg1">
+                  <a:alpha val="46000"/>
+                </a:schemeClr>
+              </a:gs>
+              <a:gs pos="21000">
+                <a:schemeClr val="bg1">
+                  <a:alpha val="30000"/>
+                </a:schemeClr>
+              </a:gs>
+              <a:gs pos="0">
+                <a:schemeClr val="bg1">
+                  <a:alpha val="0"/>
+                </a:schemeClr>
+              </a:gs>
+              <a:gs pos="100000">
+                <a:schemeClr val="bg1">
+                  <a:alpha val="90000"/>
+                </a:schemeClr>
+              </a:gs>
+            </a:gsLst>
+            <a:lin ang="10800000" scaled="0"/>
+          </a:gradFill>
+          <a:ln>
+            <a:noFill/>
+          </a:ln>
+        </p:spPr>
+        <p:style>
+          <a:lnRef idx="2">
+            <a:schemeClr val="accent1">
+              <a:shade val="50000"/>
+            </a:schemeClr>
+          </a:lnRef>
+          <a:fillRef idx="1">
+            <a:schemeClr val="accent1"/>
+          </a:fillRef>
+          <a:effectRef idx="0">
+            <a:schemeClr val="accent1"/>
+          </a:effectRef>
+          <a:fontRef idx="minor">
+            <a:schemeClr val="lt1"/>
+          </a:fontRef>
+        </p:style>
+        <p:txBody>
+          <a:bodyPr rtlCol="0" anchor="ctr"/>
+          <a:lstStyle/>
+          <a:p>
+            <a:pPr algn="ctr"/>
+            <a:endParaRPr lang="en-US" dirty="0"/>
+          </a:p>
+        </p:txBody>
+      </p:sp>
+      <p:sp>
+        <p:nvSpPr>
+          <p:cNvPr id="2" name="Title 1">
+            <a:extLst>
+              <a:ext uri="{FF2B5EF4-FFF2-40B4-BE49-F238E27FC236}">
+                <a16:creationId xmlns:a16="http://schemas.microsoft.com/office/drawing/2014/main" id="{F9A55C61-8D22-41C2-9F74-E3C60368BA98}"/>
+              </a:ext>
+            </a:extLst>
+          </p:cNvPr>
+          <p:cNvSpPr>
+            <a:spLocks noGrp="1"/>
+          </p:cNvSpPr>
+          <p:nvPr>
+            <p:ph type="title"/>
+          </p:nvPr>
+        </p:nvSpPr>
+        <p:spPr>
+          <a:xfrm>
+            <a:off x="-4" y="4683397"/>
+            <a:ext cx="9078562" cy="897930"/>
+          </a:xfrm>
+        </p:spPr>
+        <p:txBody>
+          <a:bodyPr vert="horz" lIns="91440" tIns="45720" rIns="91440" bIns="45720" rtlCol="0" anchor="b">
+            <a:normAutofit fontScale="90000"/>
           </a:bodyPr>
           <a:lstStyle/>
           <a:p>
-            <a:r>
-              <a:rPr lang="en-US" sz="1600" dirty="0"/>
-              <a:t>Helmet</a:t>
-            </a:r>
-          </a:p>
-          <a:p>
-            <a:r>
-              <a:rPr lang="en-US" sz="1600" dirty="0"/>
-              <a:t>React-stripe-elements</a:t>
-            </a:r>
-          </a:p>
-          <a:p>
-            <a:r>
-              <a:rPr lang="en-US" sz="1600" dirty="0"/>
-              <a:t>Request</a:t>
-            </a:r>
-          </a:p>
-          <a:p>
-            <a:r>
-              <a:rPr lang="en-US" sz="1600" dirty="0"/>
-              <a:t>Socket-</a:t>
-            </a:r>
-            <a:r>
-              <a:rPr lang="en-US" sz="1600" dirty="0" err="1"/>
-              <a:t>io</a:t>
-            </a:r>
-            <a:endParaRPr lang="en-US" sz="1600" dirty="0"/>
-          </a:p>
-          <a:p>
-            <a:r>
-              <a:rPr lang="en-US" sz="1600" dirty="0"/>
-              <a:t>Socket.io-client</a:t>
-            </a:r>
-          </a:p>
-          <a:p>
-            <a:r>
-              <a:rPr lang="en-US" sz="1600" dirty="0"/>
-              <a:t>stripe</a:t>
-            </a:r>
-          </a:p>
-          <a:p>
-            <a:endParaRPr lang="en-US" dirty="0"/>
-          </a:p>
-        </p:txBody>
-      </p:sp>
-      <p:sp>
-        <p:nvSpPr>
-          <p:cNvPr id="19" name="TextBox 18">
-            <a:extLst>
-              <a:ext uri="{FF2B5EF4-FFF2-40B4-BE49-F238E27FC236}">
-                <a16:creationId xmlns:a16="http://schemas.microsoft.com/office/drawing/2014/main" id="{BCC49537-E635-4EC1-AF77-53EB55A2D308}"/>
-              </a:ext>
-            </a:extLst>
-          </p:cNvPr>
-          <p:cNvSpPr txBox="1"/>
-          <p:nvPr/>
+            <a:pPr algn="ctr"/>
+            <a:r>
+              <a:rPr lang="en-US" sz="6600" dirty="0"/>
+              <a:t>DEMO</a:t>
+            </a:r>
+          </a:p>
+        </p:txBody>
+      </p:sp>
+      <p:sp>
+        <p:nvSpPr>
+          <p:cNvPr id="17" name="Rectangle: Rounded Corners 16">
+            <a:extLst>
+              <a:ext uri="{FF2B5EF4-FFF2-40B4-BE49-F238E27FC236}">
+                <a16:creationId xmlns:a16="http://schemas.microsoft.com/office/drawing/2014/main" id="{79F40191-0F44-4FD1-82CC-ACB507C14BE6}"/>
+              </a:ext>
+              <a:ext uri="{C183D7F6-B498-43B3-948B-1728B52AA6E4}">
+                <adec:decorative xmlns:adec="http://schemas.microsoft.com/office/drawing/2017/decorative" val="1"/>
+              </a:ext>
+            </a:extLst>
+          </p:cNvPr>
+          <p:cNvSpPr>
+            <a:spLocks noGrp="1" noRot="1" noChangeAspect="1" noMove="1" noResize="1" noEditPoints="1" noAdjustHandles="1" noChangeArrowheads="1" noChangeShapeType="1" noTextEdit="1"/>
+          </p:cNvSpPr>
+          <p:nvPr>
+            <p:extLst>
+              <p:ext uri="{386F3935-93C4-4BCD-93E2-E3B085C9AB24}">
+                <p16:designElem xmlns:p16="http://schemas.microsoft.com/office/powerpoint/2015/main" val="1"/>
+              </p:ext>
+            </p:extLst>
+          </p:nvPr>
         </p:nvSpPr>
         <p:spPr>
           <a:xfrm>
-            <a:off x="8336307" y="3502151"/>
-            <a:ext cx="3760618" cy="3046988"/>
-          </a:xfrm>
-          <a:prstGeom prst="rect">
-            <a:avLst/>
+            <a:off x="0" y="5575039"/>
+            <a:ext cx="9785897" cy="685800"/>
+          </a:xfrm>
+          <a:prstGeom prst="roundRect">
+            <a:avLst>
+              <a:gd name="adj" fmla="val 0"/>
+            </a:avLst>
           </a:prstGeom>
-          <a:noFill/>
-        </p:spPr>
-        <p:txBody>
-          <a:bodyPr wrap="square" rtlCol="0">
-            <a:spAutoFit/>
-          </a:bodyPr>
-          <a:lstStyle/>
-          <a:p>
-            <a:r>
-              <a:rPr lang="en-US" sz="1600" b="1" dirty="0" err="1"/>
-              <a:t>DevDependencies</a:t>
-            </a:r>
-            <a:r>
-              <a:rPr lang="en-US" sz="1600" b="1" dirty="0"/>
-              <a:t>:</a:t>
-            </a:r>
-          </a:p>
-          <a:p>
-            <a:r>
-              <a:rPr lang="en-US" sz="1600" dirty="0"/>
-              <a:t>@babel/core</a:t>
-            </a:r>
-          </a:p>
-          <a:p>
-            <a:r>
-              <a:rPr lang="en-US" sz="1600" dirty="0"/>
-              <a:t>@babel/preset-env</a:t>
-            </a:r>
-          </a:p>
-          <a:p>
-            <a:r>
-              <a:rPr lang="en-US" sz="1600" dirty="0"/>
-              <a:t>@babel/presert-react</a:t>
-            </a:r>
-          </a:p>
-          <a:p>
-            <a:r>
-              <a:rPr lang="en-US" sz="1600" dirty="0"/>
-              <a:t>Babel-loader</a:t>
-            </a:r>
-          </a:p>
-          <a:p>
-            <a:r>
-              <a:rPr lang="en-US" sz="1600" dirty="0"/>
-              <a:t>File-loader</a:t>
-            </a:r>
-          </a:p>
-          <a:p>
-            <a:r>
-              <a:rPr lang="en-US" sz="1600" dirty="0" err="1"/>
-              <a:t>Nodemon</a:t>
-            </a:r>
-            <a:endParaRPr lang="en-US" sz="1600" dirty="0"/>
-          </a:p>
-          <a:p>
-            <a:r>
-              <a:rPr lang="en-US" sz="1600" dirty="0"/>
-              <a:t>Webpack</a:t>
-            </a:r>
-          </a:p>
-          <a:p>
-            <a:r>
-              <a:rPr lang="en-US" sz="1600" dirty="0"/>
-              <a:t>Webpack-cli</a:t>
-            </a:r>
-          </a:p>
-          <a:p>
-            <a:r>
-              <a:rPr lang="en-US" sz="1600" dirty="0"/>
-              <a:t>Webpack-dev-middleware</a:t>
-            </a:r>
-          </a:p>
-          <a:p>
-            <a:r>
-              <a:rPr lang="en-US" sz="1600" dirty="0"/>
-              <a:t>Webpack-hot-middleware</a:t>
-            </a:r>
-          </a:p>
-          <a:p>
-            <a:r>
-              <a:rPr lang="en-US" sz="1600" dirty="0"/>
-              <a:t>Webpack-node-externals</a:t>
-            </a:r>
+          <a:solidFill>
+            <a:schemeClr val="accent1"/>
+          </a:solidFill>
+          <a:ln>
+            <a:noFill/>
+          </a:ln>
+        </p:spPr>
+        <p:style>
+          <a:lnRef idx="2">
+            <a:schemeClr val="accent1">
+              <a:shade val="50000"/>
+            </a:schemeClr>
+          </a:lnRef>
+          <a:fillRef idx="1">
+            <a:schemeClr val="accent1"/>
+          </a:fillRef>
+          <a:effectRef idx="0">
+            <a:schemeClr val="accent1"/>
+          </a:effectRef>
+          <a:fontRef idx="minor">
+            <a:schemeClr val="lt1"/>
+          </a:fontRef>
+        </p:style>
+        <p:txBody>
+          <a:bodyPr rtlCol="0" anchor="ctr"/>
+          <a:lstStyle/>
+          <a:p>
+            <a:pPr algn="ctr"/>
+            <a:endParaRPr lang="en-US"/>
           </a:p>
         </p:txBody>
       </p:sp>
     </p:spTree>
     <p:extLst>
       <p:ext uri="{BB962C8B-B14F-4D97-AF65-F5344CB8AC3E}">
-        <p14:creationId xmlns:p14="http://schemas.microsoft.com/office/powerpoint/2010/main" val="4268075032"/>
+        <p14:creationId xmlns:p14="http://schemas.microsoft.com/office/powerpoint/2010/main" val="863594864"/>
       </p:ext>
     </p:extLst>
   </p:cSld>
@@ -6221,7 +8029,7 @@
       </p:grpSpPr>
       <p:sp useBgFill="1">
         <p:nvSpPr>
-          <p:cNvPr id="40" name="Rectangle 39">
+          <p:cNvPr id="9" name="Rectangle 8">
             <a:extLst>
               <a:ext uri="{FF2B5EF4-FFF2-40B4-BE49-F238E27FC236}">
                 <a16:creationId xmlns:a16="http://schemas.microsoft.com/office/drawing/2014/main" id="{7C432AFE-B3D2-4BFF-BF8F-96C27AFF1AC7}"/>
@@ -6281,10 +8089,10 @@
       </p:sp>
       <p:pic>
         <p:nvPicPr>
-          <p:cNvPr id="21" name="Picture 20">
-            <a:extLst>
-              <a:ext uri="{FF2B5EF4-FFF2-40B4-BE49-F238E27FC236}">
-                <a16:creationId xmlns:a16="http://schemas.microsoft.com/office/drawing/2014/main" id="{7DB1BA40-9B7C-42A1-B717-AF42F69E087E}"/>
+          <p:cNvPr id="4" name="Picture 3">
+            <a:extLst>
+              <a:ext uri="{FF2B5EF4-FFF2-40B4-BE49-F238E27FC236}">
+                <a16:creationId xmlns:a16="http://schemas.microsoft.com/office/drawing/2014/main" id="{3E80E5D5-6EB6-41FE-80A2-7945737CDE06}"/>
               </a:ext>
             </a:extLst>
           </p:cNvPr>
@@ -6294,15 +8102,15 @@
           <p:nvPr/>
         </p:nvPicPr>
         <p:blipFill rotWithShape="1">
-          <a:blip r:embed="rId2">
-            <a:alphaModFix amt="40000"/>
+          <a:blip r:embed="rId3">
+            <a:alphaModFix amt="85000"/>
           </a:blip>
           <a:srcRect/>
           <a:stretch/>
         </p:blipFill>
         <p:spPr>
           <a:xfrm>
-            <a:off x="0" y="0"/>
+            <a:off x="-1524" y="1"/>
             <a:ext cx="12192000" cy="6857999"/>
           </a:xfrm>
           <a:prstGeom prst="rect">
@@ -6315,7 +8123,7 @@
           <p:cNvPr id="2" name="Title 1">
             <a:extLst>
               <a:ext uri="{FF2B5EF4-FFF2-40B4-BE49-F238E27FC236}">
-                <a16:creationId xmlns:a16="http://schemas.microsoft.com/office/drawing/2014/main" id="{17AEEBA0-1449-4811-A53B-F1CC1A8C9CD3}"/>
+                <a16:creationId xmlns:a16="http://schemas.microsoft.com/office/drawing/2014/main" id="{9E524DCD-B993-434B-8442-7D0CC4018CC2}"/>
               </a:ext>
             </a:extLst>
           </p:cNvPr>
@@ -6329,11 +8137,11 @@
         <p:spPr>
           <a:xfrm>
             <a:off x="841249" y="941832"/>
-            <a:ext cx="10506456" cy="823715"/>
-          </a:xfrm>
-        </p:spPr>
-        <p:txBody>
-          <a:bodyPr vert="horz" lIns="91440" tIns="45720" rIns="91440" bIns="45720" rtlCol="0" anchor="b">
+            <a:ext cx="10506456" cy="892566"/>
+          </a:xfrm>
+        </p:spPr>
+        <p:txBody>
+          <a:bodyPr anchor="b">
             <a:normAutofit/>
           </a:bodyPr>
           <a:lstStyle/>
@@ -6343,12 +8151,13 @@
               <a:rPr lang="en-US" sz="5000" b="1" dirty="0"/>
               <a:t>Online Marketplace Net</a:t>
             </a:r>
-          </a:p>
-        </p:txBody>
-      </p:sp>
-      <p:sp>
-        <p:nvSpPr>
-          <p:cNvPr id="42" name="Rectangle 41">
+            <a:endParaRPr lang="en-US" sz="5000" dirty="0"/>
+          </a:p>
+        </p:txBody>
+      </p:sp>
+      <p:sp>
+        <p:nvSpPr>
+          <p:cNvPr id="11" name="Rectangle 10">
             <a:extLst>
               <a:ext uri="{FF2B5EF4-FFF2-40B4-BE49-F238E27FC236}">
                 <a16:creationId xmlns:a16="http://schemas.microsoft.com/office/drawing/2014/main" id="{AF2F604E-43BE-4DC3-B983-E071523364F8}"/>
@@ -6440,7 +8249,7 @@
       </p:sp>
       <p:sp>
         <p:nvSpPr>
-          <p:cNvPr id="44" name="Rectangle 43">
+          <p:cNvPr id="13" name="Rectangle 12">
             <a:extLst>
               <a:ext uri="{FF2B5EF4-FFF2-40B4-BE49-F238E27FC236}">
                 <a16:creationId xmlns:a16="http://schemas.microsoft.com/office/drawing/2014/main" id="{08C9B587-E65E-4B52-B37C-ABEBB6E87928}"/>
@@ -6533,10 +8342,10 @@
       </p:sp>
       <p:sp>
         <p:nvSpPr>
-          <p:cNvPr id="19" name="Content Placeholder 18">
-            <a:extLst>
-              <a:ext uri="{FF2B5EF4-FFF2-40B4-BE49-F238E27FC236}">
-                <a16:creationId xmlns:a16="http://schemas.microsoft.com/office/drawing/2014/main" id="{BBBCE442-6D20-4067-B156-E36E1C2270DD}"/>
+          <p:cNvPr id="3" name="Content Placeholder 2">
+            <a:extLst>
+              <a:ext uri="{FF2B5EF4-FFF2-40B4-BE49-F238E27FC236}">
+                <a16:creationId xmlns:a16="http://schemas.microsoft.com/office/drawing/2014/main" id="{3E4A2091-4BFE-4398-AB9E-34D3BF8641A9}"/>
               </a:ext>
             </a:extLst>
           </p:cNvPr>
@@ -6550,12 +8359,12 @@
         <p:spPr>
           <a:xfrm>
             <a:off x="841248" y="3502152"/>
-            <a:ext cx="10506456" cy="2670048"/>
+            <a:ext cx="10506456" cy="3197860"/>
           </a:xfrm>
         </p:spPr>
         <p:txBody>
           <a:bodyPr>
-            <a:normAutofit fontScale="92500" lnSpcReduction="10000"/>
+            <a:normAutofit fontScale="85000" lnSpcReduction="20000"/>
           </a:bodyPr>
           <a:lstStyle/>
           <a:p>
@@ -6563,81 +8372,69 @@
               <a:buNone/>
             </a:pPr>
             <a:r>
-              <a:rPr lang="en-US" sz="2000" dirty="0"/>
-              <a:t>Your chance to throw at me anything you want!! </a:t>
+              <a:rPr lang="en-US" sz="2000" u="sng" dirty="0"/>
+              <a:t>The Future </a:t>
             </a:r>
           </a:p>
           <a:p>
             <a:pPr marL="0" indent="0">
               <a:buNone/>
             </a:pPr>
-            <a:endParaRPr lang="en-US" sz="2000" dirty="0"/>
-          </a:p>
-          <a:p>
-            <a:pPr marL="0" indent="0">
-              <a:buNone/>
-            </a:pPr>
-            <a:r>
-              <a:rPr lang="en-US" sz="2000" dirty="0"/>
-              <a:t>Disclaimer:</a:t>
-            </a:r>
-          </a:p>
-          <a:p>
-            <a:pPr marL="0" indent="0">
-              <a:buNone/>
-            </a:pPr>
-            <a:r>
-              <a:rPr lang="en-US" sz="2000" dirty="0"/>
-              <a:t>This project is as it is with no warranty whatsoever, by use or not, of part of it or the full App. If your cat catches on fire and runs to the curtain which then catch on fire and burns the house down, I will not be held liable in any such form for your loss.</a:t>
-            </a:r>
-          </a:p>
-          <a:p>
-            <a:pPr marL="0" indent="0">
-              <a:buNone/>
-            </a:pPr>
-            <a:r>
-              <a:rPr lang="en-US" sz="2000" dirty="0"/>
-              <a:t>Signed: Me.</a:t>
-            </a:r>
-          </a:p>
-        </p:txBody>
-      </p:sp>
-      <p:sp>
-        <p:nvSpPr>
-          <p:cNvPr id="16" name="TextBox 15">
-            <a:extLst>
-              <a:ext uri="{FF2B5EF4-FFF2-40B4-BE49-F238E27FC236}">
-                <a16:creationId xmlns:a16="http://schemas.microsoft.com/office/drawing/2014/main" id="{86C006BF-C490-45F2-BCA1-D2B5D242EF80}"/>
-              </a:ext>
-            </a:extLst>
-          </p:cNvPr>
-          <p:cNvSpPr txBox="1"/>
-          <p:nvPr/>
-        </p:nvSpPr>
-        <p:spPr>
-          <a:xfrm>
-            <a:off x="5462226" y="2338047"/>
-            <a:ext cx="1264499" cy="523220"/>
-          </a:xfrm>
-          <a:prstGeom prst="rect">
-            <a:avLst/>
-          </a:prstGeom>
-          <a:noFill/>
-        </p:spPr>
-        <p:txBody>
-          <a:bodyPr wrap="square" rtlCol="0">
-            <a:spAutoFit/>
-          </a:bodyPr>
-          <a:lstStyle/>
-          <a:p>
-            <a:pPr algn="ctr">
-              <a:spcAft>
-                <a:spcPts val="600"/>
-              </a:spcAft>
-            </a:pPr>
-            <a:r>
-              <a:rPr lang="en-US" sz="2800" dirty="0"/>
-              <a:t>Q&amp;A</a:t>
+            <a:r>
+              <a:rPr lang="en-US" sz="1700" dirty="0"/>
+              <a:t>I plan on finalizing this app by adding new features, these are a few that will make it in the next project:</a:t>
+            </a:r>
+          </a:p>
+          <a:p>
+            <a:r>
+              <a:rPr lang="en-US" sz="1700" dirty="0"/>
+              <a:t>Facebook Login</a:t>
+            </a:r>
+          </a:p>
+          <a:p>
+            <a:r>
+              <a:rPr lang="en-US" sz="1700" dirty="0"/>
+              <a:t>Google Login</a:t>
+            </a:r>
+          </a:p>
+          <a:p>
+            <a:r>
+              <a:rPr lang="en-US" sz="1700" dirty="0"/>
+              <a:t>PayPal</a:t>
+            </a:r>
+          </a:p>
+          <a:p>
+            <a:r>
+              <a:rPr lang="en-US" sz="1700" strike="sngStrike" dirty="0"/>
+              <a:t>Auction system</a:t>
+            </a:r>
+            <a:r>
+              <a:rPr lang="en-US" sz="1700" dirty="0"/>
+              <a:t>     (Edit: I got this %$@#$ to work!)</a:t>
+            </a:r>
+          </a:p>
+          <a:p>
+            <a:r>
+              <a:rPr lang="en-US" sz="1600" dirty="0"/>
+              <a:t>Creating phone App version as this is a browser version. (Edit: Already in progress.)</a:t>
+            </a:r>
+          </a:p>
+          <a:p>
+            <a:r>
+              <a:rPr lang="en-US" sz="1600" dirty="0"/>
+              <a:t>Creating a centralized theme so to be able to make the app reusable to different customers &amp; countries</a:t>
+            </a:r>
+          </a:p>
+          <a:p>
+            <a:r>
+              <a:rPr lang="en-US" sz="1600" dirty="0"/>
+              <a:t>Also enabling a switch to translate to most used languages.</a:t>
+            </a:r>
+          </a:p>
+          <a:p>
+            <a:r>
+              <a:rPr lang="en-US" sz="1600" dirty="0"/>
+              <a:t>Enabling an admin panel to manage currency which currently is hardcoded.</a:t>
             </a:r>
           </a:p>
         </p:txBody>
@@ -6645,7 +8442,7 @@
     </p:spTree>
     <p:extLst>
       <p:ext uri="{BB962C8B-B14F-4D97-AF65-F5344CB8AC3E}">
-        <p14:creationId xmlns:p14="http://schemas.microsoft.com/office/powerpoint/2010/main" val="3919780617"/>
+        <p14:creationId xmlns:p14="http://schemas.microsoft.com/office/powerpoint/2010/main" val="4029883546"/>
       </p:ext>
     </p:extLst>
   </p:cSld>
@@ -6680,12 +8477,12 @@
           <a:chExt cx="0" cy="0"/>
         </a:xfrm>
       </p:grpSpPr>
-      <p:sp>
-        <p:nvSpPr>
-          <p:cNvPr id="9" name="Rectangle 8">
-            <a:extLst>
-              <a:ext uri="{FF2B5EF4-FFF2-40B4-BE49-F238E27FC236}">
-                <a16:creationId xmlns:a16="http://schemas.microsoft.com/office/drawing/2014/main" id="{8D06CE56-3881-4ADA-8CEF-D18B02C242A3}"/>
+      <p:sp useBgFill="1">
+        <p:nvSpPr>
+          <p:cNvPr id="11" name="Rectangle 10">
+            <a:extLst>
+              <a:ext uri="{FF2B5EF4-FFF2-40B4-BE49-F238E27FC236}">
+                <a16:creationId xmlns:a16="http://schemas.microsoft.com/office/drawing/2014/main" id="{7C432AFE-B3D2-4BFF-BF8F-96C27AFF1AC7}"/>
               </a:ext>
               <a:ext uri="{C183D7F6-B498-43B3-948B-1728B52AA6E4}">
                 <adec:decorative xmlns:adec="http://schemas.microsoft.com/office/drawing/2017/decorative" val="1"/>
@@ -6704,8 +8501,135 @@
           </p:nvPr>
         </p:nvSpPr>
         <p:spPr>
+          <a:xfrm>
+            <a:off x="0" y="0"/>
+            <a:ext cx="12192000" cy="6858000"/>
+          </a:xfrm>
+          <a:prstGeom prst="rect">
+            <a:avLst/>
+          </a:prstGeom>
+          <a:ln>
+            <a:noFill/>
+          </a:ln>
+        </p:spPr>
+        <p:style>
+          <a:lnRef idx="2">
+            <a:schemeClr val="accent1">
+              <a:shade val="50000"/>
+            </a:schemeClr>
+          </a:lnRef>
+          <a:fillRef idx="1">
+            <a:schemeClr val="accent1"/>
+          </a:fillRef>
+          <a:effectRef idx="0">
+            <a:schemeClr val="accent1"/>
+          </a:effectRef>
+          <a:fontRef idx="minor">
+            <a:schemeClr val="lt1"/>
+          </a:fontRef>
+        </p:style>
+        <p:txBody>
+          <a:bodyPr rtlCol="0" anchor="ctr"/>
+          <a:lstStyle/>
+          <a:p>
+            <a:pPr algn="ctr"/>
+            <a:endParaRPr lang="en-US"/>
+          </a:p>
+        </p:txBody>
+      </p:sp>
+      <p:pic>
+        <p:nvPicPr>
+          <p:cNvPr id="6" name="Picture 5">
+            <a:extLst>
+              <a:ext uri="{FF2B5EF4-FFF2-40B4-BE49-F238E27FC236}">
+                <a16:creationId xmlns:a16="http://schemas.microsoft.com/office/drawing/2014/main" id="{3F6E371A-A529-4ADF-813E-A5AE4BA79DB0}"/>
+              </a:ext>
+            </a:extLst>
+          </p:cNvPr>
+          <p:cNvPicPr>
+            <a:picLocks noChangeAspect="1"/>
+          </p:cNvPicPr>
+          <p:nvPr/>
+        </p:nvPicPr>
+        <p:blipFill rotWithShape="1">
+          <a:blip r:embed="rId3">
+            <a:alphaModFix amt="85000"/>
+          </a:blip>
+          <a:srcRect/>
+          <a:stretch/>
+        </p:blipFill>
+        <p:spPr>
+          <a:xfrm>
+            <a:off x="6040" y="0"/>
+            <a:ext cx="12192000" cy="6857999"/>
+          </a:xfrm>
+          <a:prstGeom prst="rect">
+            <a:avLst/>
+          </a:prstGeom>
+        </p:spPr>
+      </p:pic>
+      <p:sp>
+        <p:nvSpPr>
+          <p:cNvPr id="2" name="Title 1">
+            <a:extLst>
+              <a:ext uri="{FF2B5EF4-FFF2-40B4-BE49-F238E27FC236}">
+                <a16:creationId xmlns:a16="http://schemas.microsoft.com/office/drawing/2014/main" id="{EE9AF024-403A-4A03-ACD4-498597BA2525}"/>
+              </a:ext>
+            </a:extLst>
+          </p:cNvPr>
+          <p:cNvSpPr>
+            <a:spLocks noGrp="1"/>
+          </p:cNvSpPr>
+          <p:nvPr>
+            <p:ph type="title"/>
+          </p:nvPr>
+        </p:nvSpPr>
+        <p:spPr>
+          <a:xfrm>
+            <a:off x="841249" y="941832"/>
+            <a:ext cx="10506456" cy="763482"/>
+          </a:xfrm>
+        </p:spPr>
+        <p:txBody>
+          <a:bodyPr anchor="b">
+            <a:normAutofit fontScale="90000"/>
+          </a:bodyPr>
+          <a:lstStyle/>
+          <a:p>
+            <a:pPr algn="ctr"/>
+            <a:r>
+              <a:rPr lang="en-US" sz="5000" dirty="0"/>
+              <a:t>Online Marketplace Net</a:t>
+            </a:r>
+          </a:p>
+        </p:txBody>
+      </p:sp>
+      <p:sp>
+        <p:nvSpPr>
+          <p:cNvPr id="13" name="Rectangle 12">
+            <a:extLst>
+              <a:ext uri="{FF2B5EF4-FFF2-40B4-BE49-F238E27FC236}">
+                <a16:creationId xmlns:a16="http://schemas.microsoft.com/office/drawing/2014/main" id="{AF2F604E-43BE-4DC3-B983-E071523364F8}"/>
+              </a:ext>
+              <a:ext uri="{C183D7F6-B498-43B3-948B-1728B52AA6E4}">
+                <adec:decorative xmlns:adec="http://schemas.microsoft.com/office/drawing/2017/decorative" val="1"/>
+              </a:ext>
+            </a:extLst>
+          </p:cNvPr>
+          <p:cNvSpPr>
+            <a:spLocks noGrp="1" noRot="1" noChangeAspect="1" noMove="1" noResize="1" noEditPoints="1" noAdjustHandles="1" noChangeArrowheads="1" noChangeShapeType="1" noTextEdit="1"/>
+          </p:cNvSpPr>
+          <p:nvPr>
+            <p:extLst>
+              <p:ext uri="{386F3935-93C4-4BCD-93E2-E3B085C9AB24}">
+                <p16:designElem xmlns:p16="http://schemas.microsoft.com/office/powerpoint/2015/main" val="1"/>
+              </p:ext>
+            </p:extLst>
+          </p:nvPr>
+        </p:nvSpPr>
+        <p:spPr>
           <a:xfrm rot="5400000">
-            <a:off x="857544" y="346791"/>
+            <a:off x="1120140" y="346791"/>
             <a:ext cx="146304" cy="704088"/>
           </a:xfrm>
           <a:prstGeom prst="rect">
@@ -6774,10 +8698,10 @@
       </p:sp>
       <p:sp>
         <p:nvSpPr>
-          <p:cNvPr id="11" name="Rectangle 10">
-            <a:extLst>
-              <a:ext uri="{FF2B5EF4-FFF2-40B4-BE49-F238E27FC236}">
-                <a16:creationId xmlns:a16="http://schemas.microsoft.com/office/drawing/2014/main" id="{79F3C543-62EC-4433-9C93-A2CD8764E9B4}"/>
+          <p:cNvPr id="15" name="Rectangle 14">
+            <a:extLst>
+              <a:ext uri="{FF2B5EF4-FFF2-40B4-BE49-F238E27FC236}">
+                <a16:creationId xmlns:a16="http://schemas.microsoft.com/office/drawing/2014/main" id="{08C9B587-E65E-4B52-B37C-ABEBB6E87928}"/>
               </a:ext>
               <a:ext uri="{C183D7F6-B498-43B3-948B-1728B52AA6E4}">
                 <adec:decorative xmlns:adec="http://schemas.microsoft.com/office/drawing/2017/decorative" val="1"/>
@@ -6796,18 +8720,15 @@
           </p:nvPr>
         </p:nvSpPr>
         <p:spPr>
-          <a:xfrm flipV="1">
-            <a:off x="578652" y="4501201"/>
-            <a:ext cx="11034696" cy="18288"/>
+          <a:xfrm>
+            <a:off x="841248" y="3241202"/>
+            <a:ext cx="10506456" cy="18288"/>
           </a:xfrm>
           <a:prstGeom prst="rect">
             <a:avLst/>
           </a:prstGeom>
           <a:solidFill>
-            <a:schemeClr val="tx2">
-              <a:lumMod val="25000"/>
-              <a:lumOff val="75000"/>
-            </a:schemeClr>
+            <a:schemeClr val="tx1"/>
           </a:solidFill>
           <a:ln w="3175">
             <a:noFill/>
@@ -6868,12 +8789,535 @@
           </a:p>
         </p:txBody>
       </p:sp>
+      <p:sp>
+        <p:nvSpPr>
+          <p:cNvPr id="3" name="Content Placeholder 2">
+            <a:extLst>
+              <a:ext uri="{FF2B5EF4-FFF2-40B4-BE49-F238E27FC236}">
+                <a16:creationId xmlns:a16="http://schemas.microsoft.com/office/drawing/2014/main" id="{311E482E-D9AF-401E-A5D1-94D5DF286EE8}"/>
+              </a:ext>
+            </a:extLst>
+          </p:cNvPr>
+          <p:cNvSpPr>
+            <a:spLocks noGrp="1"/>
+          </p:cNvSpPr>
+          <p:nvPr>
+            <p:ph idx="1"/>
+          </p:nvPr>
+        </p:nvSpPr>
+        <p:spPr>
+          <a:xfrm>
+            <a:off x="841248" y="3502152"/>
+            <a:ext cx="10506456" cy="3183874"/>
+          </a:xfrm>
+        </p:spPr>
+        <p:txBody>
+          <a:bodyPr>
+            <a:noAutofit/>
+          </a:bodyPr>
+          <a:lstStyle/>
+          <a:p>
+            <a:pPr marL="0" indent="0">
+              <a:lnSpc>
+                <a:spcPct val="100000"/>
+              </a:lnSpc>
+              <a:spcBef>
+                <a:spcPts val="600"/>
+              </a:spcBef>
+              <a:buNone/>
+            </a:pPr>
+            <a:r>
+              <a:rPr lang="en-US" sz="1600" b="1" dirty="0"/>
+              <a:t>Dependencies:</a:t>
+            </a:r>
+          </a:p>
+          <a:p>
+            <a:pPr marL="0" indent="0">
+              <a:lnSpc>
+                <a:spcPct val="100000"/>
+              </a:lnSpc>
+              <a:spcBef>
+                <a:spcPts val="600"/>
+              </a:spcBef>
+              <a:buNone/>
+            </a:pPr>
+            <a:r>
+              <a:rPr lang="en-US" sz="1600" dirty="0"/>
+              <a:t>@hot-loader/react-dom</a:t>
+            </a:r>
+          </a:p>
+          <a:p>
+            <a:pPr marL="0" indent="0">
+              <a:lnSpc>
+                <a:spcPct val="100000"/>
+              </a:lnSpc>
+              <a:spcBef>
+                <a:spcPts val="600"/>
+              </a:spcBef>
+              <a:buNone/>
+            </a:pPr>
+            <a:r>
+              <a:rPr lang="en-US" sz="1600" dirty="0"/>
+              <a:t>@material-ui/core</a:t>
+            </a:r>
+          </a:p>
+          <a:p>
+            <a:pPr marL="0" indent="0">
+              <a:lnSpc>
+                <a:spcPct val="100000"/>
+              </a:lnSpc>
+              <a:spcBef>
+                <a:spcPts val="600"/>
+              </a:spcBef>
+              <a:buNone/>
+            </a:pPr>
+            <a:r>
+              <a:rPr lang="en-US" sz="1600" dirty="0"/>
+              <a:t>@material-ui/icons</a:t>
+            </a:r>
+          </a:p>
+          <a:p>
+            <a:pPr marL="0" indent="0">
+              <a:lnSpc>
+                <a:spcPct val="100000"/>
+              </a:lnSpc>
+              <a:spcBef>
+                <a:spcPts val="600"/>
+              </a:spcBef>
+              <a:buNone/>
+            </a:pPr>
+            <a:r>
+              <a:rPr lang="en-US" sz="1600" dirty="0"/>
+              <a:t>Compression</a:t>
+            </a:r>
+          </a:p>
+          <a:p>
+            <a:pPr marL="0" indent="0">
+              <a:lnSpc>
+                <a:spcPct val="100000"/>
+              </a:lnSpc>
+              <a:spcBef>
+                <a:spcPts val="600"/>
+              </a:spcBef>
+              <a:buNone/>
+            </a:pPr>
+            <a:r>
+              <a:rPr lang="en-US" sz="1600" dirty="0"/>
+              <a:t>cookie-parser</a:t>
+            </a:r>
+          </a:p>
+          <a:p>
+            <a:pPr marL="0" indent="0">
+              <a:lnSpc>
+                <a:spcPct val="100000"/>
+              </a:lnSpc>
+              <a:spcBef>
+                <a:spcPts val="600"/>
+              </a:spcBef>
+              <a:buNone/>
+            </a:pPr>
+            <a:r>
+              <a:rPr lang="en-US" sz="1600" dirty="0" err="1"/>
+              <a:t>Cors</a:t>
+            </a:r>
+            <a:endParaRPr lang="en-US" sz="1600" dirty="0"/>
+          </a:p>
+          <a:p>
+            <a:pPr marL="0" indent="0">
+              <a:lnSpc>
+                <a:spcPct val="100000"/>
+              </a:lnSpc>
+              <a:spcBef>
+                <a:spcPts val="600"/>
+              </a:spcBef>
+              <a:buNone/>
+            </a:pPr>
+            <a:r>
+              <a:rPr lang="en-US" sz="1600" dirty="0"/>
+              <a:t>Express</a:t>
+            </a:r>
+          </a:p>
+          <a:p>
+            <a:pPr marL="0" indent="0">
+              <a:lnSpc>
+                <a:spcPct val="100000"/>
+              </a:lnSpc>
+              <a:spcBef>
+                <a:spcPts val="600"/>
+              </a:spcBef>
+              <a:buNone/>
+            </a:pPr>
+            <a:r>
+              <a:rPr lang="en-US" sz="1600" dirty="0"/>
+              <a:t>express-</a:t>
+            </a:r>
+            <a:r>
+              <a:rPr lang="en-US" sz="1600" dirty="0" err="1"/>
+              <a:t>jwt</a:t>
+            </a:r>
+            <a:endParaRPr lang="en-US" sz="1600" dirty="0"/>
+          </a:p>
+        </p:txBody>
+      </p:sp>
+      <p:sp>
+        <p:nvSpPr>
+          <p:cNvPr id="7" name="TextBox 6">
+            <a:extLst>
+              <a:ext uri="{FF2B5EF4-FFF2-40B4-BE49-F238E27FC236}">
+                <a16:creationId xmlns:a16="http://schemas.microsoft.com/office/drawing/2014/main" id="{A3768130-B895-4299-9B5B-EF8E8F129615}"/>
+              </a:ext>
+            </a:extLst>
+          </p:cNvPr>
+          <p:cNvSpPr txBox="1"/>
+          <p:nvPr/>
+        </p:nvSpPr>
+        <p:spPr>
+          <a:xfrm>
+            <a:off x="738232" y="2212748"/>
+            <a:ext cx="1417739" cy="369332"/>
+          </a:xfrm>
+          <a:prstGeom prst="rect">
+            <a:avLst/>
+          </a:prstGeom>
+          <a:noFill/>
+        </p:spPr>
+        <p:txBody>
+          <a:bodyPr wrap="square" rtlCol="0">
+            <a:spAutoFit/>
+          </a:bodyPr>
+          <a:lstStyle/>
+          <a:p>
+            <a:r>
+              <a:rPr lang="en-US" b="1" dirty="0"/>
+              <a:t>ANNEX - A</a:t>
+            </a:r>
+          </a:p>
+        </p:txBody>
+      </p:sp>
+      <p:sp>
+        <p:nvSpPr>
+          <p:cNvPr id="8" name="TextBox 7">
+            <a:extLst>
+              <a:ext uri="{FF2B5EF4-FFF2-40B4-BE49-F238E27FC236}">
+                <a16:creationId xmlns:a16="http://schemas.microsoft.com/office/drawing/2014/main" id="{5074365B-134C-4DBF-8741-AF3D76BFCF5E}"/>
+              </a:ext>
+            </a:extLst>
+          </p:cNvPr>
+          <p:cNvSpPr txBox="1"/>
+          <p:nvPr/>
+        </p:nvSpPr>
+        <p:spPr>
+          <a:xfrm>
+            <a:off x="3254928" y="3779715"/>
+            <a:ext cx="2667699" cy="2554545"/>
+          </a:xfrm>
+          <a:prstGeom prst="rect">
+            <a:avLst/>
+          </a:prstGeom>
+          <a:noFill/>
+        </p:spPr>
+        <p:txBody>
+          <a:bodyPr wrap="square" rtlCol="0">
+            <a:spAutoFit/>
+          </a:bodyPr>
+          <a:lstStyle/>
+          <a:p>
+            <a:r>
+              <a:rPr lang="en-US" sz="1600" dirty="0"/>
+              <a:t>Formidable</a:t>
+            </a:r>
+          </a:p>
+          <a:p>
+            <a:r>
+              <a:rPr lang="en-US" sz="1600" dirty="0" err="1"/>
+              <a:t>jsonwebtoken</a:t>
+            </a:r>
+            <a:endParaRPr lang="en-US" sz="1600" dirty="0"/>
+          </a:p>
+          <a:p>
+            <a:r>
+              <a:rPr lang="en-US" sz="1600" dirty="0" err="1"/>
+              <a:t>lodash</a:t>
+            </a:r>
+            <a:endParaRPr lang="en-US" sz="1600" dirty="0"/>
+          </a:p>
+          <a:p>
+            <a:r>
+              <a:rPr lang="en-US" sz="1600" dirty="0"/>
+              <a:t>mongoose</a:t>
+            </a:r>
+          </a:p>
+          <a:p>
+            <a:r>
+              <a:rPr lang="en-US" sz="1600" dirty="0"/>
+              <a:t>query-string</a:t>
+            </a:r>
+          </a:p>
+          <a:p>
+            <a:r>
+              <a:rPr lang="en-US" sz="1600" dirty="0"/>
+              <a:t>React</a:t>
+            </a:r>
+          </a:p>
+          <a:p>
+            <a:r>
+              <a:rPr lang="en-US" sz="1600" dirty="0"/>
+              <a:t>React-</a:t>
+            </a:r>
+            <a:r>
+              <a:rPr lang="en-US" sz="1600" dirty="0" err="1"/>
+              <a:t>dom</a:t>
+            </a:r>
+            <a:endParaRPr lang="en-US" sz="1600" dirty="0"/>
+          </a:p>
+          <a:p>
+            <a:r>
+              <a:rPr lang="en-US" sz="1600" dirty="0"/>
+              <a:t>React-hot-loader</a:t>
+            </a:r>
+          </a:p>
+          <a:p>
+            <a:r>
+              <a:rPr lang="en-US" sz="1600" dirty="0"/>
+              <a:t>React-router</a:t>
+            </a:r>
+          </a:p>
+          <a:p>
+            <a:r>
+              <a:rPr lang="en-US" sz="1600" dirty="0"/>
+              <a:t>React-router-</a:t>
+            </a:r>
+            <a:r>
+              <a:rPr lang="en-US" sz="1600" dirty="0" err="1"/>
+              <a:t>dom</a:t>
+            </a:r>
+            <a:endParaRPr lang="en-US" sz="1600" dirty="0"/>
+          </a:p>
+        </p:txBody>
+      </p:sp>
+      <p:sp>
+        <p:nvSpPr>
+          <p:cNvPr id="9" name="TextBox 8">
+            <a:extLst>
+              <a:ext uri="{FF2B5EF4-FFF2-40B4-BE49-F238E27FC236}">
+                <a16:creationId xmlns:a16="http://schemas.microsoft.com/office/drawing/2014/main" id="{02205362-7C8D-4B19-A55C-C4C2B1160EA5}"/>
+              </a:ext>
+            </a:extLst>
+          </p:cNvPr>
+          <p:cNvSpPr txBox="1"/>
+          <p:nvPr/>
+        </p:nvSpPr>
+        <p:spPr>
+          <a:xfrm>
+            <a:off x="5494788" y="3753213"/>
+            <a:ext cx="3225694" cy="1846659"/>
+          </a:xfrm>
+          <a:prstGeom prst="rect">
+            <a:avLst/>
+          </a:prstGeom>
+          <a:noFill/>
+        </p:spPr>
+        <p:txBody>
+          <a:bodyPr wrap="square" rtlCol="0">
+            <a:spAutoFit/>
+          </a:bodyPr>
+          <a:lstStyle/>
+          <a:p>
+            <a:r>
+              <a:rPr lang="en-US" sz="1600" dirty="0"/>
+              <a:t>Helmet</a:t>
+            </a:r>
+          </a:p>
+          <a:p>
+            <a:r>
+              <a:rPr lang="en-US" sz="1600" dirty="0"/>
+              <a:t>React-stripe-elements</a:t>
+            </a:r>
+          </a:p>
+          <a:p>
+            <a:r>
+              <a:rPr lang="en-US" sz="1600" dirty="0"/>
+              <a:t>Request</a:t>
+            </a:r>
+          </a:p>
+          <a:p>
+            <a:r>
+              <a:rPr lang="en-US" sz="1600" dirty="0"/>
+              <a:t>Socket-</a:t>
+            </a:r>
+            <a:r>
+              <a:rPr lang="en-US" sz="1600" dirty="0" err="1"/>
+              <a:t>io</a:t>
+            </a:r>
+            <a:endParaRPr lang="en-US" sz="1600" dirty="0"/>
+          </a:p>
+          <a:p>
+            <a:r>
+              <a:rPr lang="en-US" sz="1600" dirty="0"/>
+              <a:t>Socket.io-client</a:t>
+            </a:r>
+          </a:p>
+          <a:p>
+            <a:r>
+              <a:rPr lang="en-US" sz="1600" dirty="0"/>
+              <a:t>stripe</a:t>
+            </a:r>
+          </a:p>
+          <a:p>
+            <a:endParaRPr lang="en-US" dirty="0"/>
+          </a:p>
+        </p:txBody>
+      </p:sp>
+      <p:sp>
+        <p:nvSpPr>
+          <p:cNvPr id="19" name="TextBox 18">
+            <a:extLst>
+              <a:ext uri="{FF2B5EF4-FFF2-40B4-BE49-F238E27FC236}">
+                <a16:creationId xmlns:a16="http://schemas.microsoft.com/office/drawing/2014/main" id="{BCC49537-E635-4EC1-AF77-53EB55A2D308}"/>
+              </a:ext>
+            </a:extLst>
+          </p:cNvPr>
+          <p:cNvSpPr txBox="1"/>
+          <p:nvPr/>
+        </p:nvSpPr>
+        <p:spPr>
+          <a:xfrm>
+            <a:off x="8336307" y="3502151"/>
+            <a:ext cx="3760618" cy="3046988"/>
+          </a:xfrm>
+          <a:prstGeom prst="rect">
+            <a:avLst/>
+          </a:prstGeom>
+          <a:noFill/>
+        </p:spPr>
+        <p:txBody>
+          <a:bodyPr wrap="square" rtlCol="0">
+            <a:spAutoFit/>
+          </a:bodyPr>
+          <a:lstStyle/>
+          <a:p>
+            <a:r>
+              <a:rPr lang="en-US" sz="1600" b="1" dirty="0" err="1"/>
+              <a:t>DevDependencies</a:t>
+            </a:r>
+            <a:r>
+              <a:rPr lang="en-US" sz="1600" b="1" dirty="0"/>
+              <a:t>:</a:t>
+            </a:r>
+          </a:p>
+          <a:p>
+            <a:r>
+              <a:rPr lang="en-US" sz="1600" dirty="0"/>
+              <a:t>@babel/core</a:t>
+            </a:r>
+          </a:p>
+          <a:p>
+            <a:r>
+              <a:rPr lang="en-US" sz="1600" dirty="0"/>
+              <a:t>@babel/preset-env</a:t>
+            </a:r>
+          </a:p>
+          <a:p>
+            <a:r>
+              <a:rPr lang="en-US" sz="1600" dirty="0"/>
+              <a:t>@babel/presert-react</a:t>
+            </a:r>
+          </a:p>
+          <a:p>
+            <a:r>
+              <a:rPr lang="en-US" sz="1600" dirty="0"/>
+              <a:t>Babel-loader</a:t>
+            </a:r>
+          </a:p>
+          <a:p>
+            <a:r>
+              <a:rPr lang="en-US" sz="1600" dirty="0"/>
+              <a:t>File-loader</a:t>
+            </a:r>
+          </a:p>
+          <a:p>
+            <a:r>
+              <a:rPr lang="en-US" sz="1600" dirty="0" err="1"/>
+              <a:t>Nodemon</a:t>
+            </a:r>
+            <a:endParaRPr lang="en-US" sz="1600" dirty="0"/>
+          </a:p>
+          <a:p>
+            <a:r>
+              <a:rPr lang="en-US" sz="1600" dirty="0"/>
+              <a:t>Webpack</a:t>
+            </a:r>
+          </a:p>
+          <a:p>
+            <a:r>
+              <a:rPr lang="en-US" sz="1600" dirty="0"/>
+              <a:t>Webpack-cli</a:t>
+            </a:r>
+          </a:p>
+          <a:p>
+            <a:r>
+              <a:rPr lang="en-US" sz="1600" dirty="0"/>
+              <a:t>Webpack-dev-middleware</a:t>
+            </a:r>
+          </a:p>
+          <a:p>
+            <a:r>
+              <a:rPr lang="en-US" sz="1600" dirty="0"/>
+              <a:t>Webpack-hot-middleware</a:t>
+            </a:r>
+          </a:p>
+          <a:p>
+            <a:r>
+              <a:rPr lang="en-US" sz="1600" dirty="0"/>
+              <a:t>Webpack-node-externals</a:t>
+            </a:r>
+          </a:p>
+        </p:txBody>
+      </p:sp>
+    </p:spTree>
+    <p:extLst>
+      <p:ext uri="{BB962C8B-B14F-4D97-AF65-F5344CB8AC3E}">
+        <p14:creationId xmlns:p14="http://schemas.microsoft.com/office/powerpoint/2010/main" val="4268075032"/>
+      </p:ext>
+    </p:extLst>
+  </p:cSld>
+  <p:clrMapOvr>
+    <a:overrideClrMapping bg1="dk1" tx1="lt1" bg2="dk2" tx2="lt2" accent1="accent1" accent2="accent2" accent3="accent3" accent4="accent4" accent5="accent5" accent6="accent6" hlink="hlink" folHlink="folHlink"/>
+  </p:clrMapOvr>
+</p:sld>
+</file>
+
+<file path=ppt/slides/slide13.xml><?xml version="1.0" encoding="utf-8"?>
+<p:sld xmlns:a="http://schemas.openxmlformats.org/drawingml/2006/main" xmlns:r="http://schemas.openxmlformats.org/officeDocument/2006/relationships" xmlns:p="http://schemas.openxmlformats.org/presentationml/2006/main">
+  <p:cSld>
+    <p:bg>
+      <p:bgPr>
+        <a:solidFill>
+          <a:schemeClr val="bg1"/>
+        </a:solidFill>
+        <a:effectLst/>
+      </p:bgPr>
+    </p:bg>
+    <p:spTree>
+      <p:nvGrpSpPr>
+        <p:cNvPr id="1" name=""/>
+        <p:cNvGrpSpPr/>
+        <p:nvPr/>
+      </p:nvGrpSpPr>
+      <p:grpSpPr>
+        <a:xfrm>
+          <a:off x="0" y="0"/>
+          <a:ext cx="0" cy="0"/>
+          <a:chOff x="0" y="0"/>
+          <a:chExt cx="0" cy="0"/>
+        </a:xfrm>
+      </p:grpSpPr>
       <p:sp useBgFill="1">
         <p:nvSpPr>
-          <p:cNvPr id="13" name="Rectangle 12">
-            <a:extLst>
-              <a:ext uri="{FF2B5EF4-FFF2-40B4-BE49-F238E27FC236}">
-                <a16:creationId xmlns:a16="http://schemas.microsoft.com/office/drawing/2014/main" id="{5A59F003-E00A-43F9-91DC-CC54E3B87466}"/>
+          <p:cNvPr id="11" name="Rectangle 10">
+            <a:extLst>
+              <a:ext uri="{FF2B5EF4-FFF2-40B4-BE49-F238E27FC236}">
+                <a16:creationId xmlns:a16="http://schemas.microsoft.com/office/drawing/2014/main" id="{7C432AFE-B3D2-4BFF-BF8F-96C27AFF1AC7}"/>
               </a:ext>
               <a:ext uri="{C183D7F6-B498-43B3-948B-1728B52AA6E4}">
                 <adec:decorative xmlns:adec="http://schemas.microsoft.com/office/drawing/2017/decorative" val="1"/>
@@ -6928,6 +9372,1331 @@
           </a:p>
         </p:txBody>
       </p:sp>
+      <p:sp>
+        <p:nvSpPr>
+          <p:cNvPr id="2" name="Title 1">
+            <a:extLst>
+              <a:ext uri="{FF2B5EF4-FFF2-40B4-BE49-F238E27FC236}">
+                <a16:creationId xmlns:a16="http://schemas.microsoft.com/office/drawing/2014/main" id="{EE9AF024-403A-4A03-ACD4-498597BA2525}"/>
+              </a:ext>
+            </a:extLst>
+          </p:cNvPr>
+          <p:cNvSpPr>
+            <a:spLocks noGrp="1"/>
+          </p:cNvSpPr>
+          <p:nvPr>
+            <p:ph type="title"/>
+          </p:nvPr>
+        </p:nvSpPr>
+        <p:spPr>
+          <a:xfrm>
+            <a:off x="841249" y="941832"/>
+            <a:ext cx="10506456" cy="763482"/>
+          </a:xfrm>
+        </p:spPr>
+        <p:txBody>
+          <a:bodyPr anchor="b">
+            <a:normAutofit fontScale="90000"/>
+          </a:bodyPr>
+          <a:lstStyle/>
+          <a:p>
+            <a:pPr algn="ctr"/>
+            <a:r>
+              <a:rPr lang="en-US" sz="5000" dirty="0"/>
+              <a:t>Online Marketplace Net</a:t>
+            </a:r>
+          </a:p>
+        </p:txBody>
+      </p:sp>
+      <p:sp>
+        <p:nvSpPr>
+          <p:cNvPr id="13" name="Rectangle 12">
+            <a:extLst>
+              <a:ext uri="{FF2B5EF4-FFF2-40B4-BE49-F238E27FC236}">
+                <a16:creationId xmlns:a16="http://schemas.microsoft.com/office/drawing/2014/main" id="{AF2F604E-43BE-4DC3-B983-E071523364F8}"/>
+              </a:ext>
+              <a:ext uri="{C183D7F6-B498-43B3-948B-1728B52AA6E4}">
+                <adec:decorative xmlns:adec="http://schemas.microsoft.com/office/drawing/2017/decorative" val="1"/>
+              </a:ext>
+            </a:extLst>
+          </p:cNvPr>
+          <p:cNvSpPr>
+            <a:spLocks noGrp="1" noRot="1" noChangeAspect="1" noMove="1" noResize="1" noEditPoints="1" noAdjustHandles="1" noChangeArrowheads="1" noChangeShapeType="1" noTextEdit="1"/>
+          </p:cNvSpPr>
+          <p:nvPr>
+            <p:extLst>
+              <p:ext uri="{386F3935-93C4-4BCD-93E2-E3B085C9AB24}">
+                <p16:designElem xmlns:p16="http://schemas.microsoft.com/office/powerpoint/2015/main" val="1"/>
+              </p:ext>
+            </p:extLst>
+          </p:nvPr>
+        </p:nvSpPr>
+        <p:spPr>
+          <a:xfrm rot="5400000">
+            <a:off x="1120140" y="346791"/>
+            <a:ext cx="146304" cy="704088"/>
+          </a:xfrm>
+          <a:prstGeom prst="rect">
+            <a:avLst/>
+          </a:prstGeom>
+          <a:solidFill>
+            <a:schemeClr val="accent1"/>
+          </a:solidFill>
+          <a:ln>
+            <a:noFill/>
+          </a:ln>
+        </p:spPr>
+        <p:style>
+          <a:lnRef idx="2">
+            <a:schemeClr val="accent1">
+              <a:shade val="50000"/>
+            </a:schemeClr>
+          </a:lnRef>
+          <a:fillRef idx="1">
+            <a:schemeClr val="accent1"/>
+          </a:fillRef>
+          <a:effectRef idx="0">
+            <a:schemeClr val="accent1"/>
+          </a:effectRef>
+          <a:fontRef idx="minor">
+            <a:schemeClr val="lt1"/>
+          </a:fontRef>
+        </p:style>
+        <p:txBody>
+          <a:bodyPr rtlCol="0" anchor="ctr"/>
+          <a:lstStyle/>
+          <a:p>
+            <a:pPr marL="0" marR="0" lvl="0" indent="0" algn="ctr" defTabSz="914400" rtl="0" eaLnBrk="1" fontAlgn="auto" latinLnBrk="0" hangingPunct="1">
+              <a:lnSpc>
+                <a:spcPct val="100000"/>
+              </a:lnSpc>
+              <a:spcBef>
+                <a:spcPts val="0"/>
+              </a:spcBef>
+              <a:spcAft>
+                <a:spcPts val="0"/>
+              </a:spcAft>
+              <a:buClrTx/>
+              <a:buSzTx/>
+              <a:buFontTx/>
+              <a:buNone/>
+              <a:tabLst/>
+              <a:defRPr/>
+            </a:pPr>
+            <a:endParaRPr kumimoji="0" lang="en-US" sz="1800" b="0" i="0" u="none" strike="noStrike" kern="1200" cap="none" spc="0" normalizeH="0" baseline="0" noProof="0">
+              <a:ln>
+                <a:noFill/>
+              </a:ln>
+              <a:solidFill>
+                <a:prstClr val="white"/>
+              </a:solidFill>
+              <a:effectLst/>
+              <a:uLnTx/>
+              <a:uFillTx/>
+              <a:latin typeface="Calibri" panose="020F0502020204030204"/>
+              <a:ea typeface="+mn-ea"/>
+              <a:cs typeface="+mn-cs"/>
+            </a:endParaRPr>
+          </a:p>
+        </p:txBody>
+      </p:sp>
+      <p:sp>
+        <p:nvSpPr>
+          <p:cNvPr id="15" name="Rectangle 14">
+            <a:extLst>
+              <a:ext uri="{FF2B5EF4-FFF2-40B4-BE49-F238E27FC236}">
+                <a16:creationId xmlns:a16="http://schemas.microsoft.com/office/drawing/2014/main" id="{08C9B587-E65E-4B52-B37C-ABEBB6E87928}"/>
+              </a:ext>
+              <a:ext uri="{C183D7F6-B498-43B3-948B-1728B52AA6E4}">
+                <adec:decorative xmlns:adec="http://schemas.microsoft.com/office/drawing/2017/decorative" val="1"/>
+              </a:ext>
+            </a:extLst>
+          </p:cNvPr>
+          <p:cNvSpPr>
+            <a:spLocks noGrp="1" noRot="1" noChangeAspect="1" noMove="1" noResize="1" noEditPoints="1" noAdjustHandles="1" noChangeArrowheads="1" noChangeShapeType="1" noTextEdit="1"/>
+          </p:cNvSpPr>
+          <p:nvPr>
+            <p:extLst>
+              <p:ext uri="{386F3935-93C4-4BCD-93E2-E3B085C9AB24}">
+                <p16:designElem xmlns:p16="http://schemas.microsoft.com/office/powerpoint/2015/main" val="1"/>
+              </p:ext>
+            </p:extLst>
+          </p:nvPr>
+        </p:nvSpPr>
+        <p:spPr>
+          <a:xfrm>
+            <a:off x="841248" y="3241202"/>
+            <a:ext cx="10506456" cy="18288"/>
+          </a:xfrm>
+          <a:prstGeom prst="rect">
+            <a:avLst/>
+          </a:prstGeom>
+          <a:solidFill>
+            <a:schemeClr val="tx1"/>
+          </a:solidFill>
+          <a:ln w="3175">
+            <a:noFill/>
+          </a:ln>
+          <a:effectLst/>
+        </p:spPr>
+        <p:style>
+          <a:lnRef idx="2">
+            <a:schemeClr val="accent1">
+              <a:shade val="50000"/>
+            </a:schemeClr>
+          </a:lnRef>
+          <a:fillRef idx="1">
+            <a:schemeClr val="accent1"/>
+          </a:fillRef>
+          <a:effectRef idx="0">
+            <a:schemeClr val="accent1"/>
+          </a:effectRef>
+          <a:fontRef idx="minor">
+            <a:schemeClr val="lt1"/>
+          </a:fontRef>
+        </p:style>
+        <p:txBody>
+          <a:bodyPr rtlCol="0" anchor="ctr"/>
+          <a:lstStyle/>
+          <a:p>
+            <a:pPr marL="0" marR="0" lvl="0" indent="0" algn="ctr" defTabSz="914400" rtl="0" eaLnBrk="1" fontAlgn="auto" latinLnBrk="0" hangingPunct="1">
+              <a:lnSpc>
+                <a:spcPct val="100000"/>
+              </a:lnSpc>
+              <a:spcBef>
+                <a:spcPts val="0"/>
+              </a:spcBef>
+              <a:spcAft>
+                <a:spcPts val="0"/>
+              </a:spcAft>
+              <a:buClrTx/>
+              <a:buSzTx/>
+              <a:buFontTx/>
+              <a:buNone/>
+              <a:tabLst/>
+              <a:defRPr/>
+            </a:pPr>
+            <a:endParaRPr kumimoji="0" lang="en-US" sz="1800" b="0" i="0" u="none" strike="noStrike" kern="1200" cap="none" spc="0" normalizeH="0" baseline="0" noProof="0">
+              <a:ln>
+                <a:noFill/>
+              </a:ln>
+              <a:solidFill>
+                <a:prstClr val="white"/>
+              </a:solidFill>
+              <a:effectLst/>
+              <a:uLnTx/>
+              <a:uFillTx/>
+              <a:latin typeface="Calibri" panose="020F0502020204030204"/>
+              <a:ea typeface="+mn-ea"/>
+              <a:cs typeface="+mn-cs"/>
+            </a:endParaRPr>
+          </a:p>
+        </p:txBody>
+      </p:sp>
+      <p:sp>
+        <p:nvSpPr>
+          <p:cNvPr id="3" name="Content Placeholder 2">
+            <a:extLst>
+              <a:ext uri="{FF2B5EF4-FFF2-40B4-BE49-F238E27FC236}">
+                <a16:creationId xmlns:a16="http://schemas.microsoft.com/office/drawing/2014/main" id="{311E482E-D9AF-401E-A5D1-94D5DF286EE8}"/>
+              </a:ext>
+            </a:extLst>
+          </p:cNvPr>
+          <p:cNvSpPr>
+            <a:spLocks noGrp="1"/>
+          </p:cNvSpPr>
+          <p:nvPr>
+            <p:ph idx="1"/>
+          </p:nvPr>
+        </p:nvSpPr>
+        <p:spPr>
+          <a:xfrm>
+            <a:off x="841248" y="3429000"/>
+            <a:ext cx="10592946" cy="3257026"/>
+          </a:xfrm>
+        </p:spPr>
+        <p:txBody>
+          <a:bodyPr>
+            <a:noAutofit/>
+          </a:bodyPr>
+          <a:lstStyle/>
+          <a:p>
+            <a:pPr marL="0" indent="0">
+              <a:buNone/>
+            </a:pPr>
+            <a:r>
+              <a:rPr lang="en-US" sz="1200" dirty="0"/>
+              <a:t>Coding:</a:t>
+            </a:r>
+          </a:p>
+          <a:p>
+            <a:pPr marL="0" indent="0">
+              <a:buNone/>
+            </a:pPr>
+            <a:r>
+              <a:rPr lang="en-US" sz="1200" dirty="0">
+                <a:hlinkClick r:id="rId3"/>
+              </a:rPr>
+              <a:t>https://www.youtube.com/watch?v=zaWtIkJgah4&amp;t=10210s</a:t>
+            </a:r>
+            <a:endParaRPr lang="en-US" sz="1200" dirty="0"/>
+          </a:p>
+          <a:p>
+            <a:pPr marL="0" indent="0">
+              <a:buNone/>
+            </a:pPr>
+            <a:r>
+              <a:rPr lang="en-US" sz="1200" dirty="0">
+                <a:hlinkClick r:id="rId4"/>
+              </a:rPr>
+              <a:t>https://www.youtube.com/watch?v=w1oLdAPyuok</a:t>
+            </a:r>
+            <a:endParaRPr lang="en-US" sz="1200" dirty="0"/>
+          </a:p>
+          <a:p>
+            <a:pPr marL="0" indent="0">
+              <a:buNone/>
+            </a:pPr>
+            <a:r>
+              <a:rPr lang="en-US" sz="1200" dirty="0">
+                <a:hlinkClick r:id="rId5"/>
+              </a:rPr>
+              <a:t>https://www.youtube.com/watch?v=2jqok-WgelI</a:t>
+            </a:r>
+            <a:endParaRPr lang="en-US" sz="1200" dirty="0"/>
+          </a:p>
+          <a:p>
+            <a:pPr marL="0" indent="0">
+              <a:buNone/>
+            </a:pPr>
+            <a:r>
+              <a:rPr lang="en-US" sz="1200" dirty="0">
+                <a:hlinkClick r:id="rId6"/>
+              </a:rPr>
+              <a:t>https://www.youtube.com/watch?v=7Q17ubqLfaM</a:t>
+            </a:r>
+            <a:endParaRPr lang="en-US" sz="1200" dirty="0"/>
+          </a:p>
+          <a:p>
+            <a:pPr marL="0" indent="0">
+              <a:buNone/>
+            </a:pPr>
+            <a:r>
+              <a:rPr lang="en-US" sz="1200" dirty="0">
+                <a:hlinkClick r:id="rId7"/>
+              </a:rPr>
+              <a:t>https://www.youtube.com/watch?v=DPrhem174Ws</a:t>
+            </a:r>
+            <a:endParaRPr lang="en-US" sz="1200" dirty="0"/>
+          </a:p>
+          <a:p>
+            <a:pPr marL="0" indent="0">
+              <a:buNone/>
+            </a:pPr>
+            <a:r>
+              <a:rPr lang="en-US" sz="1200" dirty="0">
+                <a:hlinkClick r:id="rId8"/>
+              </a:rPr>
+              <a:t>https://www.youtube.com/watch?v=996OiexHze0</a:t>
+            </a:r>
+            <a:endParaRPr lang="en-US" sz="1200" dirty="0"/>
+          </a:p>
+          <a:p>
+            <a:pPr marL="0" indent="0">
+              <a:buNone/>
+            </a:pPr>
+            <a:r>
+              <a:rPr lang="en-US" sz="1200" dirty="0">
+                <a:hlinkClick r:id="rId9"/>
+              </a:rPr>
+              <a:t>https://www.youtube.com/watch?v=y0Yq1lPoloo&amp;t=314s</a:t>
+            </a:r>
+            <a:endParaRPr lang="en-US" sz="1200" dirty="0"/>
+          </a:p>
+          <a:p>
+            <a:pPr marL="0" indent="0">
+              <a:buNone/>
+            </a:pPr>
+            <a:r>
+              <a:rPr lang="en-US" sz="1200" dirty="0">
+                <a:hlinkClick r:id="rId10"/>
+              </a:rPr>
+              <a:t>https://www.youtube.com/watch?v=WTUYem2IxLA</a:t>
+            </a:r>
+            <a:endParaRPr lang="en-US" sz="1200" dirty="0"/>
+          </a:p>
+          <a:p>
+            <a:pPr marL="0" indent="0">
+              <a:buNone/>
+            </a:pPr>
+            <a:r>
+              <a:rPr lang="en-US" sz="1200" dirty="0">
+                <a:hlinkClick r:id="rId11"/>
+              </a:rPr>
+              <a:t>https://www.youtube.com/watch?v=0skzNIckrvQ</a:t>
+            </a:r>
+            <a:endParaRPr lang="en-US" sz="1200" dirty="0"/>
+          </a:p>
+        </p:txBody>
+      </p:sp>
+      <p:sp>
+        <p:nvSpPr>
+          <p:cNvPr id="7" name="TextBox 6">
+            <a:extLst>
+              <a:ext uri="{FF2B5EF4-FFF2-40B4-BE49-F238E27FC236}">
+                <a16:creationId xmlns:a16="http://schemas.microsoft.com/office/drawing/2014/main" id="{A3768130-B895-4299-9B5B-EF8E8F129615}"/>
+              </a:ext>
+            </a:extLst>
+          </p:cNvPr>
+          <p:cNvSpPr txBox="1"/>
+          <p:nvPr/>
+        </p:nvSpPr>
+        <p:spPr>
+          <a:xfrm>
+            <a:off x="738232" y="2212748"/>
+            <a:ext cx="1417739" cy="369332"/>
+          </a:xfrm>
+          <a:prstGeom prst="rect">
+            <a:avLst/>
+          </a:prstGeom>
+          <a:noFill/>
+        </p:spPr>
+        <p:txBody>
+          <a:bodyPr wrap="square" rtlCol="0">
+            <a:spAutoFit/>
+          </a:bodyPr>
+          <a:lstStyle/>
+          <a:p>
+            <a:r>
+              <a:rPr lang="en-US" b="1" dirty="0"/>
+              <a:t>ANNEX - B</a:t>
+            </a:r>
+          </a:p>
+        </p:txBody>
+      </p:sp>
+      <p:sp>
+        <p:nvSpPr>
+          <p:cNvPr id="19" name="TextBox 18">
+            <a:extLst>
+              <a:ext uri="{FF2B5EF4-FFF2-40B4-BE49-F238E27FC236}">
+                <a16:creationId xmlns:a16="http://schemas.microsoft.com/office/drawing/2014/main" id="{BCC49537-E635-4EC1-AF77-53EB55A2D308}"/>
+              </a:ext>
+            </a:extLst>
+          </p:cNvPr>
+          <p:cNvSpPr txBox="1"/>
+          <p:nvPr/>
+        </p:nvSpPr>
+        <p:spPr>
+          <a:xfrm>
+            <a:off x="6534558" y="3180076"/>
+            <a:ext cx="5511567" cy="3754874"/>
+          </a:xfrm>
+          <a:prstGeom prst="rect">
+            <a:avLst/>
+          </a:prstGeom>
+          <a:noFill/>
+        </p:spPr>
+        <p:txBody>
+          <a:bodyPr wrap="square" rtlCol="0">
+            <a:spAutoFit/>
+          </a:bodyPr>
+          <a:lstStyle/>
+          <a:p>
+            <a:r>
+              <a:rPr lang="en-US" sz="1400" dirty="0"/>
+              <a:t>Coding (</a:t>
+            </a:r>
+            <a:r>
+              <a:rPr lang="en-US" sz="1400" dirty="0" err="1"/>
+              <a:t>cont</a:t>
+            </a:r>
+            <a:r>
+              <a:rPr lang="en-US" sz="1400" dirty="0"/>
+              <a:t>)</a:t>
+            </a:r>
+          </a:p>
+          <a:p>
+            <a:r>
+              <a:rPr lang="en-US" sz="1400" dirty="0">
+                <a:hlinkClick r:id="rId12"/>
+              </a:rPr>
+              <a:t>https://www.youtube.com/watch?v=mBd-SMPp3kI&amp;pbjreload=101</a:t>
+            </a:r>
+            <a:endParaRPr lang="en-US" sz="1400" dirty="0"/>
+          </a:p>
+          <a:p>
+            <a:r>
+              <a:rPr lang="en-US" sz="1400" dirty="0">
+                <a:hlinkClick r:id="rId13"/>
+              </a:rPr>
+              <a:t>https://www.youtube.com/watch?v=oEFPFc36weY</a:t>
+            </a:r>
+            <a:endParaRPr lang="en-US" sz="1400" dirty="0"/>
+          </a:p>
+          <a:p>
+            <a:r>
+              <a:rPr lang="en-US" sz="1400" dirty="0">
+                <a:hlinkClick r:id="rId14"/>
+              </a:rPr>
+              <a:t>https://www.youtube.com/watch?v=mBd-SMPp3kI</a:t>
+            </a:r>
+            <a:endParaRPr lang="en-US" sz="1400" dirty="0"/>
+          </a:p>
+          <a:p>
+            <a:r>
+              <a:rPr lang="en-US" sz="1400" dirty="0">
+                <a:hlinkClick r:id="rId15"/>
+              </a:rPr>
+              <a:t>https://www.udemy.com/course/react-the-complete-guide-incl-redux/learn/lecture/8091064#overview</a:t>
+            </a:r>
+            <a:endParaRPr lang="en-US" sz="1400" dirty="0"/>
+          </a:p>
+          <a:p>
+            <a:r>
+              <a:rPr lang="en-US" sz="1400" dirty="0">
+                <a:hlinkClick r:id="rId16"/>
+              </a:rPr>
+              <a:t>https://www.udemy.com/course/react-nodejs-express-mongodb-the-mern-fullstack-guide/learn/lecture/16851138?start=0#overview</a:t>
+            </a:r>
+            <a:endParaRPr lang="en-US" sz="1400" dirty="0"/>
+          </a:p>
+          <a:p>
+            <a:r>
+              <a:rPr lang="en-US" sz="1400" dirty="0"/>
+              <a:t>Motivational:</a:t>
+            </a:r>
+          </a:p>
+          <a:p>
+            <a:r>
+              <a:rPr lang="en-US" sz="1400" dirty="0">
+                <a:hlinkClick r:id="rId17"/>
+              </a:rPr>
+              <a:t>https://www.youtube.com/watch?v=bQxqIKTO2Ck</a:t>
+            </a:r>
+            <a:endParaRPr lang="en-US" sz="1400" dirty="0"/>
+          </a:p>
+          <a:p>
+            <a:r>
+              <a:rPr lang="en-US" sz="1400" dirty="0">
+                <a:hlinkClick r:id="rId18"/>
+              </a:rPr>
+              <a:t>https://www.youtube.com/watch?v=TFG650qI_C0&amp;t=345s</a:t>
+            </a:r>
+            <a:endParaRPr lang="en-US" sz="1400" dirty="0"/>
+          </a:p>
+          <a:p>
+            <a:r>
+              <a:rPr lang="en-US" sz="1400" dirty="0">
+                <a:hlinkClick r:id="rId19"/>
+              </a:rPr>
+              <a:t>https://www.youtube.com/watch?v=CR_o8pZNFlY&amp;t=95s</a:t>
+            </a:r>
+            <a:endParaRPr lang="en-US" sz="1400" dirty="0"/>
+          </a:p>
+          <a:p>
+            <a:r>
+              <a:rPr lang="en-US" sz="1400" dirty="0">
+                <a:hlinkClick r:id="rId20"/>
+              </a:rPr>
+              <a:t>https://www.youtube.com/watch?v=TBuIGBCF9jc</a:t>
+            </a:r>
+            <a:endParaRPr lang="en-US" sz="1400" dirty="0"/>
+          </a:p>
+          <a:p>
+            <a:r>
+              <a:rPr lang="en-US" sz="1400" dirty="0"/>
+              <a:t>Relax time:</a:t>
+            </a:r>
+          </a:p>
+          <a:p>
+            <a:r>
+              <a:rPr lang="en-US" sz="1400" dirty="0">
+                <a:hlinkClick r:id="rId21"/>
+              </a:rPr>
+              <a:t>https://www.youtube.com/watch?v=CfqQNjxrLSI</a:t>
+            </a:r>
+            <a:endParaRPr lang="en-US" sz="1400" dirty="0"/>
+          </a:p>
+        </p:txBody>
+      </p:sp>
+      <p:pic>
+        <p:nvPicPr>
+          <p:cNvPr id="6" name="Picture 5">
+            <a:extLst>
+              <a:ext uri="{FF2B5EF4-FFF2-40B4-BE49-F238E27FC236}">
+                <a16:creationId xmlns:a16="http://schemas.microsoft.com/office/drawing/2014/main" id="{3F6E371A-A529-4ADF-813E-A5AE4BA79DB0}"/>
+              </a:ext>
+            </a:extLst>
+          </p:cNvPr>
+          <p:cNvPicPr>
+            <a:picLocks noChangeAspect="1"/>
+          </p:cNvPicPr>
+          <p:nvPr/>
+        </p:nvPicPr>
+        <p:blipFill rotWithShape="1">
+          <a:blip r:embed="rId22">
+            <a:alphaModFix amt="85000"/>
+          </a:blip>
+          <a:srcRect/>
+          <a:stretch/>
+        </p:blipFill>
+        <p:spPr>
+          <a:xfrm>
+            <a:off x="6040" y="0"/>
+            <a:ext cx="12192000" cy="6857999"/>
+          </a:xfrm>
+          <a:prstGeom prst="rect">
+            <a:avLst/>
+          </a:prstGeom>
+        </p:spPr>
+      </p:pic>
+    </p:spTree>
+    <p:extLst>
+      <p:ext uri="{BB962C8B-B14F-4D97-AF65-F5344CB8AC3E}">
+        <p14:creationId xmlns:p14="http://schemas.microsoft.com/office/powerpoint/2010/main" val="3044925695"/>
+      </p:ext>
+    </p:extLst>
+  </p:cSld>
+  <p:clrMapOvr>
+    <a:overrideClrMapping bg1="dk1" tx1="lt1" bg2="dk2" tx2="lt2" accent1="accent1" accent2="accent2" accent3="accent3" accent4="accent4" accent5="accent5" accent6="accent6" hlink="hlink" folHlink="folHlink"/>
+  </p:clrMapOvr>
+</p:sld>
+</file>
+
+<file path=ppt/slides/slide14.xml><?xml version="1.0" encoding="utf-8"?>
+<p:sld xmlns:a="http://schemas.openxmlformats.org/drawingml/2006/main" xmlns:r="http://schemas.openxmlformats.org/officeDocument/2006/relationships" xmlns:p="http://schemas.openxmlformats.org/presentationml/2006/main">
+  <p:cSld>
+    <p:bg>
+      <p:bgPr>
+        <a:solidFill>
+          <a:schemeClr val="bg1"/>
+        </a:solidFill>
+        <a:effectLst/>
+      </p:bgPr>
+    </p:bg>
+    <p:spTree>
+      <p:nvGrpSpPr>
+        <p:cNvPr id="1" name=""/>
+        <p:cNvGrpSpPr/>
+        <p:nvPr/>
+      </p:nvGrpSpPr>
+      <p:grpSpPr>
+        <a:xfrm>
+          <a:off x="0" y="0"/>
+          <a:ext cx="0" cy="0"/>
+          <a:chOff x="0" y="0"/>
+          <a:chExt cx="0" cy="0"/>
+        </a:xfrm>
+      </p:grpSpPr>
+      <p:sp useBgFill="1">
+        <p:nvSpPr>
+          <p:cNvPr id="40" name="Rectangle 39">
+            <a:extLst>
+              <a:ext uri="{FF2B5EF4-FFF2-40B4-BE49-F238E27FC236}">
+                <a16:creationId xmlns:a16="http://schemas.microsoft.com/office/drawing/2014/main" id="{7C432AFE-B3D2-4BFF-BF8F-96C27AFF1AC7}"/>
+              </a:ext>
+              <a:ext uri="{C183D7F6-B498-43B3-948B-1728B52AA6E4}">
+                <adec:decorative xmlns:adec="http://schemas.microsoft.com/office/drawing/2017/decorative" val="1"/>
+              </a:ext>
+            </a:extLst>
+          </p:cNvPr>
+          <p:cNvSpPr>
+            <a:spLocks noGrp="1" noRot="1" noChangeAspect="1" noMove="1" noResize="1" noEditPoints="1" noAdjustHandles="1" noChangeArrowheads="1" noChangeShapeType="1" noTextEdit="1"/>
+          </p:cNvSpPr>
+          <p:nvPr>
+            <p:extLst>
+              <p:ext uri="{386F3935-93C4-4BCD-93E2-E3B085C9AB24}">
+                <p16:designElem xmlns:p16="http://schemas.microsoft.com/office/powerpoint/2015/main" val="1"/>
+              </p:ext>
+            </p:extLst>
+          </p:nvPr>
+        </p:nvSpPr>
+        <p:spPr>
+          <a:xfrm>
+            <a:off x="0" y="0"/>
+            <a:ext cx="12192000" cy="6858000"/>
+          </a:xfrm>
+          <a:prstGeom prst="rect">
+            <a:avLst/>
+          </a:prstGeom>
+          <a:ln>
+            <a:noFill/>
+          </a:ln>
+        </p:spPr>
+        <p:style>
+          <a:lnRef idx="2">
+            <a:schemeClr val="accent1">
+              <a:shade val="50000"/>
+            </a:schemeClr>
+          </a:lnRef>
+          <a:fillRef idx="1">
+            <a:schemeClr val="accent1"/>
+          </a:fillRef>
+          <a:effectRef idx="0">
+            <a:schemeClr val="accent1"/>
+          </a:effectRef>
+          <a:fontRef idx="minor">
+            <a:schemeClr val="lt1"/>
+          </a:fontRef>
+        </p:style>
+        <p:txBody>
+          <a:bodyPr rtlCol="0" anchor="ctr"/>
+          <a:lstStyle/>
+          <a:p>
+            <a:pPr algn="ctr"/>
+            <a:endParaRPr lang="en-US"/>
+          </a:p>
+        </p:txBody>
+      </p:sp>
+      <p:pic>
+        <p:nvPicPr>
+          <p:cNvPr id="21" name="Picture 20">
+            <a:extLst>
+              <a:ext uri="{FF2B5EF4-FFF2-40B4-BE49-F238E27FC236}">
+                <a16:creationId xmlns:a16="http://schemas.microsoft.com/office/drawing/2014/main" id="{7DB1BA40-9B7C-42A1-B717-AF42F69E087E}"/>
+              </a:ext>
+            </a:extLst>
+          </p:cNvPr>
+          <p:cNvPicPr>
+            <a:picLocks noChangeAspect="1"/>
+          </p:cNvPicPr>
+          <p:nvPr/>
+        </p:nvPicPr>
+        <p:blipFill rotWithShape="1">
+          <a:blip r:embed="rId3">
+            <a:alphaModFix amt="85000"/>
+          </a:blip>
+          <a:srcRect/>
+          <a:stretch/>
+        </p:blipFill>
+        <p:spPr>
+          <a:xfrm>
+            <a:off x="0" y="0"/>
+            <a:ext cx="12192000" cy="6857999"/>
+          </a:xfrm>
+          <a:prstGeom prst="rect">
+            <a:avLst/>
+          </a:prstGeom>
+        </p:spPr>
+      </p:pic>
+      <p:sp>
+        <p:nvSpPr>
+          <p:cNvPr id="2" name="Title 1">
+            <a:extLst>
+              <a:ext uri="{FF2B5EF4-FFF2-40B4-BE49-F238E27FC236}">
+                <a16:creationId xmlns:a16="http://schemas.microsoft.com/office/drawing/2014/main" id="{17AEEBA0-1449-4811-A53B-F1CC1A8C9CD3}"/>
+              </a:ext>
+            </a:extLst>
+          </p:cNvPr>
+          <p:cNvSpPr>
+            <a:spLocks noGrp="1"/>
+          </p:cNvSpPr>
+          <p:nvPr>
+            <p:ph type="title"/>
+          </p:nvPr>
+        </p:nvSpPr>
+        <p:spPr>
+          <a:xfrm>
+            <a:off x="841249" y="941832"/>
+            <a:ext cx="10506456" cy="823715"/>
+          </a:xfrm>
+        </p:spPr>
+        <p:txBody>
+          <a:bodyPr vert="horz" lIns="91440" tIns="45720" rIns="91440" bIns="45720" rtlCol="0" anchor="b">
+            <a:normAutofit/>
+          </a:bodyPr>
+          <a:lstStyle/>
+          <a:p>
+            <a:pPr algn="ctr"/>
+            <a:r>
+              <a:rPr lang="en-US" sz="5000" b="1" dirty="0"/>
+              <a:t>Online Marketplace Net</a:t>
+            </a:r>
+          </a:p>
+        </p:txBody>
+      </p:sp>
+      <p:sp>
+        <p:nvSpPr>
+          <p:cNvPr id="42" name="Rectangle 41">
+            <a:extLst>
+              <a:ext uri="{FF2B5EF4-FFF2-40B4-BE49-F238E27FC236}">
+                <a16:creationId xmlns:a16="http://schemas.microsoft.com/office/drawing/2014/main" id="{AF2F604E-43BE-4DC3-B983-E071523364F8}"/>
+              </a:ext>
+              <a:ext uri="{C183D7F6-B498-43B3-948B-1728B52AA6E4}">
+                <adec:decorative xmlns:adec="http://schemas.microsoft.com/office/drawing/2017/decorative" val="1"/>
+              </a:ext>
+            </a:extLst>
+          </p:cNvPr>
+          <p:cNvSpPr>
+            <a:spLocks noGrp="1" noRot="1" noChangeAspect="1" noMove="1" noResize="1" noEditPoints="1" noAdjustHandles="1" noChangeArrowheads="1" noChangeShapeType="1" noTextEdit="1"/>
+          </p:cNvSpPr>
+          <p:nvPr>
+            <p:extLst>
+              <p:ext uri="{386F3935-93C4-4BCD-93E2-E3B085C9AB24}">
+                <p16:designElem xmlns:p16="http://schemas.microsoft.com/office/powerpoint/2015/main" val="1"/>
+              </p:ext>
+            </p:extLst>
+          </p:nvPr>
+        </p:nvSpPr>
+        <p:spPr>
+          <a:xfrm rot="5400000">
+            <a:off x="1120140" y="346791"/>
+            <a:ext cx="146304" cy="704088"/>
+          </a:xfrm>
+          <a:prstGeom prst="rect">
+            <a:avLst/>
+          </a:prstGeom>
+          <a:solidFill>
+            <a:schemeClr val="accent1"/>
+          </a:solidFill>
+          <a:ln>
+            <a:noFill/>
+          </a:ln>
+        </p:spPr>
+        <p:style>
+          <a:lnRef idx="2">
+            <a:schemeClr val="accent1">
+              <a:shade val="50000"/>
+            </a:schemeClr>
+          </a:lnRef>
+          <a:fillRef idx="1">
+            <a:schemeClr val="accent1"/>
+          </a:fillRef>
+          <a:effectRef idx="0">
+            <a:schemeClr val="accent1"/>
+          </a:effectRef>
+          <a:fontRef idx="minor">
+            <a:schemeClr val="lt1"/>
+          </a:fontRef>
+        </p:style>
+        <p:txBody>
+          <a:bodyPr rtlCol="0" anchor="ctr"/>
+          <a:lstStyle/>
+          <a:p>
+            <a:pPr marL="0" marR="0" lvl="0" indent="0" algn="ctr" defTabSz="914400" rtl="0" eaLnBrk="1" fontAlgn="auto" latinLnBrk="0" hangingPunct="1">
+              <a:lnSpc>
+                <a:spcPct val="100000"/>
+              </a:lnSpc>
+              <a:spcBef>
+                <a:spcPts val="0"/>
+              </a:spcBef>
+              <a:spcAft>
+                <a:spcPts val="0"/>
+              </a:spcAft>
+              <a:buClrTx/>
+              <a:buSzTx/>
+              <a:buFontTx/>
+              <a:buNone/>
+              <a:tabLst/>
+              <a:defRPr/>
+            </a:pPr>
+            <a:endParaRPr kumimoji="0" lang="en-US" sz="1800" b="0" i="0" u="none" strike="noStrike" kern="1200" cap="none" spc="0" normalizeH="0" baseline="0" noProof="0">
+              <a:ln>
+                <a:noFill/>
+              </a:ln>
+              <a:solidFill>
+                <a:prstClr val="white"/>
+              </a:solidFill>
+              <a:effectLst/>
+              <a:uLnTx/>
+              <a:uFillTx/>
+              <a:latin typeface="Calibri" panose="020F0502020204030204"/>
+              <a:ea typeface="+mn-ea"/>
+              <a:cs typeface="+mn-cs"/>
+            </a:endParaRPr>
+          </a:p>
+        </p:txBody>
+      </p:sp>
+      <p:sp>
+        <p:nvSpPr>
+          <p:cNvPr id="44" name="Rectangle 43">
+            <a:extLst>
+              <a:ext uri="{FF2B5EF4-FFF2-40B4-BE49-F238E27FC236}">
+                <a16:creationId xmlns:a16="http://schemas.microsoft.com/office/drawing/2014/main" id="{08C9B587-E65E-4B52-B37C-ABEBB6E87928}"/>
+              </a:ext>
+              <a:ext uri="{C183D7F6-B498-43B3-948B-1728B52AA6E4}">
+                <adec:decorative xmlns:adec="http://schemas.microsoft.com/office/drawing/2017/decorative" val="1"/>
+              </a:ext>
+            </a:extLst>
+          </p:cNvPr>
+          <p:cNvSpPr>
+            <a:spLocks noGrp="1" noRot="1" noChangeAspect="1" noMove="1" noResize="1" noEditPoints="1" noAdjustHandles="1" noChangeArrowheads="1" noChangeShapeType="1" noTextEdit="1"/>
+          </p:cNvSpPr>
+          <p:nvPr>
+            <p:extLst>
+              <p:ext uri="{386F3935-93C4-4BCD-93E2-E3B085C9AB24}">
+                <p16:designElem xmlns:p16="http://schemas.microsoft.com/office/powerpoint/2015/main" val="1"/>
+              </p:ext>
+            </p:extLst>
+          </p:nvPr>
+        </p:nvSpPr>
+        <p:spPr>
+          <a:xfrm>
+            <a:off x="841248" y="3241202"/>
+            <a:ext cx="10506456" cy="18288"/>
+          </a:xfrm>
+          <a:prstGeom prst="rect">
+            <a:avLst/>
+          </a:prstGeom>
+          <a:solidFill>
+            <a:schemeClr val="tx1"/>
+          </a:solidFill>
+          <a:ln w="3175">
+            <a:noFill/>
+          </a:ln>
+          <a:effectLst/>
+        </p:spPr>
+        <p:style>
+          <a:lnRef idx="2">
+            <a:schemeClr val="accent1">
+              <a:shade val="50000"/>
+            </a:schemeClr>
+          </a:lnRef>
+          <a:fillRef idx="1">
+            <a:schemeClr val="accent1"/>
+          </a:fillRef>
+          <a:effectRef idx="0">
+            <a:schemeClr val="accent1"/>
+          </a:effectRef>
+          <a:fontRef idx="minor">
+            <a:schemeClr val="lt1"/>
+          </a:fontRef>
+        </p:style>
+        <p:txBody>
+          <a:bodyPr rtlCol="0" anchor="ctr"/>
+          <a:lstStyle/>
+          <a:p>
+            <a:pPr marL="0" marR="0" lvl="0" indent="0" algn="ctr" defTabSz="914400" rtl="0" eaLnBrk="1" fontAlgn="auto" latinLnBrk="0" hangingPunct="1">
+              <a:lnSpc>
+                <a:spcPct val="100000"/>
+              </a:lnSpc>
+              <a:spcBef>
+                <a:spcPts val="0"/>
+              </a:spcBef>
+              <a:spcAft>
+                <a:spcPts val="0"/>
+              </a:spcAft>
+              <a:buClrTx/>
+              <a:buSzTx/>
+              <a:buFontTx/>
+              <a:buNone/>
+              <a:tabLst/>
+              <a:defRPr/>
+            </a:pPr>
+            <a:endParaRPr kumimoji="0" lang="en-US" sz="1800" b="0" i="0" u="none" strike="noStrike" kern="1200" cap="none" spc="0" normalizeH="0" baseline="0" noProof="0">
+              <a:ln>
+                <a:noFill/>
+              </a:ln>
+              <a:solidFill>
+                <a:prstClr val="white"/>
+              </a:solidFill>
+              <a:effectLst/>
+              <a:uLnTx/>
+              <a:uFillTx/>
+              <a:latin typeface="Calibri" panose="020F0502020204030204"/>
+              <a:ea typeface="+mn-ea"/>
+              <a:cs typeface="+mn-cs"/>
+            </a:endParaRPr>
+          </a:p>
+        </p:txBody>
+      </p:sp>
+      <p:sp>
+        <p:nvSpPr>
+          <p:cNvPr id="19" name="Content Placeholder 18">
+            <a:extLst>
+              <a:ext uri="{FF2B5EF4-FFF2-40B4-BE49-F238E27FC236}">
+                <a16:creationId xmlns:a16="http://schemas.microsoft.com/office/drawing/2014/main" id="{BBBCE442-6D20-4067-B156-E36E1C2270DD}"/>
+              </a:ext>
+            </a:extLst>
+          </p:cNvPr>
+          <p:cNvSpPr>
+            <a:spLocks noGrp="1"/>
+          </p:cNvSpPr>
+          <p:nvPr>
+            <p:ph idx="1"/>
+          </p:nvPr>
+        </p:nvSpPr>
+        <p:spPr>
+          <a:xfrm>
+            <a:off x="841248" y="3502152"/>
+            <a:ext cx="10506456" cy="2670048"/>
+          </a:xfrm>
+        </p:spPr>
+        <p:txBody>
+          <a:bodyPr>
+            <a:normAutofit fontScale="92500" lnSpcReduction="10000"/>
+          </a:bodyPr>
+          <a:lstStyle/>
+          <a:p>
+            <a:pPr marL="0" indent="0">
+              <a:buNone/>
+            </a:pPr>
+            <a:r>
+              <a:rPr lang="en-US" sz="2000" dirty="0"/>
+              <a:t>Your chance to throw at me anything you want!! </a:t>
+            </a:r>
+          </a:p>
+          <a:p>
+            <a:pPr marL="0" indent="0">
+              <a:buNone/>
+            </a:pPr>
+            <a:endParaRPr lang="en-US" sz="2000" dirty="0"/>
+          </a:p>
+          <a:p>
+            <a:pPr marL="0" indent="0">
+              <a:buNone/>
+            </a:pPr>
+            <a:r>
+              <a:rPr lang="en-US" sz="2000" dirty="0"/>
+              <a:t>Disclaimer:</a:t>
+            </a:r>
+          </a:p>
+          <a:p>
+            <a:pPr marL="0" indent="0">
+              <a:buNone/>
+            </a:pPr>
+            <a:r>
+              <a:rPr lang="en-US" sz="2000" dirty="0"/>
+              <a:t>This project is as it is with no warranty whatsoever, by use or not, or part of the App. If your cat catches on fire and runs to the curtains, which then catches on fire and burns your house down, I will not be held liable in any such form for your loss. Please send me video!</a:t>
+            </a:r>
+          </a:p>
+          <a:p>
+            <a:pPr marL="0" indent="0">
+              <a:buNone/>
+            </a:pPr>
+            <a:r>
+              <a:rPr lang="en-US" sz="2000" dirty="0"/>
+              <a:t>Signed: Me.</a:t>
+            </a:r>
+          </a:p>
+        </p:txBody>
+      </p:sp>
+      <p:sp>
+        <p:nvSpPr>
+          <p:cNvPr id="16" name="TextBox 15">
+            <a:extLst>
+              <a:ext uri="{FF2B5EF4-FFF2-40B4-BE49-F238E27FC236}">
+                <a16:creationId xmlns:a16="http://schemas.microsoft.com/office/drawing/2014/main" id="{86C006BF-C490-45F2-BCA1-D2B5D242EF80}"/>
+              </a:ext>
+            </a:extLst>
+          </p:cNvPr>
+          <p:cNvSpPr txBox="1"/>
+          <p:nvPr/>
+        </p:nvSpPr>
+        <p:spPr>
+          <a:xfrm>
+            <a:off x="5462226" y="2338047"/>
+            <a:ext cx="1264499" cy="523220"/>
+          </a:xfrm>
+          <a:prstGeom prst="rect">
+            <a:avLst/>
+          </a:prstGeom>
+          <a:noFill/>
+        </p:spPr>
+        <p:txBody>
+          <a:bodyPr wrap="square" rtlCol="0">
+            <a:spAutoFit/>
+          </a:bodyPr>
+          <a:lstStyle/>
+          <a:p>
+            <a:pPr algn="ctr">
+              <a:spcAft>
+                <a:spcPts val="600"/>
+              </a:spcAft>
+            </a:pPr>
+            <a:r>
+              <a:rPr lang="en-US" sz="2800" dirty="0"/>
+              <a:t>Q&amp;A</a:t>
+            </a:r>
+          </a:p>
+        </p:txBody>
+      </p:sp>
+    </p:spTree>
+    <p:extLst>
+      <p:ext uri="{BB962C8B-B14F-4D97-AF65-F5344CB8AC3E}">
+        <p14:creationId xmlns:p14="http://schemas.microsoft.com/office/powerpoint/2010/main" val="3919780617"/>
+      </p:ext>
+    </p:extLst>
+  </p:cSld>
+  <p:clrMapOvr>
+    <a:overrideClrMapping bg1="dk1" tx1="lt1" bg2="dk2" tx2="lt2" accent1="accent1" accent2="accent2" accent3="accent3" accent4="accent4" accent5="accent5" accent6="accent6" hlink="hlink" folHlink="folHlink"/>
+  </p:clrMapOvr>
+</p:sld>
+</file>
+
+<file path=ppt/slides/slide15.xml><?xml version="1.0" encoding="utf-8"?>
+<p:sld xmlns:a="http://schemas.openxmlformats.org/drawingml/2006/main" xmlns:r="http://schemas.openxmlformats.org/officeDocument/2006/relationships" xmlns:p="http://schemas.openxmlformats.org/presentationml/2006/main">
+  <p:cSld>
+    <p:bg>
+      <p:bgPr>
+        <a:solidFill>
+          <a:schemeClr val="bg1"/>
+        </a:solidFill>
+        <a:effectLst/>
+      </p:bgPr>
+    </p:bg>
+    <p:spTree>
+      <p:nvGrpSpPr>
+        <p:cNvPr id="1" name=""/>
+        <p:cNvGrpSpPr/>
+        <p:nvPr/>
+      </p:nvGrpSpPr>
+      <p:grpSpPr>
+        <a:xfrm>
+          <a:off x="0" y="0"/>
+          <a:ext cx="0" cy="0"/>
+          <a:chOff x="0" y="0"/>
+          <a:chExt cx="0" cy="0"/>
+        </a:xfrm>
+      </p:grpSpPr>
+      <p:sp>
+        <p:nvSpPr>
+          <p:cNvPr id="9" name="Rectangle 8">
+            <a:extLst>
+              <a:ext uri="{FF2B5EF4-FFF2-40B4-BE49-F238E27FC236}">
+                <a16:creationId xmlns:a16="http://schemas.microsoft.com/office/drawing/2014/main" id="{8D06CE56-3881-4ADA-8CEF-D18B02C242A3}"/>
+              </a:ext>
+              <a:ext uri="{C183D7F6-B498-43B3-948B-1728B52AA6E4}">
+                <adec:decorative xmlns:adec="http://schemas.microsoft.com/office/drawing/2017/decorative" val="1"/>
+              </a:ext>
+            </a:extLst>
+          </p:cNvPr>
+          <p:cNvSpPr>
+            <a:spLocks noGrp="1" noRot="1" noChangeAspect="1" noMove="1" noResize="1" noEditPoints="1" noAdjustHandles="1" noChangeArrowheads="1" noChangeShapeType="1" noTextEdit="1"/>
+          </p:cNvSpPr>
+          <p:nvPr>
+            <p:extLst>
+              <p:ext uri="{386F3935-93C4-4BCD-93E2-E3B085C9AB24}">
+                <p16:designElem xmlns:p16="http://schemas.microsoft.com/office/powerpoint/2015/main" val="1"/>
+              </p:ext>
+            </p:extLst>
+          </p:nvPr>
+        </p:nvSpPr>
+        <p:spPr>
+          <a:xfrm rot="5400000">
+            <a:off x="857544" y="346791"/>
+            <a:ext cx="146304" cy="704088"/>
+          </a:xfrm>
+          <a:prstGeom prst="rect">
+            <a:avLst/>
+          </a:prstGeom>
+          <a:solidFill>
+            <a:schemeClr val="accent1"/>
+          </a:solidFill>
+          <a:ln>
+            <a:noFill/>
+          </a:ln>
+        </p:spPr>
+        <p:style>
+          <a:lnRef idx="2">
+            <a:schemeClr val="accent1">
+              <a:shade val="50000"/>
+            </a:schemeClr>
+          </a:lnRef>
+          <a:fillRef idx="1">
+            <a:schemeClr val="accent1"/>
+          </a:fillRef>
+          <a:effectRef idx="0">
+            <a:schemeClr val="accent1"/>
+          </a:effectRef>
+          <a:fontRef idx="minor">
+            <a:schemeClr val="lt1"/>
+          </a:fontRef>
+        </p:style>
+        <p:txBody>
+          <a:bodyPr rtlCol="0" anchor="ctr"/>
+          <a:lstStyle/>
+          <a:p>
+            <a:pPr marL="0" marR="0" lvl="0" indent="0" algn="ctr" defTabSz="914400" rtl="0" eaLnBrk="1" fontAlgn="auto" latinLnBrk="0" hangingPunct="1">
+              <a:lnSpc>
+                <a:spcPct val="100000"/>
+              </a:lnSpc>
+              <a:spcBef>
+                <a:spcPts val="0"/>
+              </a:spcBef>
+              <a:spcAft>
+                <a:spcPts val="0"/>
+              </a:spcAft>
+              <a:buClrTx/>
+              <a:buSzTx/>
+              <a:buFontTx/>
+              <a:buNone/>
+              <a:tabLst/>
+              <a:defRPr/>
+            </a:pPr>
+            <a:endParaRPr kumimoji="0" lang="en-US" sz="1800" b="0" i="0" u="none" strike="noStrike" kern="1200" cap="none" spc="0" normalizeH="0" baseline="0" noProof="0">
+              <a:ln>
+                <a:noFill/>
+              </a:ln>
+              <a:solidFill>
+                <a:prstClr val="white"/>
+              </a:solidFill>
+              <a:effectLst/>
+              <a:uLnTx/>
+              <a:uFillTx/>
+              <a:latin typeface="Calibri" panose="020F0502020204030204"/>
+              <a:ea typeface="+mn-ea"/>
+              <a:cs typeface="+mn-cs"/>
+            </a:endParaRPr>
+          </a:p>
+        </p:txBody>
+      </p:sp>
+      <p:sp>
+        <p:nvSpPr>
+          <p:cNvPr id="11" name="Rectangle 10">
+            <a:extLst>
+              <a:ext uri="{FF2B5EF4-FFF2-40B4-BE49-F238E27FC236}">
+                <a16:creationId xmlns:a16="http://schemas.microsoft.com/office/drawing/2014/main" id="{79F3C543-62EC-4433-9C93-A2CD8764E9B4}"/>
+              </a:ext>
+              <a:ext uri="{C183D7F6-B498-43B3-948B-1728B52AA6E4}">
+                <adec:decorative xmlns:adec="http://schemas.microsoft.com/office/drawing/2017/decorative" val="1"/>
+              </a:ext>
+            </a:extLst>
+          </p:cNvPr>
+          <p:cNvSpPr>
+            <a:spLocks noGrp="1" noRot="1" noChangeAspect="1" noMove="1" noResize="1" noEditPoints="1" noAdjustHandles="1" noChangeArrowheads="1" noChangeShapeType="1" noTextEdit="1"/>
+          </p:cNvSpPr>
+          <p:nvPr>
+            <p:extLst>
+              <p:ext uri="{386F3935-93C4-4BCD-93E2-E3B085C9AB24}">
+                <p16:designElem xmlns:p16="http://schemas.microsoft.com/office/powerpoint/2015/main" val="1"/>
+              </p:ext>
+            </p:extLst>
+          </p:nvPr>
+        </p:nvSpPr>
+        <p:spPr>
+          <a:xfrm flipV="1">
+            <a:off x="578652" y="4501201"/>
+            <a:ext cx="11034696" cy="18288"/>
+          </a:xfrm>
+          <a:prstGeom prst="rect">
+            <a:avLst/>
+          </a:prstGeom>
+          <a:solidFill>
+            <a:schemeClr val="tx2">
+              <a:lumMod val="25000"/>
+              <a:lumOff val="75000"/>
+            </a:schemeClr>
+          </a:solidFill>
+          <a:ln w="3175">
+            <a:noFill/>
+          </a:ln>
+          <a:effectLst/>
+        </p:spPr>
+        <p:style>
+          <a:lnRef idx="2">
+            <a:schemeClr val="accent1">
+              <a:shade val="50000"/>
+            </a:schemeClr>
+          </a:lnRef>
+          <a:fillRef idx="1">
+            <a:schemeClr val="accent1"/>
+          </a:fillRef>
+          <a:effectRef idx="0">
+            <a:schemeClr val="accent1"/>
+          </a:effectRef>
+          <a:fontRef idx="minor">
+            <a:schemeClr val="lt1"/>
+          </a:fontRef>
+        </p:style>
+        <p:txBody>
+          <a:bodyPr rtlCol="0" anchor="ctr"/>
+          <a:lstStyle/>
+          <a:p>
+            <a:pPr marL="0" marR="0" lvl="0" indent="0" algn="ctr" defTabSz="914400" rtl="0" eaLnBrk="1" fontAlgn="auto" latinLnBrk="0" hangingPunct="1">
+              <a:lnSpc>
+                <a:spcPct val="100000"/>
+              </a:lnSpc>
+              <a:spcBef>
+                <a:spcPts val="0"/>
+              </a:spcBef>
+              <a:spcAft>
+                <a:spcPts val="0"/>
+              </a:spcAft>
+              <a:buClrTx/>
+              <a:buSzTx/>
+              <a:buFontTx/>
+              <a:buNone/>
+              <a:tabLst/>
+              <a:defRPr/>
+            </a:pPr>
+            <a:endParaRPr kumimoji="0" lang="en-US" sz="1800" b="0" i="0" u="none" strike="noStrike" kern="1200" cap="none" spc="0" normalizeH="0" baseline="0" noProof="0">
+              <a:ln>
+                <a:noFill/>
+              </a:ln>
+              <a:solidFill>
+                <a:prstClr val="white"/>
+              </a:solidFill>
+              <a:effectLst/>
+              <a:uLnTx/>
+              <a:uFillTx/>
+              <a:latin typeface="Calibri" panose="020F0502020204030204"/>
+              <a:ea typeface="+mn-ea"/>
+              <a:cs typeface="+mn-cs"/>
+            </a:endParaRPr>
+          </a:p>
+        </p:txBody>
+      </p:sp>
+      <p:sp useBgFill="1">
+        <p:nvSpPr>
+          <p:cNvPr id="13" name="Rectangle 12">
+            <a:extLst>
+              <a:ext uri="{FF2B5EF4-FFF2-40B4-BE49-F238E27FC236}">
+                <a16:creationId xmlns:a16="http://schemas.microsoft.com/office/drawing/2014/main" id="{5A59F003-E00A-43F9-91DC-CC54E3B87466}"/>
+              </a:ext>
+              <a:ext uri="{C183D7F6-B498-43B3-948B-1728B52AA6E4}">
+                <adec:decorative xmlns:adec="http://schemas.microsoft.com/office/drawing/2017/decorative" val="1"/>
+              </a:ext>
+            </a:extLst>
+          </p:cNvPr>
+          <p:cNvSpPr>
+            <a:spLocks noGrp="1" noRot="1" noChangeAspect="1" noMove="1" noResize="1" noEditPoints="1" noAdjustHandles="1" noChangeArrowheads="1" noChangeShapeType="1" noTextEdit="1"/>
+          </p:cNvSpPr>
+          <p:nvPr>
+            <p:extLst>
+              <p:ext uri="{386F3935-93C4-4BCD-93E2-E3B085C9AB24}">
+                <p16:designElem xmlns:p16="http://schemas.microsoft.com/office/powerpoint/2015/main" val="1"/>
+              </p:ext>
+            </p:extLst>
+          </p:nvPr>
+        </p:nvSpPr>
+        <p:spPr>
+          <a:xfrm>
+            <a:off x="0" y="0"/>
+            <a:ext cx="12192000" cy="6858000"/>
+          </a:xfrm>
+          <a:prstGeom prst="rect">
+            <a:avLst/>
+          </a:prstGeom>
+          <a:ln>
+            <a:noFill/>
+          </a:ln>
+        </p:spPr>
+        <p:style>
+          <a:lnRef idx="2">
+            <a:schemeClr val="accent1">
+              <a:shade val="50000"/>
+            </a:schemeClr>
+          </a:lnRef>
+          <a:fillRef idx="1">
+            <a:schemeClr val="accent1"/>
+          </a:fillRef>
+          <a:effectRef idx="0">
+            <a:schemeClr val="accent1"/>
+          </a:effectRef>
+          <a:fontRef idx="minor">
+            <a:schemeClr val="lt1"/>
+          </a:fontRef>
+        </p:style>
+        <p:txBody>
+          <a:bodyPr rtlCol="0" anchor="ctr"/>
+          <a:lstStyle/>
+          <a:p>
+            <a:pPr algn="ctr"/>
+            <a:endParaRPr lang="en-US"/>
+          </a:p>
+        </p:txBody>
+      </p:sp>
       <p:pic>
         <p:nvPicPr>
           <p:cNvPr id="4" name="Content Placeholder 3">
@@ -6945,7 +10714,9 @@
           </p:nvPr>
         </p:nvPicPr>
         <p:blipFill rotWithShape="1">
-          <a:blip r:embed="rId2"/>
+          <a:blip r:embed="rId3">
+            <a:alphaModFix/>
+          </a:blip>
           <a:srcRect t="9091" r="9091"/>
           <a:stretch/>
         </p:blipFill>
@@ -7159,7 +10930,7 @@
         <p:spPr>
           <a:xfrm>
             <a:off x="1148650" y="335551"/>
-            <a:ext cx="8637247" cy="4401205"/>
+            <a:ext cx="8637247" cy="3662541"/>
           </a:xfrm>
           <a:prstGeom prst="rect">
             <a:avLst/>
@@ -7181,44 +10952,66 @@
           <a:p>
             <a:pPr algn="ctr"/>
             <a:r>
-              <a:rPr lang="en-US" sz="2800" i="1" dirty="0"/>
-              <a:t>It was a great pleasure and honor to meet you all and I wish you all the best success in your future endeavors!</a:t>
+              <a:rPr lang="en-US" sz="1600" i="1" dirty="0"/>
+              <a:t>It was a great pleasure and an honor to meet you all </a:t>
             </a:r>
           </a:p>
           <a:p>
             <a:pPr algn="ctr"/>
             <a:r>
-              <a:rPr lang="en-US" sz="2800" i="1" dirty="0"/>
-              <a:t>Stay positive, </a:t>
+              <a:rPr lang="en-US" sz="1600" i="1" dirty="0"/>
+              <a:t>and I wish you all the best success in your future endeavors!</a:t>
             </a:r>
           </a:p>
           <a:p>
             <a:pPr algn="ctr"/>
             <a:r>
-              <a:rPr lang="en-US" sz="2800" i="1" dirty="0"/>
-              <a:t>Have courage, </a:t>
+              <a:rPr lang="en-US" sz="1600" i="1" dirty="0"/>
+              <a:t>Stay positive, Have courage, And remember there is no such thing as impossible!</a:t>
             </a:r>
           </a:p>
           <a:p>
             <a:pPr algn="ctr"/>
             <a:r>
-              <a:rPr lang="en-US" sz="2800" i="1" dirty="0"/>
-              <a:t>There is no such thing as impossible!</a:t>
+              <a:rPr lang="en-US" sz="1600" i="1" dirty="0"/>
+              <a:t>We are the proof of this statement!</a:t>
             </a:r>
           </a:p>
           <a:p>
             <a:pPr algn="ctr"/>
             <a:r>
-              <a:rPr lang="en-US" sz="2800" i="1" dirty="0"/>
-              <a:t>You are the proof of this statement!</a:t>
+              <a:rPr lang="en-US" sz="1600" i="1" dirty="0"/>
+              <a:t>Thanks to the TA’s and a special thanks to Agustin for his patience and </a:t>
             </a:r>
           </a:p>
           <a:p>
             <a:pPr algn="ctr"/>
             <a:r>
-              <a:rPr lang="en-US" sz="2800" i="1" dirty="0"/>
-              <a:t>See you all sometime, some place!</a:t>
-            </a:r>
+              <a:rPr lang="en-US" sz="1600" i="1" dirty="0"/>
+              <a:t>understanding and great advice and teachings.</a:t>
+            </a:r>
+          </a:p>
+          <a:p>
+            <a:pPr algn="ctr"/>
+            <a:r>
+              <a:rPr lang="en-US" sz="1600" i="1" dirty="0"/>
+              <a:t>See you all some time, someplace!</a:t>
+            </a:r>
+          </a:p>
+          <a:p>
+            <a:pPr algn="ctr"/>
+            <a:endParaRPr lang="en-US" sz="1600" i="1" dirty="0"/>
+          </a:p>
+          <a:p>
+            <a:pPr algn="ctr"/>
+            <a:endParaRPr lang="en-US" sz="1600" i="1" dirty="0"/>
+          </a:p>
+          <a:p>
+            <a:pPr algn="ctr"/>
+            <a:endParaRPr lang="en-US" sz="1600" i="1" dirty="0"/>
+          </a:p>
+          <a:p>
+            <a:endParaRPr lang="en-US" sz="1600" i="1" dirty="0"/>
           </a:p>
           <a:p>
             <a:pPr algn="ctr"/>
@@ -7264,12 +11057,43 @@
           <a:chExt cx="0" cy="0"/>
         </a:xfrm>
       </p:grpSpPr>
-      <p:sp useBgFill="1">
+      <p:pic>
+        <p:nvPicPr>
+          <p:cNvPr id="4" name="Picture 3">
+            <a:extLst>
+              <a:ext uri="{FF2B5EF4-FFF2-40B4-BE49-F238E27FC236}">
+                <a16:creationId xmlns:a16="http://schemas.microsoft.com/office/drawing/2014/main" id="{74226D09-B5F5-475D-8635-256A6F54E5F2}"/>
+              </a:ext>
+            </a:extLst>
+          </p:cNvPr>
+          <p:cNvPicPr>
+            <a:picLocks noChangeAspect="1"/>
+          </p:cNvPicPr>
+          <p:nvPr/>
+        </p:nvPicPr>
+        <p:blipFill rotWithShape="1">
+          <a:blip r:embed="rId3">
+            <a:alphaModFix/>
+          </a:blip>
+          <a:srcRect t="7704" b="459"/>
+          <a:stretch/>
+        </p:blipFill>
+        <p:spPr>
+          <a:xfrm>
+            <a:off x="0" y="10"/>
+            <a:ext cx="12188952" cy="6856276"/>
+          </a:xfrm>
+          <a:prstGeom prst="rect">
+            <a:avLst/>
+          </a:prstGeom>
+        </p:spPr>
+      </p:pic>
+      <p:sp>
         <p:nvSpPr>
           <p:cNvPr id="9" name="Rectangle 8">
             <a:extLst>
               <a:ext uri="{FF2B5EF4-FFF2-40B4-BE49-F238E27FC236}">
-                <a16:creationId xmlns:a16="http://schemas.microsoft.com/office/drawing/2014/main" id="{7C432AFE-B3D2-4BFF-BF8F-96C27AFF1AC7}"/>
+                <a16:creationId xmlns:a16="http://schemas.microsoft.com/office/drawing/2014/main" id="{007891EC-4501-44ED-A8C8-B11B6DB767AB}"/>
               </a:ext>
               <a:ext uri="{C183D7F6-B498-43B3-948B-1728B52AA6E4}">
                 <adec:decorative xmlns:adec="http://schemas.microsoft.com/office/drawing/2017/decorative" val="1"/>
@@ -7289,12 +11113,33 @@
         </p:nvSpPr>
         <p:spPr>
           <a:xfrm>
-            <a:off x="0" y="0"/>
-            <a:ext cx="12192000" cy="6858000"/>
+            <a:off x="0" y="2207602"/>
+            <a:ext cx="12191999" cy="3162146"/>
           </a:xfrm>
           <a:prstGeom prst="rect">
             <a:avLst/>
           </a:prstGeom>
+          <a:gradFill flip="none" rotWithShape="1">
+            <a:gsLst>
+              <a:gs pos="0">
+                <a:schemeClr val="tx2">
+                  <a:alpha val="0"/>
+                </a:schemeClr>
+              </a:gs>
+              <a:gs pos="50000">
+                <a:schemeClr val="tx2">
+                  <a:alpha val="35000"/>
+                </a:schemeClr>
+              </a:gs>
+              <a:gs pos="100000">
+                <a:schemeClr val="tx2">
+                  <a:alpha val="0"/>
+                </a:schemeClr>
+              </a:gs>
+            </a:gsLst>
+            <a:lin ang="16200000" scaled="1"/>
+            <a:tileRect/>
+          </a:gradFill>
           <a:ln>
             <a:noFill/>
           </a:ln>
@@ -7324,67 +11169,44 @@
           </a:p>
         </p:txBody>
       </p:sp>
-      <p:pic>
-        <p:nvPicPr>
-          <p:cNvPr id="4" name="Picture 3">
-            <a:extLst>
-              <a:ext uri="{FF2B5EF4-FFF2-40B4-BE49-F238E27FC236}">
-                <a16:creationId xmlns:a16="http://schemas.microsoft.com/office/drawing/2014/main" id="{2C9DCFA2-7330-4BCB-9F43-9C0F370B42A1}"/>
-              </a:ext>
-            </a:extLst>
-          </p:cNvPr>
-          <p:cNvPicPr>
-            <a:picLocks noChangeAspect="1"/>
-          </p:cNvPicPr>
-          <p:nvPr/>
-        </p:nvPicPr>
-        <p:blipFill rotWithShape="1">
-          <a:blip r:embed="rId2">
-            <a:alphaModFix amt="40000"/>
-          </a:blip>
-          <a:srcRect/>
-          <a:stretch/>
-        </p:blipFill>
+      <p:sp>
+        <p:nvSpPr>
+          <p:cNvPr id="2" name="Title 1">
+            <a:extLst>
+              <a:ext uri="{FF2B5EF4-FFF2-40B4-BE49-F238E27FC236}">
+                <a16:creationId xmlns:a16="http://schemas.microsoft.com/office/drawing/2014/main" id="{A4D51BD5-E74E-4E27-B556-418EBBEFC9E6}"/>
+              </a:ext>
+            </a:extLst>
+          </p:cNvPr>
+          <p:cNvSpPr>
+            <a:spLocks noGrp="1"/>
+          </p:cNvSpPr>
+          <p:nvPr>
+            <p:ph type="ctrTitle"/>
+          </p:nvPr>
+        </p:nvSpPr>
         <p:spPr>
           <a:xfrm>
-            <a:off x="0" y="0"/>
-            <a:ext cx="12192000" cy="6857999"/>
-          </a:xfrm>
-          <a:prstGeom prst="rect">
-            <a:avLst/>
-          </a:prstGeom>
-        </p:spPr>
-      </p:pic>
-      <p:sp>
-        <p:nvSpPr>
-          <p:cNvPr id="2" name="Title 1">
-            <a:extLst>
-              <a:ext uri="{FF2B5EF4-FFF2-40B4-BE49-F238E27FC236}">
-                <a16:creationId xmlns:a16="http://schemas.microsoft.com/office/drawing/2014/main" id="{F18D4D2F-1CD8-4E2A-A6DD-AAA9967F2DD5}"/>
-              </a:ext>
-            </a:extLst>
-          </p:cNvPr>
-          <p:cNvSpPr>
-            <a:spLocks noGrp="1"/>
-          </p:cNvSpPr>
-          <p:nvPr>
-            <p:ph type="title"/>
-          </p:nvPr>
-        </p:nvSpPr>
-        <p:spPr>
-          <a:xfrm>
-            <a:off x="841249" y="941832"/>
-            <a:ext cx="10506456" cy="2057400"/>
-          </a:xfrm>
-        </p:spPr>
-        <p:txBody>
-          <a:bodyPr anchor="b">
+            <a:off x="333073" y="431957"/>
+            <a:ext cx="10905059" cy="727281"/>
+          </a:xfrm>
+          <a:effectLst>
+            <a:outerShdw blurRad="50800" dist="38100" dir="2700000" algn="tl" rotWithShape="0">
+              <a:prstClr val="black">
+                <a:alpha val="40000"/>
+              </a:prstClr>
+            </a:outerShdw>
+          </a:effectLst>
+        </p:spPr>
+        <p:txBody>
+          <a:bodyPr>
             <a:normAutofit/>
           </a:bodyPr>
           <a:lstStyle/>
           <a:p>
-            <a:r>
-              <a:rPr lang="en-US" sz="5000" dirty="0"/>
+            <a:pPr algn="ctr"/>
+            <a:r>
+              <a:rPr lang="en-US" sz="3600" dirty="0"/>
               <a:t>Online Marketplace Net</a:t>
             </a:r>
           </a:p>
@@ -7392,19 +11214,70 @@
       </p:sp>
       <p:sp>
         <p:nvSpPr>
-          <p:cNvPr id="11" name="Rectangle 10">
-            <a:extLst>
-              <a:ext uri="{FF2B5EF4-FFF2-40B4-BE49-F238E27FC236}">
-                <a16:creationId xmlns:a16="http://schemas.microsoft.com/office/drawing/2014/main" id="{AF2F604E-43BE-4DC3-B983-E071523364F8}"/>
+          <p:cNvPr id="3" name="Subtitle 2">
+            <a:extLst>
+              <a:ext uri="{FF2B5EF4-FFF2-40B4-BE49-F238E27FC236}">
+                <a16:creationId xmlns:a16="http://schemas.microsoft.com/office/drawing/2014/main" id="{D8911FFF-6D5A-4187-8901-2F7C344F358A}"/>
+              </a:ext>
+            </a:extLst>
+          </p:cNvPr>
+          <p:cNvSpPr>
+            <a:spLocks noGrp="1"/>
+          </p:cNvSpPr>
+          <p:nvPr>
+            <p:ph type="subTitle" idx="1"/>
+          </p:nvPr>
+        </p:nvSpPr>
+        <p:spPr>
+          <a:xfrm>
+            <a:off x="643466" y="5083726"/>
+            <a:ext cx="10902016" cy="1342307"/>
+          </a:xfrm>
+          <a:effectLst>
+            <a:outerShdw blurRad="50800" dist="38100" dir="2700000" algn="tl" rotWithShape="0">
+              <a:prstClr val="black">
+                <a:alpha val="40000"/>
+              </a:prstClr>
+            </a:outerShdw>
+          </a:effectLst>
+        </p:spPr>
+        <p:txBody>
+          <a:bodyPr>
+            <a:normAutofit/>
+          </a:bodyPr>
+          <a:lstStyle/>
+          <a:p>
+            <a:pPr algn="ctr"/>
+            <a:r>
+              <a:rPr lang="en-AU" sz="1800" dirty="0"/>
+              <a:t>The Online Marketplace Net is a place where you can catch bargains from your favourite store online!</a:t>
+            </a:r>
+          </a:p>
+          <a:p>
+            <a:pPr algn="ctr"/>
+            <a:r>
+              <a:rPr lang="en-AU" sz="1800" dirty="0"/>
+              <a:t>Or you can sell your own products in your very own store!</a:t>
+            </a:r>
+            <a:endParaRPr lang="en-US" sz="1800" dirty="0"/>
+          </a:p>
+        </p:txBody>
+      </p:sp>
+      <p:cxnSp>
+        <p:nvCxnSpPr>
+          <p:cNvPr id="11" name="Straight Connector 10">
+            <a:extLst>
+              <a:ext uri="{FF2B5EF4-FFF2-40B4-BE49-F238E27FC236}">
+                <a16:creationId xmlns:a16="http://schemas.microsoft.com/office/drawing/2014/main" id="{34E5597F-CE67-4085-9548-E6A8036DA3BB}"/>
               </a:ext>
               <a:ext uri="{C183D7F6-B498-43B3-948B-1728B52AA6E4}">
                 <adec:decorative xmlns:adec="http://schemas.microsoft.com/office/drawing/2017/decorative" val="1"/>
               </a:ext>
             </a:extLst>
           </p:cNvPr>
-          <p:cNvSpPr>
-            <a:spLocks noGrp="1" noRot="1" noChangeAspect="1" noMove="1" noResize="1" noEditPoints="1" noAdjustHandles="1" noChangeArrowheads="1" noChangeShapeType="1" noTextEdit="1"/>
-          </p:cNvSpPr>
+          <p:cNvCxnSpPr>
+            <a:cxnSpLocks noGrp="1" noRot="1" noChangeAspect="1" noMove="1" noResize="1" noEditPoints="1" noAdjustHandles="1" noChangeArrowheads="1" noChangeShapeType="1"/>
+          </p:cNvCxnSpPr>
           <p:nvPr>
             <p:extLst>
               <p:ext uri="{386F3935-93C4-4BCD-93E2-E3B085C9AB24}">
@@ -7412,262 +11285,75 @@
               </p:ext>
             </p:extLst>
           </p:nvPr>
-        </p:nvSpPr>
-        <p:spPr>
-          <a:xfrm rot="5400000">
-            <a:off x="1120140" y="346791"/>
-            <a:ext cx="146304" cy="704088"/>
-          </a:xfrm>
-          <a:prstGeom prst="rect">
+        </p:nvCxnSpPr>
+        <p:spPr>
+          <a:xfrm>
+            <a:off x="3393881" y="4035362"/>
+            <a:ext cx="5404237" cy="0"/>
+          </a:xfrm>
+          <a:prstGeom prst="line">
             <a:avLst/>
           </a:prstGeom>
-          <a:solidFill>
+          <a:ln>
+            <a:solidFill>
+              <a:schemeClr val="bg1"/>
+            </a:solidFill>
+          </a:ln>
+          <a:effectLst>
+            <a:outerShdw blurRad="50800" dist="38100" dir="2700000" algn="tl" rotWithShape="0">
+              <a:prstClr val="black">
+                <a:alpha val="40000"/>
+              </a:prstClr>
+            </a:outerShdw>
+          </a:effectLst>
+        </p:spPr>
+        <p:style>
+          <a:lnRef idx="1">
             <a:schemeClr val="accent1"/>
-          </a:solidFill>
-          <a:ln>
-            <a:noFill/>
-          </a:ln>
-        </p:spPr>
-        <p:style>
-          <a:lnRef idx="2">
-            <a:schemeClr val="accent1">
-              <a:shade val="50000"/>
-            </a:schemeClr>
           </a:lnRef>
-          <a:fillRef idx="1">
+          <a:fillRef idx="0">
             <a:schemeClr val="accent1"/>
           </a:fillRef>
           <a:effectRef idx="0">
             <a:schemeClr val="accent1"/>
           </a:effectRef>
           <a:fontRef idx="minor">
-            <a:schemeClr val="lt1"/>
+            <a:schemeClr val="tx1"/>
           </a:fontRef>
         </p:style>
-        <p:txBody>
-          <a:bodyPr rtlCol="0" anchor="ctr"/>
-          <a:lstStyle/>
-          <a:p>
-            <a:pPr marL="0" marR="0" lvl="0" indent="0" algn="ctr" defTabSz="914400" rtl="0" eaLnBrk="1" fontAlgn="auto" latinLnBrk="0" hangingPunct="1">
-              <a:lnSpc>
-                <a:spcPct val="100000"/>
-              </a:lnSpc>
-              <a:spcBef>
-                <a:spcPts val="0"/>
-              </a:spcBef>
-              <a:spcAft>
-                <a:spcPts val="0"/>
-              </a:spcAft>
-              <a:buClrTx/>
-              <a:buSzTx/>
-              <a:buFontTx/>
-              <a:buNone/>
-              <a:tabLst/>
-              <a:defRPr/>
-            </a:pPr>
-            <a:endParaRPr kumimoji="0" lang="en-US" sz="1800" b="0" i="0" u="none" strike="noStrike" kern="1200" cap="none" spc="0" normalizeH="0" baseline="0" noProof="0">
-              <a:ln>
-                <a:noFill/>
-              </a:ln>
-              <a:solidFill>
-                <a:prstClr val="white"/>
-              </a:solidFill>
-              <a:effectLst/>
-              <a:uLnTx/>
-              <a:uFillTx/>
-              <a:latin typeface="Calibri" panose="020F0502020204030204"/>
-              <a:ea typeface="+mn-ea"/>
-              <a:cs typeface="+mn-cs"/>
-            </a:endParaRPr>
-          </a:p>
-        </p:txBody>
-      </p:sp>
-      <p:sp>
-        <p:nvSpPr>
-          <p:cNvPr id="13" name="Rectangle 12">
-            <a:extLst>
-              <a:ext uri="{FF2B5EF4-FFF2-40B4-BE49-F238E27FC236}">
-                <a16:creationId xmlns:a16="http://schemas.microsoft.com/office/drawing/2014/main" id="{08C9B587-E65E-4B52-B37C-ABEBB6E87928}"/>
-              </a:ext>
-              <a:ext uri="{C183D7F6-B498-43B3-948B-1728B52AA6E4}">
-                <adec:decorative xmlns:adec="http://schemas.microsoft.com/office/drawing/2017/decorative" val="1"/>
-              </a:ext>
-            </a:extLst>
-          </p:cNvPr>
-          <p:cNvSpPr>
-            <a:spLocks noGrp="1" noRot="1" noChangeAspect="1" noMove="1" noResize="1" noEditPoints="1" noAdjustHandles="1" noChangeArrowheads="1" noChangeShapeType="1" noTextEdit="1"/>
-          </p:cNvSpPr>
-          <p:nvPr>
-            <p:extLst>
-              <p:ext uri="{386F3935-93C4-4BCD-93E2-E3B085C9AB24}">
-                <p16:designElem xmlns:p16="http://schemas.microsoft.com/office/powerpoint/2015/main" val="1"/>
-              </p:ext>
-            </p:extLst>
-          </p:nvPr>
-        </p:nvSpPr>
-        <p:spPr>
-          <a:xfrm>
-            <a:off x="841248" y="3241202"/>
-            <a:ext cx="10506456" cy="18288"/>
-          </a:xfrm>
-          <a:prstGeom prst="rect">
-            <a:avLst/>
-          </a:prstGeom>
-          <a:solidFill>
-            <a:schemeClr val="tx1"/>
-          </a:solidFill>
-          <a:ln w="3175">
-            <a:noFill/>
-          </a:ln>
-          <a:effectLst/>
-        </p:spPr>
-        <p:style>
-          <a:lnRef idx="2">
-            <a:schemeClr val="accent1">
-              <a:shade val="50000"/>
-            </a:schemeClr>
-          </a:lnRef>
-          <a:fillRef idx="1">
-            <a:schemeClr val="accent1"/>
-          </a:fillRef>
-          <a:effectRef idx="0">
-            <a:schemeClr val="accent1"/>
-          </a:effectRef>
-          <a:fontRef idx="minor">
-            <a:schemeClr val="lt1"/>
-          </a:fontRef>
-        </p:style>
-        <p:txBody>
-          <a:bodyPr rtlCol="0" anchor="ctr"/>
-          <a:lstStyle/>
-          <a:p>
-            <a:pPr marL="0" marR="0" lvl="0" indent="0" algn="ctr" defTabSz="914400" rtl="0" eaLnBrk="1" fontAlgn="auto" latinLnBrk="0" hangingPunct="1">
-              <a:lnSpc>
-                <a:spcPct val="100000"/>
-              </a:lnSpc>
-              <a:spcBef>
-                <a:spcPts val="0"/>
-              </a:spcBef>
-              <a:spcAft>
-                <a:spcPts val="0"/>
-              </a:spcAft>
-              <a:buClrTx/>
-              <a:buSzTx/>
-              <a:buFontTx/>
-              <a:buNone/>
-              <a:tabLst/>
-              <a:defRPr/>
-            </a:pPr>
-            <a:endParaRPr kumimoji="0" lang="en-US" sz="1800" b="0" i="0" u="none" strike="noStrike" kern="1200" cap="none" spc="0" normalizeH="0" baseline="0" noProof="0">
-              <a:ln>
-                <a:noFill/>
-              </a:ln>
-              <a:solidFill>
-                <a:prstClr val="white"/>
-              </a:solidFill>
-              <a:effectLst/>
-              <a:uLnTx/>
-              <a:uFillTx/>
-              <a:latin typeface="Calibri" panose="020F0502020204030204"/>
-              <a:ea typeface="+mn-ea"/>
-              <a:cs typeface="+mn-cs"/>
-            </a:endParaRPr>
-          </a:p>
-        </p:txBody>
-      </p:sp>
-      <p:sp>
-        <p:nvSpPr>
-          <p:cNvPr id="3" name="Content Placeholder 2">
-            <a:extLst>
-              <a:ext uri="{FF2B5EF4-FFF2-40B4-BE49-F238E27FC236}">
-                <a16:creationId xmlns:a16="http://schemas.microsoft.com/office/drawing/2014/main" id="{20A8854A-4336-4019-971C-877F28A9F3B8}"/>
-              </a:ext>
-            </a:extLst>
-          </p:cNvPr>
-          <p:cNvSpPr>
-            <a:spLocks noGrp="1"/>
-          </p:cNvSpPr>
-          <p:nvPr>
-            <p:ph idx="1"/>
-          </p:nvPr>
-        </p:nvSpPr>
-        <p:spPr>
-          <a:xfrm>
-            <a:off x="841248" y="3502152"/>
-            <a:ext cx="10506456" cy="2670048"/>
-          </a:xfrm>
-        </p:spPr>
-        <p:txBody>
-          <a:bodyPr>
-            <a:normAutofit lnSpcReduction="10000"/>
-          </a:bodyPr>
-          <a:lstStyle/>
-          <a:p>
-            <a:pPr marL="0" indent="0">
-              <a:buNone/>
-            </a:pPr>
-            <a:r>
-              <a:rPr lang="en-US" sz="2000" b="1" u="sng" dirty="0"/>
-              <a:t>Project Overview</a:t>
-            </a:r>
-          </a:p>
-          <a:p>
-            <a:pPr marL="0" indent="0">
-              <a:buNone/>
-            </a:pPr>
-            <a:r>
-              <a:rPr lang="en-US" sz="2000" dirty="0"/>
-              <a:t>The App will be with have these main features:</a:t>
-            </a:r>
-          </a:p>
-          <a:p>
-            <a:pPr marL="0" indent="0">
-              <a:buNone/>
-            </a:pPr>
-            <a:r>
-              <a:rPr lang="en-US" sz="2000" dirty="0"/>
-              <a:t>Users with Seller accounts</a:t>
-            </a:r>
-          </a:p>
-          <a:p>
-            <a:pPr marL="0" indent="0">
-              <a:buNone/>
-            </a:pPr>
-            <a:r>
-              <a:rPr lang="en-US" sz="2000" dirty="0"/>
-              <a:t>Shop Management</a:t>
-            </a:r>
-          </a:p>
-          <a:p>
-            <a:pPr marL="0" indent="0">
-              <a:buNone/>
-            </a:pPr>
-            <a:r>
-              <a:rPr lang="en-US" sz="2000" dirty="0"/>
-              <a:t>Product Management</a:t>
-            </a:r>
-          </a:p>
-          <a:p>
-            <a:pPr marL="0" indent="0">
-              <a:buNone/>
-            </a:pPr>
-            <a:r>
-              <a:rPr lang="en-US" sz="2000" dirty="0"/>
-              <a:t>Product search by name and category</a:t>
-            </a:r>
-          </a:p>
-        </p:txBody>
-      </p:sp>
+      </p:cxnSp>
     </p:spTree>
     <p:extLst>
       <p:ext uri="{BB962C8B-B14F-4D97-AF65-F5344CB8AC3E}">
-        <p14:creationId xmlns:p14="http://schemas.microsoft.com/office/powerpoint/2010/main" val="2155918782"/>
+        <p14:creationId xmlns:p14="http://schemas.microsoft.com/office/powerpoint/2010/main" val="3761305285"/>
       </p:ext>
     </p:extLst>
   </p:cSld>
   <p:clrMapOvr>
-    <a:overrideClrMapping bg1="dk1" tx1="lt1" bg2="dk2" tx2="lt2" accent1="accent1" accent2="accent2" accent3="accent3" accent4="accent4" accent5="accent5" accent6="accent6" hlink="hlink" folHlink="folHlink"/>
+    <a:masterClrMapping/>
   </p:clrMapOvr>
+  <mc:AlternateContent xmlns:mc="http://schemas.openxmlformats.org/markup-compatibility/2006">
+    <mc:Choice xmlns:p14="http://schemas.microsoft.com/office/powerpoint/2010/main" Requires="p14">
+      <p:transition spd="med" p14:dur="700">
+        <p:fade/>
+        <p:sndAc>
+          <p:stSnd>
+            <p:snd r:embed="rId2" name="applause.wav"/>
+          </p:stSnd>
+        </p:sndAc>
+      </p:transition>
+    </mc:Choice>
+    <mc:Fallback>
+      <p:transition spd="med">
+        <p:fade/>
+        <p:sndAc>
+          <p:stSnd>
+            <p:snd r:embed="rId2" name="applause.wav"/>
+          </p:stSnd>
+        </p:sndAc>
+      </p:transition>
+    </mc:Fallback>
+  </mc:AlternateContent>
 </p:sld>
 </file>
 
@@ -7698,7 +11384,7 @@
       </p:grpSpPr>
       <p:sp useBgFill="1">
         <p:nvSpPr>
-          <p:cNvPr id="20" name="Rectangle 19">
+          <p:cNvPr id="9" name="Rectangle 8">
             <a:extLst>
               <a:ext uri="{FF2B5EF4-FFF2-40B4-BE49-F238E27FC236}">
                 <a16:creationId xmlns:a16="http://schemas.microsoft.com/office/drawing/2014/main" id="{7C432AFE-B3D2-4BFF-BF8F-96C27AFF1AC7}"/>
@@ -7761,7 +11447,7 @@
           <p:cNvPr id="4" name="Picture 3">
             <a:extLst>
               <a:ext uri="{FF2B5EF4-FFF2-40B4-BE49-F238E27FC236}">
-                <a16:creationId xmlns:a16="http://schemas.microsoft.com/office/drawing/2014/main" id="{D1F6B20A-88B6-4B2C-B182-E424079F90F2}"/>
+                <a16:creationId xmlns:a16="http://schemas.microsoft.com/office/drawing/2014/main" id="{2C9DCFA2-7330-4BCB-9F43-9C0F370B42A1}"/>
               </a:ext>
             </a:extLst>
           </p:cNvPr>
@@ -7771,7 +11457,7 @@
           <p:nvPr/>
         </p:nvPicPr>
         <p:blipFill rotWithShape="1">
-          <a:blip r:embed="rId2">
+          <a:blip r:embed="rId3">
             <a:alphaModFix amt="40000"/>
           </a:blip>
           <a:srcRect/>
@@ -7779,8 +11465,8 @@
         </p:blipFill>
         <p:spPr>
           <a:xfrm>
-            <a:off x="20" y="10"/>
-            <a:ext cx="12191979" cy="6857990"/>
+            <a:off x="0" y="0"/>
+            <a:ext cx="12192000" cy="6857999"/>
           </a:xfrm>
           <a:prstGeom prst="rect">
             <a:avLst/>
@@ -7792,7 +11478,7 @@
           <p:cNvPr id="2" name="Title 1">
             <a:extLst>
               <a:ext uri="{FF2B5EF4-FFF2-40B4-BE49-F238E27FC236}">
-                <a16:creationId xmlns:a16="http://schemas.microsoft.com/office/drawing/2014/main" id="{17AA2611-4C71-47F2-B963-FEADBFDD49B4}"/>
+                <a16:creationId xmlns:a16="http://schemas.microsoft.com/office/drawing/2014/main" id="{F18D4D2F-1CD8-4E2A-A6DD-AAA9967F2DD5}"/>
               </a:ext>
             </a:extLst>
           </p:cNvPr>
@@ -7806,7 +11492,7 @@
         <p:spPr>
           <a:xfrm>
             <a:off x="841249" y="941832"/>
-            <a:ext cx="10506456" cy="918626"/>
+            <a:ext cx="10506456" cy="803739"/>
           </a:xfrm>
         </p:spPr>
         <p:txBody>
@@ -7824,7 +11510,7 @@
       </p:sp>
       <p:sp>
         <p:nvSpPr>
-          <p:cNvPr id="22" name="Rectangle 21">
+          <p:cNvPr id="11" name="Rectangle 10">
             <a:extLst>
               <a:ext uri="{FF2B5EF4-FFF2-40B4-BE49-F238E27FC236}">
                 <a16:creationId xmlns:a16="http://schemas.microsoft.com/office/drawing/2014/main" id="{AF2F604E-43BE-4DC3-B983-E071523364F8}"/>
@@ -7916,7 +11602,7 @@
       </p:sp>
       <p:sp>
         <p:nvSpPr>
-          <p:cNvPr id="24" name="Rectangle 23">
+          <p:cNvPr id="13" name="Rectangle 12">
             <a:extLst>
               <a:ext uri="{FF2B5EF4-FFF2-40B4-BE49-F238E27FC236}">
                 <a16:creationId xmlns:a16="http://schemas.microsoft.com/office/drawing/2014/main" id="{08C9B587-E65E-4B52-B37C-ABEBB6E87928}"/>
@@ -8012,7 +11698,7 @@
           <p:cNvPr id="3" name="Content Placeholder 2">
             <a:extLst>
               <a:ext uri="{FF2B5EF4-FFF2-40B4-BE49-F238E27FC236}">
-                <a16:creationId xmlns:a16="http://schemas.microsoft.com/office/drawing/2014/main" id="{4E23095F-1325-4573-921D-8C79448C960A}"/>
+                <a16:creationId xmlns:a16="http://schemas.microsoft.com/office/drawing/2014/main" id="{20A8854A-4336-4019-971C-877F28A9F3B8}"/>
               </a:ext>
             </a:extLst>
           </p:cNvPr>
@@ -8025,93 +11711,49 @@
         </p:nvSpPr>
         <p:spPr>
           <a:xfrm>
-            <a:off x="841248" y="3259490"/>
-            <a:ext cx="10506456" cy="3290600"/>
+            <a:off x="841248" y="3502152"/>
+            <a:ext cx="10506456" cy="2670048"/>
           </a:xfrm>
         </p:spPr>
         <p:txBody>
           <a:bodyPr>
-            <a:noAutofit/>
+            <a:normAutofit/>
           </a:bodyPr>
           <a:lstStyle/>
           <a:p>
             <a:pPr marL="0" indent="0">
-              <a:lnSpc>
-                <a:spcPct val="100000"/>
-              </a:lnSpc>
               <a:buNone/>
             </a:pPr>
             <a:r>
+              <a:rPr lang="en-US" sz="1600" b="1" u="sng" dirty="0"/>
+              <a:t>Project Overview</a:t>
+            </a:r>
+          </a:p>
+          <a:p>
+            <a:pPr marL="0" indent="0">
+              <a:buNone/>
+            </a:pPr>
+            <a:r>
               <a:rPr lang="en-US" sz="1600" dirty="0"/>
-              <a:t>The user story: </a:t>
+              <a:t>The App will be with have these main features:</a:t>
             </a:r>
           </a:p>
           <a:p>
             <a:pPr marL="0" indent="0">
-              <a:lnSpc>
-                <a:spcPct val="100000"/>
-              </a:lnSpc>
               <a:buNone/>
             </a:pPr>
             <a:r>
               <a:rPr lang="en-US" sz="1600" dirty="0"/>
-              <a:t>The ability to </a:t>
-            </a:r>
-            <a:r>
-              <a:rPr lang="en-AU" sz="1600" dirty="0"/>
-              <a:t>buy and sell in an online marketplace setting has become a core requirement for </a:t>
-            </a:r>
+              <a:t>Users with Seller accounts, Shop Management, Product Management, Product search by name and category, Shopping cart, Stripe payments, Creating orders, Viewing orders, Listing orders by shops, Auctions in a real-time bidding with socket.IO, viewing auctions.</a:t>
+            </a:r>
+          </a:p>
+          <a:p>
+            <a:pPr marL="0" indent="0">
+              <a:buNone/>
+            </a:pPr>
             <a:r>
               <a:rPr lang="en-US" sz="1600" dirty="0"/>
-              <a:t>many web platforms and businesses. </a:t>
-            </a:r>
-          </a:p>
-          <a:p>
-            <a:pPr marL="0" indent="0">
-              <a:lnSpc>
-                <a:spcPct val="100000"/>
-              </a:lnSpc>
-              <a:buNone/>
-            </a:pPr>
-            <a:r>
-              <a:rPr lang="en-US" sz="1600" dirty="0"/>
-              <a:t>The motivation: </a:t>
-            </a:r>
-          </a:p>
-          <a:p>
-            <a:pPr marL="0" indent="0">
-              <a:lnSpc>
-                <a:spcPct val="100000"/>
-              </a:lnSpc>
-              <a:buNone/>
-            </a:pPr>
-            <a:r>
-              <a:rPr lang="en-US" sz="1600" dirty="0"/>
-              <a:t>I wanted to create something useful, modern and in everyday life online, the ability to buy or sell anything you wanted and that I could use. </a:t>
-            </a:r>
-          </a:p>
-          <a:p>
-            <a:pPr marL="0" indent="0">
-              <a:lnSpc>
-                <a:spcPct val="100000"/>
-              </a:lnSpc>
-              <a:buNone/>
-            </a:pPr>
-            <a:r>
-              <a:rPr lang="en-US" sz="1600" dirty="0"/>
-              <a:t>Furthermore to this, I wanted to challenge myself and put myself in a complicated position with a short deadline and complicated tasks and to be under pressure the whole time.</a:t>
-            </a:r>
-          </a:p>
-          <a:p>
-            <a:pPr marL="0" indent="0">
-              <a:lnSpc>
-                <a:spcPct val="100000"/>
-              </a:lnSpc>
-              <a:buNone/>
-            </a:pPr>
-            <a:r>
-              <a:rPr lang="en-US" sz="1600" dirty="0"/>
-              <a:t>This allowed me to understand my strengths &amp; my weakness, my determination and my capacity to keep self-motivated and utter will to continue and finalize the project against all odds.</a:t>
+              <a:t>A complete marketplace online!</a:t>
             </a:r>
           </a:p>
         </p:txBody>
@@ -8119,13 +11761,16 @@
     </p:spTree>
     <p:extLst>
       <p:ext uri="{BB962C8B-B14F-4D97-AF65-F5344CB8AC3E}">
-        <p14:creationId xmlns:p14="http://schemas.microsoft.com/office/powerpoint/2010/main" val="3273357480"/>
+        <p14:creationId xmlns:p14="http://schemas.microsoft.com/office/powerpoint/2010/main" val="2155918782"/>
       </p:ext>
     </p:extLst>
   </p:cSld>
   <p:clrMapOvr>
     <a:overrideClrMapping bg1="dk1" tx1="lt1" bg2="dk2" tx2="lt2" accent1="accent1" accent2="accent2" accent3="accent3" accent4="accent4" accent5="accent5" accent6="accent6" hlink="hlink" folHlink="folHlink"/>
   </p:clrMapOvr>
+  <p:transition spd="slow">
+    <p:cover/>
+  </p:transition>
 </p:sld>
 </file>
 
@@ -8156,7 +11801,7 @@
       </p:grpSpPr>
       <p:sp useBgFill="1">
         <p:nvSpPr>
-          <p:cNvPr id="19" name="Rectangle 18">
+          <p:cNvPr id="20" name="Rectangle 19">
             <a:extLst>
               <a:ext uri="{FF2B5EF4-FFF2-40B4-BE49-F238E27FC236}">
                 <a16:creationId xmlns:a16="http://schemas.microsoft.com/office/drawing/2014/main" id="{7C432AFE-B3D2-4BFF-BF8F-96C27AFF1AC7}"/>
@@ -8216,10 +11861,10 @@
       </p:sp>
       <p:pic>
         <p:nvPicPr>
-          <p:cNvPr id="9" name="Picture 8">
-            <a:extLst>
-              <a:ext uri="{FF2B5EF4-FFF2-40B4-BE49-F238E27FC236}">
-                <a16:creationId xmlns:a16="http://schemas.microsoft.com/office/drawing/2014/main" id="{4F060B77-2720-4724-AD16-5218CA713021}"/>
+          <p:cNvPr id="4" name="Picture 3">
+            <a:extLst>
+              <a:ext uri="{FF2B5EF4-FFF2-40B4-BE49-F238E27FC236}">
+                <a16:creationId xmlns:a16="http://schemas.microsoft.com/office/drawing/2014/main" id="{D1F6B20A-88B6-4B2C-B182-E424079F90F2}"/>
               </a:ext>
             </a:extLst>
           </p:cNvPr>
@@ -8229,7 +11874,7 @@
           <p:nvPr/>
         </p:nvPicPr>
         <p:blipFill rotWithShape="1">
-          <a:blip r:embed="rId2">
+          <a:blip r:embed="rId3">
             <a:alphaModFix amt="40000"/>
           </a:blip>
           <a:srcRect/>
@@ -8250,7 +11895,7 @@
           <p:cNvPr id="2" name="Title 1">
             <a:extLst>
               <a:ext uri="{FF2B5EF4-FFF2-40B4-BE49-F238E27FC236}">
-                <a16:creationId xmlns:a16="http://schemas.microsoft.com/office/drawing/2014/main" id="{C7279D43-FFCF-4544-9438-77FFAFB53044}"/>
+                <a16:creationId xmlns:a16="http://schemas.microsoft.com/office/drawing/2014/main" id="{17AA2611-4C71-47F2-B963-FEADBFDD49B4}"/>
               </a:ext>
             </a:extLst>
           </p:cNvPr>
@@ -8264,7 +11909,7 @@
         <p:spPr>
           <a:xfrm>
             <a:off x="841249" y="941832"/>
-            <a:ext cx="10506456" cy="878384"/>
+            <a:ext cx="10506456" cy="918626"/>
           </a:xfrm>
         </p:spPr>
         <p:txBody>
@@ -8282,7 +11927,7 @@
       </p:sp>
       <p:sp>
         <p:nvSpPr>
-          <p:cNvPr id="21" name="Rectangle 20">
+          <p:cNvPr id="22" name="Rectangle 21">
             <a:extLst>
               <a:ext uri="{FF2B5EF4-FFF2-40B4-BE49-F238E27FC236}">
                 <a16:creationId xmlns:a16="http://schemas.microsoft.com/office/drawing/2014/main" id="{AF2F604E-43BE-4DC3-B983-E071523364F8}"/>
@@ -8374,7 +12019,7 @@
       </p:sp>
       <p:sp>
         <p:nvSpPr>
-          <p:cNvPr id="23" name="Rectangle 22">
+          <p:cNvPr id="24" name="Rectangle 23">
             <a:extLst>
               <a:ext uri="{FF2B5EF4-FFF2-40B4-BE49-F238E27FC236}">
                 <a16:creationId xmlns:a16="http://schemas.microsoft.com/office/drawing/2014/main" id="{08C9B587-E65E-4B52-B37C-ABEBB6E87928}"/>
@@ -8470,7 +12115,7 @@
           <p:cNvPr id="3" name="Content Placeholder 2">
             <a:extLst>
               <a:ext uri="{FF2B5EF4-FFF2-40B4-BE49-F238E27FC236}">
-                <a16:creationId xmlns:a16="http://schemas.microsoft.com/office/drawing/2014/main" id="{AE7B035C-4848-482E-A537-D82D6C4A6F88}"/>
+                <a16:creationId xmlns:a16="http://schemas.microsoft.com/office/drawing/2014/main" id="{4E23095F-1325-4573-921D-8C79448C960A}"/>
               </a:ext>
             </a:extLst>
           </p:cNvPr>
@@ -8483,8 +12128,8 @@
         </p:nvSpPr>
         <p:spPr>
           <a:xfrm>
-            <a:off x="841248" y="3502152"/>
-            <a:ext cx="10506456" cy="2899020"/>
+            <a:off x="841248" y="3259490"/>
+            <a:ext cx="10506456" cy="3290600"/>
           </a:xfrm>
         </p:spPr>
         <p:txBody>
@@ -8501,7 +12146,7 @@
             </a:pPr>
             <a:r>
               <a:rPr lang="en-US" sz="1600" dirty="0"/>
-              <a:t>Technologies:</a:t>
+              <a:t>The user story: </a:t>
             </a:r>
           </a:p>
           <a:p>
@@ -8513,7 +12158,15 @@
             </a:pPr>
             <a:r>
               <a:rPr lang="en-US" sz="1600" dirty="0"/>
-              <a:t>I based the idea with the MERN stack in mind for the sole reason of simplicity. </a:t>
+              <a:t>The ability to </a:t>
+            </a:r>
+            <a:r>
+              <a:rPr lang="en-AU" sz="1600" dirty="0"/>
+              <a:t>buy and sell in an online marketplace setting has become a core requirement for </a:t>
+            </a:r>
+            <a:r>
+              <a:rPr lang="en-US" sz="1600" dirty="0"/>
+              <a:t>many web platforms and businesses. </a:t>
             </a:r>
           </a:p>
           <a:p>
@@ -8525,7 +12178,7 @@
             </a:pPr>
             <a:r>
               <a:rPr lang="en-US" sz="1600" dirty="0"/>
-              <a:t>MongoDB, Express, React &amp; Node, </a:t>
+              <a:t>The motivation: </a:t>
             </a:r>
           </a:p>
           <a:p>
@@ -8537,62 +12190,7 @@
             </a:pPr>
             <a:r>
               <a:rPr lang="en-US" sz="1600" dirty="0"/>
-              <a:t>For the app, I used many new technologies/dependencies as well as some packages. Some of these are </a:t>
-            </a:r>
-            <a:r>
-              <a:rPr lang="en-US" sz="1600" i="1" dirty="0" err="1">
-                <a:solidFill>
-                  <a:schemeClr val="accent5">
-                    <a:lumMod val="60000"/>
-                    <a:lumOff val="40000"/>
-                  </a:schemeClr>
-                </a:solidFill>
-              </a:rPr>
-              <a:t>jsonwebtoken</a:t>
-            </a:r>
-            <a:r>
-              <a:rPr lang="en-US" sz="1600" i="1" dirty="0">
-                <a:solidFill>
-                  <a:schemeClr val="accent5">
-                    <a:lumMod val="60000"/>
-                    <a:lumOff val="40000"/>
-                  </a:schemeClr>
-                </a:solidFill>
-              </a:rPr>
-              <a:t>, formidable, helmet, query-string, </a:t>
-            </a:r>
-            <a:r>
-              <a:rPr lang="en-US" sz="1600" i="1" dirty="0" err="1">
-                <a:solidFill>
-                  <a:schemeClr val="accent5">
-                    <a:lumMod val="60000"/>
-                    <a:lumOff val="40000"/>
-                  </a:schemeClr>
-                </a:solidFill>
-              </a:rPr>
-              <a:t>lodash</a:t>
-            </a:r>
-            <a:r>
-              <a:rPr lang="en-US" sz="1600" i="1" dirty="0">
-                <a:solidFill>
-                  <a:schemeClr val="accent5">
-                    <a:lumMod val="60000"/>
-                    <a:lumOff val="40000"/>
-                  </a:schemeClr>
-                </a:solidFill>
-              </a:rPr>
-              <a:t>, cookie-parser</a:t>
-            </a:r>
-            <a:r>
-              <a:rPr lang="en-US" sz="1600" dirty="0"/>
-              <a:t> and others. </a:t>
-            </a:r>
-            <a:br>
-              <a:rPr lang="en-US" sz="1600" dirty="0"/>
-            </a:br>
-            <a:r>
-              <a:rPr lang="en-US" sz="1600" dirty="0"/>
-              <a:t>For some of these, I spent lot of reading and watching you tube tutorials on how to use them and deploy these. (For a complete list go to ANNEX A)</a:t>
+              <a:t>I wanted to create something useful, modern and in everyday life online, the ability to buy or sell anything you wanted and that I could use. </a:t>
             </a:r>
           </a:p>
           <a:p>
@@ -8604,7 +12202,7 @@
             </a:pPr>
             <a:r>
               <a:rPr lang="en-US" sz="1600" dirty="0"/>
-              <a:t>I bypassed most of the issues, as I documented the project thoroughly previously and used GitHub Kanban board to organize the main tasks and break down most of the tasks to keep track of what was next in line to do. More than often, I sidetracked myself and had to go back and continue where I should have.</a:t>
+              <a:t>Furthermore to this, I wanted to challenge myself and put myself in a complicated position with a short deadline and complicated tasks and to be under pressure the whole time.</a:t>
             </a:r>
           </a:p>
           <a:p>
@@ -8614,20 +12212,35 @@
               </a:lnSpc>
               <a:buNone/>
             </a:pPr>
-            <a:endParaRPr lang="en-US" sz="1600" dirty="0"/>
+            <a:r>
+              <a:rPr lang="en-US" sz="1600" dirty="0"/>
+              <a:t>This allowed me to understand my strengths &amp; my weakness, my determination and my capacity to keep self-motivated and utter will to continue and finalize the project against all odds.</a:t>
+            </a:r>
           </a:p>
         </p:txBody>
       </p:sp>
     </p:spTree>
     <p:extLst>
       <p:ext uri="{BB962C8B-B14F-4D97-AF65-F5344CB8AC3E}">
-        <p14:creationId xmlns:p14="http://schemas.microsoft.com/office/powerpoint/2010/main" val="1693835190"/>
+        <p14:creationId xmlns:p14="http://schemas.microsoft.com/office/powerpoint/2010/main" val="3273357480"/>
       </p:ext>
     </p:extLst>
   </p:cSld>
   <p:clrMapOvr>
     <a:overrideClrMapping bg1="dk1" tx1="lt1" bg2="dk2" tx2="lt2" accent1="accent1" accent2="accent2" accent3="accent3" accent4="accent4" accent5="accent5" accent6="accent6" hlink="hlink" folHlink="folHlink"/>
   </p:clrMapOvr>
+  <mc:AlternateContent xmlns:mc="http://schemas.openxmlformats.org/markup-compatibility/2006" xmlns:p14="http://schemas.microsoft.com/office/powerpoint/2010/main">
+    <mc:Choice Requires="p14">
+      <p:transition spd="slow">
+        <p14:flash/>
+      </p:transition>
+    </mc:Choice>
+    <mc:Fallback xmlns="">
+      <p:transition spd="slow">
+        <p:fade/>
+      </p:transition>
+    </mc:Fallback>
+  </mc:AlternateContent>
 </p:sld>
 </file>
 
@@ -8658,7 +12271,7 @@
       </p:grpSpPr>
       <p:sp useBgFill="1">
         <p:nvSpPr>
-          <p:cNvPr id="18" name="Rectangle 17">
+          <p:cNvPr id="19" name="Rectangle 18">
             <a:extLst>
               <a:ext uri="{FF2B5EF4-FFF2-40B4-BE49-F238E27FC236}">
                 <a16:creationId xmlns:a16="http://schemas.microsoft.com/office/drawing/2014/main" id="{7C432AFE-B3D2-4BFF-BF8F-96C27AFF1AC7}"/>
@@ -8718,10 +12331,10 @@
       </p:sp>
       <p:pic>
         <p:nvPicPr>
-          <p:cNvPr id="4" name="Picture 3">
-            <a:extLst>
-              <a:ext uri="{FF2B5EF4-FFF2-40B4-BE49-F238E27FC236}">
-                <a16:creationId xmlns:a16="http://schemas.microsoft.com/office/drawing/2014/main" id="{C8DEE4B0-467A-45E9-811B-1622E3C95BE2}"/>
+          <p:cNvPr id="9" name="Picture 8">
+            <a:extLst>
+              <a:ext uri="{FF2B5EF4-FFF2-40B4-BE49-F238E27FC236}">
+                <a16:creationId xmlns:a16="http://schemas.microsoft.com/office/drawing/2014/main" id="{4F060B77-2720-4724-AD16-5218CA713021}"/>
               </a:ext>
             </a:extLst>
           </p:cNvPr>
@@ -8731,7 +12344,7 @@
           <p:nvPr/>
         </p:nvPicPr>
         <p:blipFill rotWithShape="1">
-          <a:blip r:embed="rId2">
+          <a:blip r:embed="rId3">
             <a:alphaModFix amt="40000"/>
           </a:blip>
           <a:srcRect/>
@@ -8739,7 +12352,7 @@
         </p:blipFill>
         <p:spPr>
           <a:xfrm>
-            <a:off x="20" y="10"/>
+            <a:off x="21" y="10"/>
             <a:ext cx="12191979" cy="6857990"/>
           </a:xfrm>
           <a:prstGeom prst="rect">
@@ -8752,7 +12365,7 @@
           <p:cNvPr id="2" name="Title 1">
             <a:extLst>
               <a:ext uri="{FF2B5EF4-FFF2-40B4-BE49-F238E27FC236}">
-                <a16:creationId xmlns:a16="http://schemas.microsoft.com/office/drawing/2014/main" id="{74D65EA8-C62B-403D-93D7-27027C91F0A8}"/>
+                <a16:creationId xmlns:a16="http://schemas.microsoft.com/office/drawing/2014/main" id="{C7279D43-FFCF-4544-9438-77FFAFB53044}"/>
               </a:ext>
             </a:extLst>
           </p:cNvPr>
@@ -8766,7 +12379,7 @@
         <p:spPr>
           <a:xfrm>
             <a:off x="841249" y="941832"/>
-            <a:ext cx="10506456" cy="915333"/>
+            <a:ext cx="10506456" cy="878384"/>
           </a:xfrm>
         </p:spPr>
         <p:txBody>
@@ -8784,7 +12397,7 @@
       </p:sp>
       <p:sp>
         <p:nvSpPr>
-          <p:cNvPr id="20" name="Rectangle 19">
+          <p:cNvPr id="21" name="Rectangle 20">
             <a:extLst>
               <a:ext uri="{FF2B5EF4-FFF2-40B4-BE49-F238E27FC236}">
                 <a16:creationId xmlns:a16="http://schemas.microsoft.com/office/drawing/2014/main" id="{AF2F604E-43BE-4DC3-B983-E071523364F8}"/>
@@ -8876,7 +12489,7 @@
       </p:sp>
       <p:sp>
         <p:nvSpPr>
-          <p:cNvPr id="22" name="Rectangle 21">
+          <p:cNvPr id="23" name="Rectangle 22">
             <a:extLst>
               <a:ext uri="{FF2B5EF4-FFF2-40B4-BE49-F238E27FC236}">
                 <a16:creationId xmlns:a16="http://schemas.microsoft.com/office/drawing/2014/main" id="{08C9B587-E65E-4B52-B37C-ABEBB6E87928}"/>
@@ -8972,7 +12585,7 @@
           <p:cNvPr id="3" name="Content Placeholder 2">
             <a:extLst>
               <a:ext uri="{FF2B5EF4-FFF2-40B4-BE49-F238E27FC236}">
-                <a16:creationId xmlns:a16="http://schemas.microsoft.com/office/drawing/2014/main" id="{3DE59F3D-9B16-4997-89F4-F68179E3F7CC}"/>
+                <a16:creationId xmlns:a16="http://schemas.microsoft.com/office/drawing/2014/main" id="{AE7B035C-4848-482E-A537-D82D6C4A6F88}"/>
               </a:ext>
             </a:extLst>
           </p:cNvPr>
@@ -8986,12 +12599,12 @@
         <p:spPr>
           <a:xfrm>
             <a:off x="841248" y="3502152"/>
-            <a:ext cx="10506456" cy="3169236"/>
+            <a:ext cx="10506456" cy="2899020"/>
           </a:xfrm>
         </p:spPr>
         <p:txBody>
           <a:bodyPr>
-            <a:normAutofit/>
+            <a:noAutofit/>
           </a:bodyPr>
           <a:lstStyle/>
           <a:p>
@@ -9003,7 +12616,7 @@
             </a:pPr>
             <a:r>
               <a:rPr lang="en-US" sz="1600" dirty="0"/>
-              <a:t>Challenges:</a:t>
+              <a:t>Technologies:</a:t>
             </a:r>
           </a:p>
           <a:p>
@@ -9015,7 +12628,7 @@
             </a:pPr>
             <a:r>
               <a:rPr lang="en-US" sz="1600" dirty="0"/>
-              <a:t>I encountered 3 mayor obstacles in my journey developing the app;</a:t>
+              <a:t>Using the MERN. MongoDB, Express, React &amp; Node, </a:t>
             </a:r>
           </a:p>
           <a:p>
@@ -9027,7 +12640,62 @@
             </a:pPr>
             <a:r>
               <a:rPr lang="en-US" sz="1600" dirty="0"/>
-              <a:t>The first one was the amount of work to be completed to have the basic layout and authentication working. I lost 5 days to the authentication, but to be fair in timewise, I started the project 1 week before and was struggling already with the JWT/OAUTH.</a:t>
+              <a:t>For the app, I used new technologies/dependencies as well as some packages. Some of these are </a:t>
+            </a:r>
+            <a:r>
+              <a:rPr lang="en-US" sz="1600" i="1" dirty="0" err="1">
+                <a:solidFill>
+                  <a:schemeClr val="accent5">
+                    <a:lumMod val="60000"/>
+                    <a:lumOff val="40000"/>
+                  </a:schemeClr>
+                </a:solidFill>
+              </a:rPr>
+              <a:t>jsonwebtoken</a:t>
+            </a:r>
+            <a:r>
+              <a:rPr lang="en-US" sz="1600" i="1" dirty="0">
+                <a:solidFill>
+                  <a:schemeClr val="accent5">
+                    <a:lumMod val="60000"/>
+                    <a:lumOff val="40000"/>
+                  </a:schemeClr>
+                </a:solidFill>
+              </a:rPr>
+              <a:t>, formidable, helmet, query-string, </a:t>
+            </a:r>
+            <a:r>
+              <a:rPr lang="en-US" sz="1600" i="1" dirty="0" err="1">
+                <a:solidFill>
+                  <a:schemeClr val="accent5">
+                    <a:lumMod val="60000"/>
+                    <a:lumOff val="40000"/>
+                  </a:schemeClr>
+                </a:solidFill>
+              </a:rPr>
+              <a:t>lodash</a:t>
+            </a:r>
+            <a:r>
+              <a:rPr lang="en-US" sz="1600" i="1" dirty="0">
+                <a:solidFill>
+                  <a:schemeClr val="accent5">
+                    <a:lumMod val="60000"/>
+                    <a:lumOff val="40000"/>
+                  </a:schemeClr>
+                </a:solidFill>
+              </a:rPr>
+              <a:t>, cookie-parser</a:t>
+            </a:r>
+            <a:r>
+              <a:rPr lang="en-US" sz="1600" dirty="0"/>
+              <a:t> and others. </a:t>
+            </a:r>
+            <a:br>
+              <a:rPr lang="en-US" sz="1600" dirty="0"/>
+            </a:br>
+            <a:r>
+              <a:rPr lang="en-US" sz="1600" dirty="0"/>
+              <a:t>For some of these, I spent lot of reading and watching you tube tutorials on how to use them and deploy these. (For a complete list go to ANNEX A)</a:t>
             </a:r>
           </a:p>
           <a:p>
@@ -9037,46 +12705,14 @@
               </a:lnSpc>
               <a:buNone/>
             </a:pPr>
-            <a:r>
-              <a:rPr lang="en-US" sz="1600" dirty="0"/>
-              <a:t>The second big struggle came in the form of using React components, as these became complicated and then had to connect the front-end to the back-end. And with 44 files front-end, it become close to the end of my sanity.  </a:t>
-            </a:r>
-          </a:p>
-          <a:p>
-            <a:pPr marL="0" indent="0">
-              <a:lnSpc>
-                <a:spcPct val="100000"/>
-              </a:lnSpc>
-              <a:buNone/>
-            </a:pPr>
-            <a:r>
-              <a:rPr lang="en-US" sz="1600" dirty="0"/>
-              <a:t>The 3</a:t>
-            </a:r>
-            <a:r>
-              <a:rPr lang="en-US" sz="1600" baseline="30000" dirty="0"/>
-              <a:t>rd</a:t>
-            </a:r>
-            <a:r>
-              <a:rPr lang="en-US" sz="1600" dirty="0"/>
-              <a:t> and biggest issue I encountered was to enable Stripe, a form of payment system and after getting it to work partially, I had to completely park it and hard-code one of the parts of the app.</a:t>
-            </a:r>
-          </a:p>
-          <a:p>
-            <a:pPr marL="0" indent="0">
-              <a:lnSpc>
-                <a:spcPct val="100000"/>
-              </a:lnSpc>
-              <a:buNone/>
-            </a:pPr>
-            <a:endParaRPr lang="en-US" sz="1400" dirty="0"/>
+            <a:endParaRPr lang="en-US" sz="1600" dirty="0"/>
           </a:p>
         </p:txBody>
       </p:sp>
     </p:spTree>
     <p:extLst>
       <p:ext uri="{BB962C8B-B14F-4D97-AF65-F5344CB8AC3E}">
-        <p14:creationId xmlns:p14="http://schemas.microsoft.com/office/powerpoint/2010/main" val="2300476928"/>
+        <p14:creationId xmlns:p14="http://schemas.microsoft.com/office/powerpoint/2010/main" val="1693835190"/>
       </p:ext>
     </p:extLst>
   </p:cSld>
@@ -9113,7 +12749,7 @@
       </p:grpSpPr>
       <p:sp useBgFill="1">
         <p:nvSpPr>
-          <p:cNvPr id="20" name="Rectangle 19">
+          <p:cNvPr id="18" name="Rectangle 17">
             <a:extLst>
               <a:ext uri="{FF2B5EF4-FFF2-40B4-BE49-F238E27FC236}">
                 <a16:creationId xmlns:a16="http://schemas.microsoft.com/office/drawing/2014/main" id="{7C432AFE-B3D2-4BFF-BF8F-96C27AFF1AC7}"/>
@@ -9176,7 +12812,7 @@
           <p:cNvPr id="4" name="Picture 3">
             <a:extLst>
               <a:ext uri="{FF2B5EF4-FFF2-40B4-BE49-F238E27FC236}">
-                <a16:creationId xmlns:a16="http://schemas.microsoft.com/office/drawing/2014/main" id="{8E3E4263-99D5-4B3E-9BA0-A2B44AFF3392}"/>
+                <a16:creationId xmlns:a16="http://schemas.microsoft.com/office/drawing/2014/main" id="{C8DEE4B0-467A-45E9-811B-1622E3C95BE2}"/>
               </a:ext>
             </a:extLst>
           </p:cNvPr>
@@ -9186,7 +12822,7 @@
           <p:nvPr/>
         </p:nvPicPr>
         <p:blipFill rotWithShape="1">
-          <a:blip r:embed="rId2">
+          <a:blip r:embed="rId3">
             <a:alphaModFix amt="40000"/>
           </a:blip>
           <a:srcRect/>
@@ -9207,7 +12843,7 @@
           <p:cNvPr id="2" name="Title 1">
             <a:extLst>
               <a:ext uri="{FF2B5EF4-FFF2-40B4-BE49-F238E27FC236}">
-                <a16:creationId xmlns:a16="http://schemas.microsoft.com/office/drawing/2014/main" id="{C75FD910-F63D-41BB-89D5-6423E667C794}"/>
+                <a16:creationId xmlns:a16="http://schemas.microsoft.com/office/drawing/2014/main" id="{74D65EA8-C62B-403D-93D7-27027C91F0A8}"/>
               </a:ext>
             </a:extLst>
           </p:cNvPr>
@@ -9221,16 +12857,15 @@
         <p:spPr>
           <a:xfrm>
             <a:off x="841249" y="941832"/>
-            <a:ext cx="10506456" cy="768283"/>
+            <a:ext cx="10506456" cy="915333"/>
           </a:xfrm>
         </p:spPr>
         <p:txBody>
           <a:bodyPr anchor="b">
-            <a:normAutofit fontScale="90000"/>
+            <a:normAutofit/>
           </a:bodyPr>
           <a:lstStyle/>
           <a:p>
-            <a:pPr algn="ctr"/>
             <a:r>
               <a:rPr lang="en-US" sz="5000" dirty="0"/>
               <a:t>Online Marketplace Net</a:t>
@@ -9240,7 +12875,7 @@
       </p:sp>
       <p:sp>
         <p:nvSpPr>
-          <p:cNvPr id="22" name="Rectangle 21">
+          <p:cNvPr id="20" name="Rectangle 19">
             <a:extLst>
               <a:ext uri="{FF2B5EF4-FFF2-40B4-BE49-F238E27FC236}">
                 <a16:creationId xmlns:a16="http://schemas.microsoft.com/office/drawing/2014/main" id="{AF2F604E-43BE-4DC3-B983-E071523364F8}"/>
@@ -9332,7 +12967,7 @@
       </p:sp>
       <p:sp>
         <p:nvSpPr>
-          <p:cNvPr id="24" name="Rectangle 23">
+          <p:cNvPr id="22" name="Rectangle 21">
             <a:extLst>
               <a:ext uri="{FF2B5EF4-FFF2-40B4-BE49-F238E27FC236}">
                 <a16:creationId xmlns:a16="http://schemas.microsoft.com/office/drawing/2014/main" id="{08C9B587-E65E-4B52-B37C-ABEBB6E87928}"/>
@@ -9428,7 +13063,7 @@
           <p:cNvPr id="3" name="Content Placeholder 2">
             <a:extLst>
               <a:ext uri="{FF2B5EF4-FFF2-40B4-BE49-F238E27FC236}">
-                <a16:creationId xmlns:a16="http://schemas.microsoft.com/office/drawing/2014/main" id="{D9A07ED0-1D63-41EF-B047-5BC0AFA1D022}"/>
+                <a16:creationId xmlns:a16="http://schemas.microsoft.com/office/drawing/2014/main" id="{3DE59F3D-9B16-4997-89F4-F68179E3F7CC}"/>
               </a:ext>
             </a:extLst>
           </p:cNvPr>
@@ -9442,12 +13077,12 @@
         <p:spPr>
           <a:xfrm>
             <a:off x="841248" y="3502152"/>
-            <a:ext cx="10506456" cy="2670048"/>
+            <a:ext cx="10506456" cy="3169236"/>
           </a:xfrm>
         </p:spPr>
         <p:txBody>
           <a:bodyPr>
-            <a:normAutofit/>
+            <a:normAutofit lnSpcReduction="10000"/>
           </a:bodyPr>
           <a:lstStyle/>
           <a:p>
@@ -9458,8 +13093,8 @@
               <a:buNone/>
             </a:pPr>
             <a:r>
-              <a:rPr lang="en-US" sz="1400" u="sng"/>
-              <a:t>Lessons Learned</a:t>
+              <a:rPr lang="en-US" sz="1600" dirty="0"/>
+              <a:t>Challenges:</a:t>
             </a:r>
           </a:p>
           <a:p>
@@ -9470,8 +13105,8 @@
               <a:buNone/>
             </a:pPr>
             <a:r>
-              <a:rPr lang="en-US" sz="1400"/>
-              <a:t>Planning saved me many headaches, but also caused many others. As initially my plan was much smaller and simpler than the result, which in turn gave me some well-deserved headaches.</a:t>
+              <a:rPr lang="en-US" sz="1600" dirty="0"/>
+              <a:t>I encountered 3 major obstacles in the development of the app;</a:t>
             </a:r>
           </a:p>
           <a:p>
@@ -9482,8 +13117,8 @@
               <a:buNone/>
             </a:pPr>
             <a:r>
-              <a:rPr lang="en-US" sz="1400"/>
-              <a:t>Also, I learned that in order to succeed is to know one's limitations and I am sure that if I did not try, I would not know what I really knew and what I had to learn to overcome the challenges I faced. </a:t>
+              <a:rPr lang="en-US" sz="1600" dirty="0"/>
+              <a:t>The first one was the amount of work to be completed to have the basic layout and authentication working. I lost 5 days to the authentication, but to be fair in timewise, I started the project 1 week before and was struggling already with the JWT/OAUTH. Got it to work.</a:t>
             </a:r>
           </a:p>
           <a:p>
@@ -9494,8 +13129,8 @@
               <a:buNone/>
             </a:pPr>
             <a:r>
-              <a:rPr lang="en-US" sz="1400"/>
-              <a:t>The incalculable value of using the Kanban, written notes, documentation &amp; drawings of what I wanted helped me in the long rung to identify the things, that would require more work and had to be dropped in a To-Do features.</a:t>
+              <a:rPr lang="en-US" sz="1600" dirty="0"/>
+              <a:t>The second big struggle came in the form of using React components, as these became complicated and then had to connect the front-end to the back-end. And with 44 files front-end, it become close to the end of my sanity.  These numbers increased when included Auction feature and so did my insanity</a:t>
             </a:r>
           </a:p>
           <a:p>
@@ -9506,8 +13141,16 @@
               <a:buNone/>
             </a:pPr>
             <a:r>
-              <a:rPr lang="en-US" sz="1400"/>
-              <a:t>I also realized, that I can keep going no matter what, I kept on going and enjoyed every minute of it. </a:t>
+              <a:rPr lang="en-US" sz="1600" dirty="0"/>
+              <a:t>The 3</a:t>
+            </a:r>
+            <a:r>
+              <a:rPr lang="en-US" sz="1600" baseline="30000" dirty="0"/>
+              <a:t>rd</a:t>
+            </a:r>
+            <a:r>
+              <a:rPr lang="en-US" sz="1600" dirty="0"/>
+              <a:t> and biggest issue I encountered was to enable Stripe, a form of payment system and after getting it to work partially, I had to completely park it and hard-code one of the parts of the app. </a:t>
             </a:r>
           </a:p>
           <a:p>
@@ -9517,14 +13160,42 @@
               </a:lnSpc>
               <a:buNone/>
             </a:pPr>
-            <a:endParaRPr lang="en-US" sz="1400"/>
+            <a:r>
+              <a:rPr lang="en-US" sz="1600" dirty="0"/>
+              <a:t>(Edit: I got this @#%@ working! MUAHAHAHAHAHAHAHAHAAHAHAH cough </a:t>
+            </a:r>
+            <a:r>
+              <a:rPr lang="en-US" sz="1600" dirty="0" err="1"/>
+              <a:t>cough</a:t>
+            </a:r>
+            <a:r>
+              <a:rPr lang="en-US" sz="1600" dirty="0"/>
+              <a:t> </a:t>
+            </a:r>
+            <a:r>
+              <a:rPr lang="en-US" sz="1600" dirty="0" err="1"/>
+              <a:t>ZZzzzzzzzzzzzzzzzzzzzzzzz</a:t>
+            </a:r>
+            <a:r>
+              <a:rPr lang="en-US" sz="1600" dirty="0"/>
+              <a:t>)</a:t>
+            </a:r>
+          </a:p>
+          <a:p>
+            <a:pPr marL="0" indent="0">
+              <a:lnSpc>
+                <a:spcPct val="100000"/>
+              </a:lnSpc>
+              <a:buNone/>
+            </a:pPr>
+            <a:endParaRPr lang="en-US" sz="1400" dirty="0"/>
           </a:p>
         </p:txBody>
       </p:sp>
     </p:spTree>
     <p:extLst>
       <p:ext uri="{BB962C8B-B14F-4D97-AF65-F5344CB8AC3E}">
-        <p14:creationId xmlns:p14="http://schemas.microsoft.com/office/powerpoint/2010/main" val="3472703045"/>
+        <p14:creationId xmlns:p14="http://schemas.microsoft.com/office/powerpoint/2010/main" val="2300476928"/>
       </p:ext>
     </p:extLst>
   </p:cSld>
@@ -9561,7 +13232,7 @@
       </p:grpSpPr>
       <p:sp useBgFill="1">
         <p:nvSpPr>
-          <p:cNvPr id="9" name="Rectangle 8">
+          <p:cNvPr id="20" name="Rectangle 19">
             <a:extLst>
               <a:ext uri="{FF2B5EF4-FFF2-40B4-BE49-F238E27FC236}">
                 <a16:creationId xmlns:a16="http://schemas.microsoft.com/office/drawing/2014/main" id="{7C432AFE-B3D2-4BFF-BF8F-96C27AFF1AC7}"/>
@@ -9624,7 +13295,7 @@
           <p:cNvPr id="4" name="Picture 3">
             <a:extLst>
               <a:ext uri="{FF2B5EF4-FFF2-40B4-BE49-F238E27FC236}">
-                <a16:creationId xmlns:a16="http://schemas.microsoft.com/office/drawing/2014/main" id="{EDB3D03A-7A7A-43F8-8C94-ABCCBEA93EE1}"/>
+                <a16:creationId xmlns:a16="http://schemas.microsoft.com/office/drawing/2014/main" id="{8E3E4263-99D5-4B3E-9BA0-A2B44AFF3392}"/>
               </a:ext>
             </a:extLst>
           </p:cNvPr>
@@ -9634,7 +13305,7 @@
           <p:nvPr/>
         </p:nvPicPr>
         <p:blipFill rotWithShape="1">
-          <a:blip r:embed="rId2">
+          <a:blip r:embed="rId3">
             <a:alphaModFix amt="40000"/>
           </a:blip>
           <a:srcRect/>
@@ -9642,8 +13313,8 @@
         </p:blipFill>
         <p:spPr>
           <a:xfrm>
-            <a:off x="0" y="0"/>
-            <a:ext cx="12192000" cy="6857999"/>
+            <a:off x="20" y="10"/>
+            <a:ext cx="12191979" cy="6857990"/>
           </a:xfrm>
           <a:prstGeom prst="rect">
             <a:avLst/>
@@ -9655,7 +13326,7 @@
           <p:cNvPr id="2" name="Title 1">
             <a:extLst>
               <a:ext uri="{FF2B5EF4-FFF2-40B4-BE49-F238E27FC236}">
-                <a16:creationId xmlns:a16="http://schemas.microsoft.com/office/drawing/2014/main" id="{C20A915E-B3E1-422D-97D2-CE890379670B}"/>
+                <a16:creationId xmlns:a16="http://schemas.microsoft.com/office/drawing/2014/main" id="{C75FD910-F63D-41BB-89D5-6423E667C794}"/>
               </a:ext>
             </a:extLst>
           </p:cNvPr>
@@ -9669,12 +13340,12 @@
         <p:spPr>
           <a:xfrm>
             <a:off x="841249" y="941832"/>
-            <a:ext cx="10506456" cy="855761"/>
+            <a:ext cx="10506456" cy="768283"/>
           </a:xfrm>
         </p:spPr>
         <p:txBody>
           <a:bodyPr anchor="b">
-            <a:normAutofit/>
+            <a:normAutofit fontScale="90000"/>
           </a:bodyPr>
           <a:lstStyle/>
           <a:p>
@@ -9688,7 +13359,7 @@
       </p:sp>
       <p:sp>
         <p:nvSpPr>
-          <p:cNvPr id="11" name="Rectangle 10">
+          <p:cNvPr id="22" name="Rectangle 21">
             <a:extLst>
               <a:ext uri="{FF2B5EF4-FFF2-40B4-BE49-F238E27FC236}">
                 <a16:creationId xmlns:a16="http://schemas.microsoft.com/office/drawing/2014/main" id="{AF2F604E-43BE-4DC3-B983-E071523364F8}"/>
@@ -9780,7 +13451,7 @@
       </p:sp>
       <p:sp>
         <p:nvSpPr>
-          <p:cNvPr id="13" name="Rectangle 12">
+          <p:cNvPr id="24" name="Rectangle 23">
             <a:extLst>
               <a:ext uri="{FF2B5EF4-FFF2-40B4-BE49-F238E27FC236}">
                 <a16:creationId xmlns:a16="http://schemas.microsoft.com/office/drawing/2014/main" id="{08C9B587-E65E-4B52-B37C-ABEBB6E87928}"/>
@@ -9876,7 +13547,7 @@
           <p:cNvPr id="3" name="Content Placeholder 2">
             <a:extLst>
               <a:ext uri="{FF2B5EF4-FFF2-40B4-BE49-F238E27FC236}">
-                <a16:creationId xmlns:a16="http://schemas.microsoft.com/office/drawing/2014/main" id="{E46B6C80-461A-4F01-BA51-3517829F530B}"/>
+                <a16:creationId xmlns:a16="http://schemas.microsoft.com/office/drawing/2014/main" id="{D9A07ED0-1D63-41EF-B047-5BC0AFA1D022}"/>
               </a:ext>
             </a:extLst>
           </p:cNvPr>
@@ -9890,112 +13561,89 @@
         <p:spPr>
           <a:xfrm>
             <a:off x="841248" y="3502152"/>
-            <a:ext cx="10506456" cy="2830026"/>
+            <a:ext cx="10506456" cy="2670048"/>
           </a:xfrm>
         </p:spPr>
         <p:txBody>
           <a:bodyPr>
-            <a:normAutofit fontScale="92500" lnSpcReduction="20000"/>
+            <a:normAutofit lnSpcReduction="10000"/>
           </a:bodyPr>
           <a:lstStyle/>
           <a:p>
             <a:pPr marL="0" indent="0">
+              <a:lnSpc>
+                <a:spcPct val="100000"/>
+              </a:lnSpc>
               <a:buNone/>
             </a:pPr>
             <a:r>
-              <a:rPr lang="en-US" sz="2000" u="sng" dirty="0"/>
-              <a:t>Success Story</a:t>
+              <a:rPr lang="en-US" sz="1600" u="sng" dirty="0"/>
+              <a:t>Lessons Learned</a:t>
             </a:r>
           </a:p>
           <a:p>
             <a:pPr marL="0" indent="0">
+              <a:lnSpc>
+                <a:spcPct val="100000"/>
+              </a:lnSpc>
               <a:buNone/>
             </a:pPr>
             <a:r>
-              <a:rPr lang="en-US" sz="2000" dirty="0"/>
-              <a:t>I am proud of what I have achieved, despite the result. As every challenge I was faced, was a new opportunity to learn and grow. When I realized the magnitude of the project, I did not panic and kept on going chipping away in small chunks as told, by Agustin.</a:t>
+              <a:rPr lang="en-US" sz="1600" dirty="0"/>
+              <a:t>Planning saved me many headaches, but also caused many others. As initially my plan was much smaller and simpler than the result, which in turn gave me some well-deserved headaches.</a:t>
             </a:r>
           </a:p>
           <a:p>
             <a:pPr marL="0" indent="0">
+              <a:lnSpc>
+                <a:spcPct val="100000"/>
+              </a:lnSpc>
               <a:buNone/>
             </a:pPr>
             <a:r>
-              <a:rPr lang="en-US" sz="2000" dirty="0"/>
-              <a:t>When all seem lost and out of control, I was able to devise a walkaround to either bypass or resolve the issue.</a:t>
+              <a:rPr lang="en-US" sz="1600" dirty="0"/>
+              <a:t>Also, I learned that in order to succeed is to know one's limitations and I am sure that if I did not try, I would not know what I really knew and what I had to learn to overcome the challenges I faced. </a:t>
             </a:r>
           </a:p>
           <a:p>
             <a:pPr marL="0" indent="0">
+              <a:lnSpc>
+                <a:spcPct val="100000"/>
+              </a:lnSpc>
               <a:buNone/>
             </a:pPr>
             <a:r>
-              <a:rPr lang="en-US" sz="2000" dirty="0"/>
-              <a:t>The best success story for me was one day at 3 am, when I realized that I was troubleshooting a broken feature on the wrong folder!! When I tested it on the correct one it was working, I actually fixed it and ran the </a:t>
-            </a:r>
-            <a:r>
-              <a:rPr lang="en-US" sz="2000" b="1" i="1" dirty="0" err="1"/>
-              <a:t>npm</a:t>
-            </a:r>
-            <a:r>
-              <a:rPr lang="en-US" sz="2000" b="1" i="1" dirty="0"/>
-              <a:t> run dev </a:t>
-            </a:r>
-            <a:r>
-              <a:rPr lang="en-US" sz="2000" dirty="0"/>
-              <a:t>on the wrong </a:t>
-            </a:r>
-            <a:r>
-              <a:rPr lang="en-US" sz="2000" dirty="0" err="1"/>
-              <a:t>VsCode</a:t>
-            </a:r>
-            <a:r>
-              <a:rPr lang="en-US" sz="2000" dirty="0"/>
-              <a:t>, I could not stop laughing.</a:t>
+              <a:rPr lang="en-US" sz="1600" dirty="0"/>
+              <a:t>The incalculable value of using the Kanban, written notes, documentation &amp; drawings of what I wanted helped me in the long run to identify the things, that would require more work and had to be dropped in a To-Do features.</a:t>
             </a:r>
           </a:p>
           <a:p>
             <a:pPr marL="0" indent="0">
+              <a:lnSpc>
+                <a:spcPct val="100000"/>
+              </a:lnSpc>
               <a:buNone/>
             </a:pPr>
-            <a:endParaRPr lang="en-US" sz="2000" dirty="0"/>
-          </a:p>
-        </p:txBody>
-      </p:sp>
-      <p:pic>
-        <p:nvPicPr>
-          <p:cNvPr id="5" name="Picture 4">
-            <a:extLst>
-              <a:ext uri="{FF2B5EF4-FFF2-40B4-BE49-F238E27FC236}">
-                <a16:creationId xmlns:a16="http://schemas.microsoft.com/office/drawing/2014/main" id="{0852438E-C8DD-4A69-8BCD-680B44A358A4}"/>
-              </a:ext>
-            </a:extLst>
-          </p:cNvPr>
-          <p:cNvPicPr>
-            <a:picLocks noChangeAspect="1"/>
-          </p:cNvPicPr>
-          <p:nvPr/>
-        </p:nvPicPr>
-        <p:blipFill>
-          <a:blip r:embed="rId2"/>
-          <a:stretch>
-            <a:fillRect/>
-          </a:stretch>
-        </p:blipFill>
-        <p:spPr>
-          <a:xfrm>
-            <a:off x="-1524" y="1"/>
-            <a:ext cx="12192000" cy="6857999"/>
-          </a:xfrm>
-          <a:prstGeom prst="rect">
-            <a:avLst/>
-          </a:prstGeom>
-        </p:spPr>
-      </p:pic>
+            <a:r>
+              <a:rPr lang="en-US" sz="1600" dirty="0"/>
+              <a:t>I also realized, that I can keep going no matter what, I kept on going and enjoyed every minute of it. </a:t>
+            </a:r>
+          </a:p>
+          <a:p>
+            <a:pPr marL="0" indent="0">
+              <a:lnSpc>
+                <a:spcPct val="100000"/>
+              </a:lnSpc>
+              <a:buNone/>
+            </a:pPr>
+            <a:endParaRPr lang="en-US" sz="1400" dirty="0"/>
+          </a:p>
+        </p:txBody>
+      </p:sp>
     </p:spTree>
     <p:extLst>
       <p:ext uri="{BB962C8B-B14F-4D97-AF65-F5344CB8AC3E}">
-        <p14:creationId xmlns:p14="http://schemas.microsoft.com/office/powerpoint/2010/main" val="1448707844"/>
+        <p14:creationId xmlns:p14="http://schemas.microsoft.com/office/powerpoint/2010/main" val="3472703045"/>
       </p:ext>
     </p:extLst>
   </p:cSld>
@@ -10030,12 +13678,42 @@
           <a:chExt cx="0" cy="0"/>
         </a:xfrm>
       </p:grpSpPr>
-      <p:sp>
-        <p:nvSpPr>
-          <p:cNvPr id="16" name="Rectangle 8">
-            <a:extLst>
-              <a:ext uri="{FF2B5EF4-FFF2-40B4-BE49-F238E27FC236}">
-                <a16:creationId xmlns:a16="http://schemas.microsoft.com/office/drawing/2014/main" id="{8D06CE56-3881-4ADA-8CEF-D18B02C242A3}"/>
+      <p:pic>
+        <p:nvPicPr>
+          <p:cNvPr id="5" name="Picture 4">
+            <a:extLst>
+              <a:ext uri="{FF2B5EF4-FFF2-40B4-BE49-F238E27FC236}">
+                <a16:creationId xmlns:a16="http://schemas.microsoft.com/office/drawing/2014/main" id="{0852438E-C8DD-4A69-8BCD-680B44A358A4}"/>
+              </a:ext>
+            </a:extLst>
+          </p:cNvPr>
+          <p:cNvPicPr>
+            <a:picLocks noChangeAspect="1"/>
+          </p:cNvPicPr>
+          <p:nvPr/>
+        </p:nvPicPr>
+        <p:blipFill>
+          <a:blip r:embed="rId3"/>
+          <a:stretch>
+            <a:fillRect/>
+          </a:stretch>
+        </p:blipFill>
+        <p:spPr>
+          <a:xfrm>
+            <a:off x="-1524" y="1"/>
+            <a:ext cx="12192000" cy="6857999"/>
+          </a:xfrm>
+          <a:prstGeom prst="rect">
+            <a:avLst/>
+          </a:prstGeom>
+        </p:spPr>
+      </p:pic>
+      <p:sp useBgFill="1">
+        <p:nvSpPr>
+          <p:cNvPr id="9" name="Rectangle 8">
+            <a:extLst>
+              <a:ext uri="{FF2B5EF4-FFF2-40B4-BE49-F238E27FC236}">
+                <a16:creationId xmlns:a16="http://schemas.microsoft.com/office/drawing/2014/main" id="{7C432AFE-B3D2-4BFF-BF8F-96C27AFF1AC7}"/>
               </a:ext>
               <a:ext uri="{C183D7F6-B498-43B3-948B-1728B52AA6E4}">
                 <adec:decorative xmlns:adec="http://schemas.microsoft.com/office/drawing/2017/decorative" val="1"/>
@@ -10054,8 +13732,135 @@
           </p:nvPr>
         </p:nvSpPr>
         <p:spPr>
+          <a:xfrm>
+            <a:off x="0" y="0"/>
+            <a:ext cx="12192000" cy="6858000"/>
+          </a:xfrm>
+          <a:prstGeom prst="rect">
+            <a:avLst/>
+          </a:prstGeom>
+          <a:ln>
+            <a:noFill/>
+          </a:ln>
+        </p:spPr>
+        <p:style>
+          <a:lnRef idx="2">
+            <a:schemeClr val="accent1">
+              <a:shade val="50000"/>
+            </a:schemeClr>
+          </a:lnRef>
+          <a:fillRef idx="1">
+            <a:schemeClr val="accent1"/>
+          </a:fillRef>
+          <a:effectRef idx="0">
+            <a:schemeClr val="accent1"/>
+          </a:effectRef>
+          <a:fontRef idx="minor">
+            <a:schemeClr val="lt1"/>
+          </a:fontRef>
+        </p:style>
+        <p:txBody>
+          <a:bodyPr rtlCol="0" anchor="ctr"/>
+          <a:lstStyle/>
+          <a:p>
+            <a:pPr algn="ctr"/>
+            <a:endParaRPr lang="en-US"/>
+          </a:p>
+        </p:txBody>
+      </p:sp>
+      <p:pic>
+        <p:nvPicPr>
+          <p:cNvPr id="4" name="Picture 3">
+            <a:extLst>
+              <a:ext uri="{FF2B5EF4-FFF2-40B4-BE49-F238E27FC236}">
+                <a16:creationId xmlns:a16="http://schemas.microsoft.com/office/drawing/2014/main" id="{EDB3D03A-7A7A-43F8-8C94-ABCCBEA93EE1}"/>
+              </a:ext>
+            </a:extLst>
+          </p:cNvPr>
+          <p:cNvPicPr>
+            <a:picLocks noChangeAspect="1"/>
+          </p:cNvPicPr>
+          <p:nvPr/>
+        </p:nvPicPr>
+        <p:blipFill rotWithShape="1">
+          <a:blip r:embed="rId3">
+            <a:alphaModFix amt="85000"/>
+          </a:blip>
+          <a:srcRect/>
+          <a:stretch/>
+        </p:blipFill>
+        <p:spPr>
+          <a:xfrm>
+            <a:off x="0" y="0"/>
+            <a:ext cx="12192000" cy="6857999"/>
+          </a:xfrm>
+          <a:prstGeom prst="rect">
+            <a:avLst/>
+          </a:prstGeom>
+        </p:spPr>
+      </p:pic>
+      <p:sp>
+        <p:nvSpPr>
+          <p:cNvPr id="2" name="Title 1">
+            <a:extLst>
+              <a:ext uri="{FF2B5EF4-FFF2-40B4-BE49-F238E27FC236}">
+                <a16:creationId xmlns:a16="http://schemas.microsoft.com/office/drawing/2014/main" id="{C20A915E-B3E1-422D-97D2-CE890379670B}"/>
+              </a:ext>
+            </a:extLst>
+          </p:cNvPr>
+          <p:cNvSpPr>
+            <a:spLocks noGrp="1"/>
+          </p:cNvSpPr>
+          <p:nvPr>
+            <p:ph type="title"/>
+          </p:nvPr>
+        </p:nvSpPr>
+        <p:spPr>
+          <a:xfrm>
+            <a:off x="841249" y="941832"/>
+            <a:ext cx="10506456" cy="855761"/>
+          </a:xfrm>
+        </p:spPr>
+        <p:txBody>
+          <a:bodyPr anchor="b">
+            <a:normAutofit/>
+          </a:bodyPr>
+          <a:lstStyle/>
+          <a:p>
+            <a:pPr algn="ctr"/>
+            <a:r>
+              <a:rPr lang="en-US" sz="5000" dirty="0"/>
+              <a:t>Online Marketplace Net</a:t>
+            </a:r>
+          </a:p>
+        </p:txBody>
+      </p:sp>
+      <p:sp>
+        <p:nvSpPr>
+          <p:cNvPr id="11" name="Rectangle 10">
+            <a:extLst>
+              <a:ext uri="{FF2B5EF4-FFF2-40B4-BE49-F238E27FC236}">
+                <a16:creationId xmlns:a16="http://schemas.microsoft.com/office/drawing/2014/main" id="{AF2F604E-43BE-4DC3-B983-E071523364F8}"/>
+              </a:ext>
+              <a:ext uri="{C183D7F6-B498-43B3-948B-1728B52AA6E4}">
+                <adec:decorative xmlns:adec="http://schemas.microsoft.com/office/drawing/2017/decorative" val="1"/>
+              </a:ext>
+            </a:extLst>
+          </p:cNvPr>
+          <p:cNvSpPr>
+            <a:spLocks noGrp="1" noRot="1" noChangeAspect="1" noMove="1" noResize="1" noEditPoints="1" noAdjustHandles="1" noChangeArrowheads="1" noChangeShapeType="1" noTextEdit="1"/>
+          </p:cNvSpPr>
+          <p:nvPr>
+            <p:extLst>
+              <p:ext uri="{386F3935-93C4-4BCD-93E2-E3B085C9AB24}">
+                <p16:designElem xmlns:p16="http://schemas.microsoft.com/office/powerpoint/2015/main" val="1"/>
+              </p:ext>
+            </p:extLst>
+          </p:nvPr>
+        </p:nvSpPr>
+        <p:spPr>
           <a:xfrm rot="5400000">
-            <a:off x="857544" y="346791"/>
+            <a:off x="1120140" y="346791"/>
             <a:ext cx="146304" cy="704088"/>
           </a:xfrm>
           <a:prstGeom prst="rect">
@@ -10124,10 +13929,10 @@
       </p:sp>
       <p:sp>
         <p:nvSpPr>
-          <p:cNvPr id="18" name="Rectangle 10">
-            <a:extLst>
-              <a:ext uri="{FF2B5EF4-FFF2-40B4-BE49-F238E27FC236}">
-                <a16:creationId xmlns:a16="http://schemas.microsoft.com/office/drawing/2014/main" id="{79F3C543-62EC-4433-9C93-A2CD8764E9B4}"/>
+          <p:cNvPr id="13" name="Rectangle 12">
+            <a:extLst>
+              <a:ext uri="{FF2B5EF4-FFF2-40B4-BE49-F238E27FC236}">
+                <a16:creationId xmlns:a16="http://schemas.microsoft.com/office/drawing/2014/main" id="{08C9B587-E65E-4B52-B37C-ABEBB6E87928}"/>
               </a:ext>
               <a:ext uri="{C183D7F6-B498-43B3-948B-1728B52AA6E4}">
                 <adec:decorative xmlns:adec="http://schemas.microsoft.com/office/drawing/2017/decorative" val="1"/>
@@ -10146,18 +13951,15 @@
           </p:nvPr>
         </p:nvSpPr>
         <p:spPr>
-          <a:xfrm flipV="1">
-            <a:off x="578652" y="4501201"/>
-            <a:ext cx="11034696" cy="18288"/>
+          <a:xfrm>
+            <a:off x="841248" y="3241202"/>
+            <a:ext cx="10506456" cy="18288"/>
           </a:xfrm>
           <a:prstGeom prst="rect">
             <a:avLst/>
           </a:prstGeom>
           <a:solidFill>
-            <a:schemeClr val="tx2">
-              <a:lumMod val="25000"/>
-              <a:lumOff val="75000"/>
-            </a:schemeClr>
+            <a:schemeClr val="tx1"/>
           </a:solidFill>
           <a:ln w="3175">
             <a:noFill/>
@@ -10218,287 +14020,101 @@
           </a:p>
         </p:txBody>
       </p:sp>
-      <p:sp useBgFill="1">
-        <p:nvSpPr>
-          <p:cNvPr id="19" name="Rectangle 12">
-            <a:extLst>
-              <a:ext uri="{FF2B5EF4-FFF2-40B4-BE49-F238E27FC236}">
-                <a16:creationId xmlns:a16="http://schemas.microsoft.com/office/drawing/2014/main" id="{5A59F003-E00A-43F9-91DC-CC54E3B87466}"/>
-              </a:ext>
-              <a:ext uri="{C183D7F6-B498-43B3-948B-1728B52AA6E4}">
-                <adec:decorative xmlns:adec="http://schemas.microsoft.com/office/drawing/2017/decorative" val="1"/>
-              </a:ext>
-            </a:extLst>
-          </p:cNvPr>
-          <p:cNvSpPr>
-            <a:spLocks noGrp="1" noRot="1" noChangeAspect="1" noMove="1" noResize="1" noEditPoints="1" noAdjustHandles="1" noChangeArrowheads="1" noChangeShapeType="1" noTextEdit="1"/>
-          </p:cNvSpPr>
-          <p:nvPr>
-            <p:extLst>
-              <p:ext uri="{386F3935-93C4-4BCD-93E2-E3B085C9AB24}">
-                <p16:designElem xmlns:p16="http://schemas.microsoft.com/office/powerpoint/2015/main" val="1"/>
-              </p:ext>
-            </p:extLst>
+      <p:sp>
+        <p:nvSpPr>
+          <p:cNvPr id="3" name="Content Placeholder 2">
+            <a:extLst>
+              <a:ext uri="{FF2B5EF4-FFF2-40B4-BE49-F238E27FC236}">
+                <a16:creationId xmlns:a16="http://schemas.microsoft.com/office/drawing/2014/main" id="{E46B6C80-461A-4F01-BA51-3517829F530B}"/>
+              </a:ext>
+            </a:extLst>
+          </p:cNvPr>
+          <p:cNvSpPr>
+            <a:spLocks noGrp="1"/>
+          </p:cNvSpPr>
+          <p:nvPr>
+            <p:ph idx="1"/>
           </p:nvPr>
         </p:nvSpPr>
         <p:spPr>
           <a:xfrm>
-            <a:off x="0" y="0"/>
-            <a:ext cx="12192000" cy="6858000"/>
-          </a:xfrm>
-          <a:prstGeom prst="rect">
-            <a:avLst/>
-          </a:prstGeom>
-          <a:ln>
-            <a:noFill/>
-          </a:ln>
-        </p:spPr>
-        <p:style>
-          <a:lnRef idx="2">
-            <a:schemeClr val="accent1">
-              <a:shade val="50000"/>
-            </a:schemeClr>
-          </a:lnRef>
-          <a:fillRef idx="1">
-            <a:schemeClr val="accent1"/>
-          </a:fillRef>
-          <a:effectRef idx="0">
-            <a:schemeClr val="accent1"/>
-          </a:effectRef>
-          <a:fontRef idx="minor">
-            <a:schemeClr val="lt1"/>
-          </a:fontRef>
-        </p:style>
-        <p:txBody>
-          <a:bodyPr rtlCol="0" anchor="ctr"/>
-          <a:lstStyle/>
-          <a:p>
-            <a:pPr algn="ctr"/>
-            <a:endParaRPr lang="en-US"/>
-          </a:p>
-        </p:txBody>
-      </p:sp>
-      <p:pic>
-        <p:nvPicPr>
-          <p:cNvPr id="4" name="Content Placeholder 3">
-            <a:extLst>
-              <a:ext uri="{FF2B5EF4-FFF2-40B4-BE49-F238E27FC236}">
-                <a16:creationId xmlns:a16="http://schemas.microsoft.com/office/drawing/2014/main" id="{9CA6DC9B-30F4-4946-B42E-8FCB6947DCF7}"/>
-              </a:ext>
-            </a:extLst>
-          </p:cNvPr>
-          <p:cNvPicPr>
-            <a:picLocks noGrp="1" noChangeAspect="1"/>
-          </p:cNvPicPr>
-          <p:nvPr>
-            <p:ph idx="1"/>
-          </p:nvPr>
-        </p:nvPicPr>
-        <p:blipFill rotWithShape="1">
-          <a:blip r:embed="rId2"/>
-          <a:srcRect t="9091" r="9091"/>
-          <a:stretch/>
-        </p:blipFill>
-        <p:spPr>
-          <a:xfrm>
-            <a:off x="0" y="0"/>
-            <a:ext cx="12192000" cy="6857999"/>
-          </a:xfrm>
-          <a:prstGeom prst="rect">
-            <a:avLst/>
-          </a:prstGeom>
-        </p:spPr>
-      </p:pic>
-      <p:sp>
-        <p:nvSpPr>
-          <p:cNvPr id="15" name="Rectangle 14">
-            <a:extLst>
-              <a:ext uri="{FF2B5EF4-FFF2-40B4-BE49-F238E27FC236}">
-                <a16:creationId xmlns:a16="http://schemas.microsoft.com/office/drawing/2014/main" id="{D74A4382-E3AD-430A-9A1F-DFA3E0E77A7D}"/>
-              </a:ext>
-              <a:ext uri="{C183D7F6-B498-43B3-948B-1728B52AA6E4}">
-                <adec:decorative xmlns:adec="http://schemas.microsoft.com/office/drawing/2017/decorative" val="1"/>
-              </a:ext>
-            </a:extLst>
-          </p:cNvPr>
-          <p:cNvSpPr>
-            <a:spLocks noGrp="1" noRot="1" noChangeAspect="1" noMove="1" noResize="1" noEditPoints="1" noAdjustHandles="1" noChangeArrowheads="1" noChangeShapeType="1" noTextEdit="1"/>
-          </p:cNvSpPr>
-          <p:nvPr>
-            <p:extLst>
-              <p:ext uri="{386F3935-93C4-4BCD-93E2-E3B085C9AB24}">
-                <p16:designElem xmlns:p16="http://schemas.microsoft.com/office/powerpoint/2015/main" val="1"/>
-              </p:ext>
-            </p:extLst>
-          </p:nvPr>
-        </p:nvSpPr>
-        <p:spPr>
-          <a:xfrm rot="16200000">
-            <a:off x="3799868" y="-1534136"/>
-            <a:ext cx="4592270" cy="12192001"/>
-          </a:xfrm>
-          <a:prstGeom prst="rect">
-            <a:avLst/>
-          </a:prstGeom>
-          <a:gradFill>
-            <a:gsLst>
-              <a:gs pos="35000">
-                <a:schemeClr val="bg1">
-                  <a:alpha val="46000"/>
-                </a:schemeClr>
-              </a:gs>
-              <a:gs pos="21000">
-                <a:schemeClr val="bg1">
-                  <a:alpha val="30000"/>
-                </a:schemeClr>
-              </a:gs>
-              <a:gs pos="0">
-                <a:schemeClr val="bg1">
-                  <a:alpha val="0"/>
-                </a:schemeClr>
-              </a:gs>
-              <a:gs pos="100000">
-                <a:schemeClr val="bg1">
-                  <a:alpha val="90000"/>
-                </a:schemeClr>
-              </a:gs>
-            </a:gsLst>
-            <a:lin ang="10800000" scaled="0"/>
-          </a:gradFill>
-          <a:ln>
-            <a:noFill/>
-          </a:ln>
-        </p:spPr>
-        <p:style>
-          <a:lnRef idx="2">
-            <a:schemeClr val="accent1">
-              <a:shade val="50000"/>
-            </a:schemeClr>
-          </a:lnRef>
-          <a:fillRef idx="1">
-            <a:schemeClr val="accent1"/>
-          </a:fillRef>
-          <a:effectRef idx="0">
-            <a:schemeClr val="accent1"/>
-          </a:effectRef>
-          <a:fontRef idx="minor">
-            <a:schemeClr val="lt1"/>
-          </a:fontRef>
-        </p:style>
-        <p:txBody>
-          <a:bodyPr rtlCol="0" anchor="ctr"/>
-          <a:lstStyle/>
-          <a:p>
-            <a:pPr algn="ctr"/>
-            <a:endParaRPr lang="en-US" dirty="0"/>
-          </a:p>
-        </p:txBody>
-      </p:sp>
-      <p:sp>
-        <p:nvSpPr>
-          <p:cNvPr id="2" name="Title 1">
-            <a:extLst>
-              <a:ext uri="{FF2B5EF4-FFF2-40B4-BE49-F238E27FC236}">
-                <a16:creationId xmlns:a16="http://schemas.microsoft.com/office/drawing/2014/main" id="{F9A55C61-8D22-41C2-9F74-E3C60368BA98}"/>
-              </a:ext>
-            </a:extLst>
-          </p:cNvPr>
-          <p:cNvSpPr>
-            <a:spLocks noGrp="1"/>
-          </p:cNvSpPr>
-          <p:nvPr>
-            <p:ph type="title"/>
-          </p:nvPr>
-        </p:nvSpPr>
-        <p:spPr>
-          <a:xfrm>
-            <a:off x="-4" y="4683397"/>
-            <a:ext cx="9078562" cy="897930"/>
-          </a:xfrm>
-        </p:spPr>
-        <p:txBody>
-          <a:bodyPr vert="horz" lIns="91440" tIns="45720" rIns="91440" bIns="45720" rtlCol="0" anchor="b">
-            <a:normAutofit fontScale="90000"/>
+            <a:off x="841248" y="3502152"/>
+            <a:ext cx="10506456" cy="2830026"/>
+          </a:xfrm>
+        </p:spPr>
+        <p:txBody>
+          <a:bodyPr>
+            <a:normAutofit fontScale="92500" lnSpcReduction="20000"/>
           </a:bodyPr>
           <a:lstStyle/>
           <a:p>
-            <a:pPr algn="ctr"/>
-            <a:r>
-              <a:rPr lang="en-US" sz="6600" dirty="0"/>
-              <a:t>DEMO</a:t>
-            </a:r>
-          </a:p>
-        </p:txBody>
-      </p:sp>
-      <p:sp>
-        <p:nvSpPr>
-          <p:cNvPr id="17" name="Rectangle: Rounded Corners 16">
-            <a:extLst>
-              <a:ext uri="{FF2B5EF4-FFF2-40B4-BE49-F238E27FC236}">
-                <a16:creationId xmlns:a16="http://schemas.microsoft.com/office/drawing/2014/main" id="{79F40191-0F44-4FD1-82CC-ACB507C14BE6}"/>
-              </a:ext>
-              <a:ext uri="{C183D7F6-B498-43B3-948B-1728B52AA6E4}">
-                <adec:decorative xmlns:adec="http://schemas.microsoft.com/office/drawing/2017/decorative" val="1"/>
-              </a:ext>
-            </a:extLst>
-          </p:cNvPr>
-          <p:cNvSpPr>
-            <a:spLocks noGrp="1" noRot="1" noChangeAspect="1" noMove="1" noResize="1" noEditPoints="1" noAdjustHandles="1" noChangeArrowheads="1" noChangeShapeType="1" noTextEdit="1"/>
-          </p:cNvSpPr>
-          <p:nvPr>
-            <p:extLst>
-              <p:ext uri="{386F3935-93C4-4BCD-93E2-E3B085C9AB24}">
-                <p16:designElem xmlns:p16="http://schemas.microsoft.com/office/powerpoint/2015/main" val="1"/>
-              </p:ext>
-            </p:extLst>
-          </p:nvPr>
-        </p:nvSpPr>
-        <p:spPr>
-          <a:xfrm>
-            <a:off x="0" y="5575039"/>
-            <a:ext cx="9785897" cy="685800"/>
-          </a:xfrm>
-          <a:prstGeom prst="roundRect">
-            <a:avLst>
-              <a:gd name="adj" fmla="val 0"/>
-            </a:avLst>
-          </a:prstGeom>
-          <a:solidFill>
-            <a:schemeClr val="accent1"/>
-          </a:solidFill>
-          <a:ln>
-            <a:noFill/>
-          </a:ln>
-        </p:spPr>
-        <p:style>
-          <a:lnRef idx="2">
-            <a:schemeClr val="accent1">
-              <a:shade val="50000"/>
-            </a:schemeClr>
-          </a:lnRef>
-          <a:fillRef idx="1">
-            <a:schemeClr val="accent1"/>
-          </a:fillRef>
-          <a:effectRef idx="0">
-            <a:schemeClr val="accent1"/>
-          </a:effectRef>
-          <a:fontRef idx="minor">
-            <a:schemeClr val="lt1"/>
-          </a:fontRef>
-        </p:style>
-        <p:txBody>
-          <a:bodyPr rtlCol="0" anchor="ctr"/>
-          <a:lstStyle/>
-          <a:p>
-            <a:pPr algn="ctr"/>
-            <a:endParaRPr lang="en-US"/>
+            <a:pPr marL="0" indent="0">
+              <a:buNone/>
+            </a:pPr>
+            <a:r>
+              <a:rPr lang="en-US" sz="2000" u="sng" dirty="0"/>
+              <a:t>Success Story</a:t>
+            </a:r>
+          </a:p>
+          <a:p>
+            <a:pPr marL="0" indent="0">
+              <a:buNone/>
+            </a:pPr>
+            <a:r>
+              <a:rPr lang="en-US" sz="2000" dirty="0"/>
+              <a:t>I am proud of what I have achieved, despite the result. As every challenge I was faced, was a new opportunity to learn and grow. When I realized the magnitude of the project, I did not panic and kept on going chipping away in small chunks as told, by Agustin.</a:t>
+            </a:r>
+          </a:p>
+          <a:p>
+            <a:pPr marL="0" indent="0">
+              <a:buNone/>
+            </a:pPr>
+            <a:r>
+              <a:rPr lang="en-US" sz="2000" dirty="0"/>
+              <a:t>When all seem lost and out of control, I was able to devise a walkaround to either bypass or resolve the issue.</a:t>
+            </a:r>
+          </a:p>
+          <a:p>
+            <a:pPr marL="0" indent="0">
+              <a:buNone/>
+            </a:pPr>
+            <a:r>
+              <a:rPr lang="en-US" sz="2000" dirty="0"/>
+              <a:t>The best success story for me was one day at 3 am, when I realized that I was troubleshooting a broken feature on the wrong folder!! When I tested it on the correct one it was working, I actually fixed it and ran the </a:t>
+            </a:r>
+            <a:r>
+              <a:rPr lang="en-US" sz="2000" b="1" i="1" dirty="0" err="1"/>
+              <a:t>npm</a:t>
+            </a:r>
+            <a:r>
+              <a:rPr lang="en-US" sz="2000" b="1" i="1" dirty="0"/>
+              <a:t> run dev </a:t>
+            </a:r>
+            <a:r>
+              <a:rPr lang="en-US" sz="2000" dirty="0"/>
+              <a:t>on the wrong </a:t>
+            </a:r>
+            <a:r>
+              <a:rPr lang="en-US" sz="2000" dirty="0" err="1"/>
+              <a:t>VsCode</a:t>
+            </a:r>
+            <a:r>
+              <a:rPr lang="en-US" sz="2000" dirty="0"/>
+              <a:t>, I could not stop laughing.</a:t>
+            </a:r>
+          </a:p>
+          <a:p>
+            <a:pPr marL="0" indent="0">
+              <a:buNone/>
+            </a:pPr>
+            <a:endParaRPr lang="en-US" sz="2000" dirty="0"/>
           </a:p>
         </p:txBody>
       </p:sp>
     </p:spTree>
     <p:extLst>
       <p:ext uri="{BB962C8B-B14F-4D97-AF65-F5344CB8AC3E}">
-        <p14:creationId xmlns:p14="http://schemas.microsoft.com/office/powerpoint/2010/main" val="863594864"/>
+        <p14:creationId xmlns:p14="http://schemas.microsoft.com/office/powerpoint/2010/main" val="1448707844"/>
       </p:ext>
     </p:extLst>
   </p:cSld>
@@ -10533,6 +14149,36 @@
           <a:chExt cx="0" cy="0"/>
         </a:xfrm>
       </p:grpSpPr>
+      <p:pic>
+        <p:nvPicPr>
+          <p:cNvPr id="5" name="Picture 4">
+            <a:extLst>
+              <a:ext uri="{FF2B5EF4-FFF2-40B4-BE49-F238E27FC236}">
+                <a16:creationId xmlns:a16="http://schemas.microsoft.com/office/drawing/2014/main" id="{0852438E-C8DD-4A69-8BCD-680B44A358A4}"/>
+              </a:ext>
+            </a:extLst>
+          </p:cNvPr>
+          <p:cNvPicPr>
+            <a:picLocks noChangeAspect="1"/>
+          </p:cNvPicPr>
+          <p:nvPr/>
+        </p:nvPicPr>
+        <p:blipFill>
+          <a:blip r:embed="rId3"/>
+          <a:stretch>
+            <a:fillRect/>
+          </a:stretch>
+        </p:blipFill>
+        <p:spPr>
+          <a:xfrm>
+            <a:off x="-1524" y="1"/>
+            <a:ext cx="12192000" cy="6857999"/>
+          </a:xfrm>
+          <a:prstGeom prst="rect">
+            <a:avLst/>
+          </a:prstGeom>
+        </p:spPr>
+      </p:pic>
       <p:sp useBgFill="1">
         <p:nvSpPr>
           <p:cNvPr id="9" name="Rectangle 8">
@@ -10598,7 +14244,7 @@
           <p:cNvPr id="4" name="Picture 3">
             <a:extLst>
               <a:ext uri="{FF2B5EF4-FFF2-40B4-BE49-F238E27FC236}">
-                <a16:creationId xmlns:a16="http://schemas.microsoft.com/office/drawing/2014/main" id="{3E80E5D5-6EB6-41FE-80A2-7945737CDE06}"/>
+                <a16:creationId xmlns:a16="http://schemas.microsoft.com/office/drawing/2014/main" id="{EDB3D03A-7A7A-43F8-8C94-ABCCBEA93EE1}"/>
               </a:ext>
             </a:extLst>
           </p:cNvPr>
@@ -10608,15 +14254,15 @@
           <p:nvPr/>
         </p:nvPicPr>
         <p:blipFill rotWithShape="1">
-          <a:blip r:embed="rId2">
-            <a:alphaModFix amt="40000"/>
+          <a:blip r:embed="rId3">
+            <a:alphaModFix amt="85000"/>
           </a:blip>
           <a:srcRect/>
           <a:stretch/>
         </p:blipFill>
         <p:spPr>
           <a:xfrm>
-            <a:off x="-1524" y="1"/>
+            <a:off x="0" y="0"/>
             <a:ext cx="12192000" cy="6857999"/>
           </a:xfrm>
           <a:prstGeom prst="rect">
@@ -10629,7 +14275,7 @@
           <p:cNvPr id="2" name="Title 1">
             <a:extLst>
               <a:ext uri="{FF2B5EF4-FFF2-40B4-BE49-F238E27FC236}">
-                <a16:creationId xmlns:a16="http://schemas.microsoft.com/office/drawing/2014/main" id="{9E524DCD-B993-434B-8442-7D0CC4018CC2}"/>
+                <a16:creationId xmlns:a16="http://schemas.microsoft.com/office/drawing/2014/main" id="{C20A915E-B3E1-422D-97D2-CE890379670B}"/>
               </a:ext>
             </a:extLst>
           </p:cNvPr>
@@ -10643,7 +14289,7 @@
         <p:spPr>
           <a:xfrm>
             <a:off x="841249" y="941832"/>
-            <a:ext cx="10506456" cy="892566"/>
+            <a:ext cx="10506456" cy="855761"/>
           </a:xfrm>
         </p:spPr>
         <p:txBody>
@@ -10654,10 +14300,9 @@
           <a:p>
             <a:pPr algn="ctr"/>
             <a:r>
-              <a:rPr lang="en-US" sz="5000" b="1" dirty="0"/>
+              <a:rPr lang="en-US" sz="5000" dirty="0"/>
               <a:t>Online Marketplace Net</a:t>
             </a:r>
-            <a:endParaRPr lang="en-US" sz="5000" dirty="0"/>
           </a:p>
         </p:txBody>
       </p:sp>
@@ -10851,7 +14496,7 @@
           <p:cNvPr id="3" name="Content Placeholder 2">
             <a:extLst>
               <a:ext uri="{FF2B5EF4-FFF2-40B4-BE49-F238E27FC236}">
-                <a16:creationId xmlns:a16="http://schemas.microsoft.com/office/drawing/2014/main" id="{3E4A2091-4BFE-4398-AB9E-34D3BF8641A9}"/>
+                <a16:creationId xmlns:a16="http://schemas.microsoft.com/office/drawing/2014/main" id="{E46B6C80-461A-4F01-BA51-3517829F530B}"/>
               </a:ext>
             </a:extLst>
           </p:cNvPr>
@@ -10865,7 +14510,7 @@
         <p:spPr>
           <a:xfrm>
             <a:off x="841248" y="3502152"/>
-            <a:ext cx="10506456" cy="2670048"/>
+            <a:ext cx="10506456" cy="2830026"/>
           </a:xfrm>
         </p:spPr>
         <p:txBody>
@@ -10877,56 +14522,100 @@
             <a:pPr marL="0" indent="0">
               <a:buNone/>
             </a:pPr>
-            <a:r>
-              <a:rPr lang="en-US" sz="2000" u="sng" dirty="0"/>
-              <a:t>The Future </a:t>
-            </a:r>
-          </a:p>
-          <a:p>
-            <a:pPr marL="0" indent="0">
-              <a:buNone/>
-            </a:pPr>
-            <a:r>
-              <a:rPr lang="en-US" sz="1700" dirty="0"/>
-              <a:t>I plan on finalizing this app by adding new features, these are a few that will make it in the next project:</a:t>
-            </a:r>
-          </a:p>
-          <a:p>
-            <a:r>
-              <a:rPr lang="en-US" sz="1700" dirty="0"/>
-              <a:t>Facebook Login</a:t>
-            </a:r>
-          </a:p>
-          <a:p>
-            <a:r>
-              <a:rPr lang="en-US" sz="1700" dirty="0"/>
-              <a:t>Google Login</a:t>
-            </a:r>
-          </a:p>
-          <a:p>
-            <a:r>
-              <a:rPr lang="en-US" sz="1700" dirty="0"/>
-              <a:t>PayPal</a:t>
-            </a:r>
-          </a:p>
-          <a:p>
-            <a:r>
-              <a:rPr lang="en-US" sz="1700" dirty="0"/>
-              <a:t>Auction system</a:t>
-            </a:r>
-          </a:p>
-          <a:p>
-            <a:pPr marL="0" indent="0">
-              <a:buNone/>
-            </a:pPr>
             <a:endParaRPr lang="en-US" sz="2000" dirty="0"/>
+          </a:p>
+        </p:txBody>
+      </p:sp>
+      <p:pic>
+        <p:nvPicPr>
+          <p:cNvPr id="6" name="Picture 5">
+            <a:extLst>
+              <a:ext uri="{FF2B5EF4-FFF2-40B4-BE49-F238E27FC236}">
+                <a16:creationId xmlns:a16="http://schemas.microsoft.com/office/drawing/2014/main" id="{87D77FBD-8749-4E4A-A4C4-EA5026C01B45}"/>
+              </a:ext>
+            </a:extLst>
+          </p:cNvPr>
+          <p:cNvPicPr>
+            <a:picLocks noChangeAspect="1"/>
+          </p:cNvPicPr>
+          <p:nvPr/>
+        </p:nvPicPr>
+        <p:blipFill>
+          <a:blip r:embed="rId4">
+            <a:alphaModFix/>
+          </a:blip>
+          <a:stretch>
+            <a:fillRect/>
+          </a:stretch>
+        </p:blipFill>
+        <p:spPr>
+          <a:xfrm>
+            <a:off x="118334" y="80887"/>
+            <a:ext cx="11912301" cy="6648526"/>
+          </a:xfrm>
+          <a:prstGeom prst="rect">
+            <a:avLst/>
+          </a:prstGeom>
+        </p:spPr>
+      </p:pic>
+      <p:sp>
+        <p:nvSpPr>
+          <p:cNvPr id="7" name="TextBox 6">
+            <a:extLst>
+              <a:ext uri="{FF2B5EF4-FFF2-40B4-BE49-F238E27FC236}">
+                <a16:creationId xmlns:a16="http://schemas.microsoft.com/office/drawing/2014/main" id="{4498762A-4C30-4F94-BF59-27D1D3085F77}"/>
+              </a:ext>
+            </a:extLst>
+          </p:cNvPr>
+          <p:cNvSpPr txBox="1"/>
+          <p:nvPr/>
+        </p:nvSpPr>
+        <p:spPr>
+          <a:xfrm>
+            <a:off x="161365" y="188194"/>
+            <a:ext cx="2225738" cy="461665"/>
+          </a:xfrm>
+          <a:prstGeom prst="rect">
+            <a:avLst/>
+          </a:prstGeom>
+          <a:noFill/>
+        </p:spPr>
+        <p:txBody>
+          <a:bodyPr wrap="none" rtlCol="0">
+            <a:spAutoFit/>
+          </a:bodyPr>
+          <a:lstStyle/>
+          <a:p>
+            <a:r>
+              <a:rPr lang="en-US" sz="1200" dirty="0">
+                <a:solidFill>
+                  <a:srgbClr val="FF0000"/>
+                </a:solidFill>
+              </a:rPr>
+              <a:t>Front-end tree diagram</a:t>
+            </a:r>
+            <a:br>
+              <a:rPr lang="en-US" sz="1200" dirty="0">
+                <a:solidFill>
+                  <a:srgbClr val="FF0000"/>
+                </a:solidFill>
+              </a:rPr>
+            </a:br>
+            <a:r>
+              <a:rPr lang="en-US" sz="1200" dirty="0">
+                <a:solidFill>
+                  <a:srgbClr val="FF0000"/>
+                </a:solidFill>
+              </a:rPr>
+              <a:t>React components and views</a:t>
+            </a:r>
           </a:p>
         </p:txBody>
       </p:sp>
     </p:spTree>
     <p:extLst>
       <p:ext uri="{BB962C8B-B14F-4D97-AF65-F5344CB8AC3E}">
-        <p14:creationId xmlns:p14="http://schemas.microsoft.com/office/powerpoint/2010/main" val="4029883546"/>
+        <p14:creationId xmlns:p14="http://schemas.microsoft.com/office/powerpoint/2010/main" val="2881802588"/>
       </p:ext>
     </p:extLst>
   </p:cSld>
@@ -11135,4 +14824,299 @@
     </a:ext>
   </a:extLst>
 </a:theme>
+</file>
+
+<file path=ppt/theme/theme2.xml><?xml version="1.0" encoding="utf-8"?>
+<a:theme xmlns:a="http://schemas.openxmlformats.org/drawingml/2006/main" name="Office Theme">
+  <a:themeElements>
+    <a:clrScheme name="Office">
+      <a:dk1>
+        <a:sysClr val="windowText" lastClr="000000"/>
+      </a:dk1>
+      <a:lt1>
+        <a:sysClr val="window" lastClr="FFFFFF"/>
+      </a:lt1>
+      <a:dk2>
+        <a:srgbClr val="44546A"/>
+      </a:dk2>
+      <a:lt2>
+        <a:srgbClr val="E7E6E6"/>
+      </a:lt2>
+      <a:accent1>
+        <a:srgbClr val="4472C4"/>
+      </a:accent1>
+      <a:accent2>
+        <a:srgbClr val="ED7D31"/>
+      </a:accent2>
+      <a:accent3>
+        <a:srgbClr val="A5A5A5"/>
+      </a:accent3>
+      <a:accent4>
+        <a:srgbClr val="FFC000"/>
+      </a:accent4>
+      <a:accent5>
+        <a:srgbClr val="5B9BD5"/>
+      </a:accent5>
+      <a:accent6>
+        <a:srgbClr val="70AD47"/>
+      </a:accent6>
+      <a:hlink>
+        <a:srgbClr val="0563C1"/>
+      </a:hlink>
+      <a:folHlink>
+        <a:srgbClr val="954F72"/>
+      </a:folHlink>
+    </a:clrScheme>
+    <a:fontScheme name="Office">
+      <a:majorFont>
+        <a:latin typeface="Calibri Light" panose="020F0302020204030204"/>
+        <a:ea typeface=""/>
+        <a:cs typeface=""/>
+        <a:font script="Jpan" typeface="游ゴシック Light"/>
+        <a:font script="Hang" typeface="맑은 고딕"/>
+        <a:font script="Hans" typeface="等线 Light"/>
+        <a:font script="Hant" typeface="新細明體"/>
+        <a:font script="Arab" typeface="Times New Roman"/>
+        <a:font script="Hebr" typeface="Times New Roman"/>
+        <a:font script="Thai" typeface="Angsana New"/>
+        <a:font script="Ethi" typeface="Nyala"/>
+        <a:font script="Beng" typeface="Vrinda"/>
+        <a:font script="Gujr" typeface="Shruti"/>
+        <a:font script="Khmr" typeface="MoolBoran"/>
+        <a:font script="Knda" typeface="Tunga"/>
+        <a:font script="Guru" typeface="Raavi"/>
+        <a:font script="Cans" typeface="Euphemia"/>
+        <a:font script="Cher" typeface="Plantagenet Cherokee"/>
+        <a:font script="Yiii" typeface="Microsoft Yi Baiti"/>
+        <a:font script="Tibt" typeface="Microsoft Himalaya"/>
+        <a:font script="Thaa" typeface="MV Boli"/>
+        <a:font script="Deva" typeface="Mangal"/>
+        <a:font script="Telu" typeface="Gautami"/>
+        <a:font script="Taml" typeface="Latha"/>
+        <a:font script="Syrc" typeface="Estrangelo Edessa"/>
+        <a:font script="Orya" typeface="Kalinga"/>
+        <a:font script="Mlym" typeface="Kartika"/>
+        <a:font script="Laoo" typeface="DokChampa"/>
+        <a:font script="Sinh" typeface="Iskoola Pota"/>
+        <a:font script="Mong" typeface="Mongolian Baiti"/>
+        <a:font script="Viet" typeface="Times New Roman"/>
+        <a:font script="Uigh" typeface="Microsoft Uighur"/>
+        <a:font script="Geor" typeface="Sylfaen"/>
+        <a:font script="Armn" typeface="Arial"/>
+        <a:font script="Bugi" typeface="Leelawadee UI"/>
+        <a:font script="Bopo" typeface="Microsoft JhengHei"/>
+        <a:font script="Java" typeface="Javanese Text"/>
+        <a:font script="Lisu" typeface="Segoe UI"/>
+        <a:font script="Mymr" typeface="Myanmar Text"/>
+        <a:font script="Nkoo" typeface="Ebrima"/>
+        <a:font script="Olck" typeface="Nirmala UI"/>
+        <a:font script="Osma" typeface="Ebrima"/>
+        <a:font script="Phag" typeface="Phagspa"/>
+        <a:font script="Syrn" typeface="Estrangelo Edessa"/>
+        <a:font script="Syrj" typeface="Estrangelo Edessa"/>
+        <a:font script="Syre" typeface="Estrangelo Edessa"/>
+        <a:font script="Sora" typeface="Nirmala UI"/>
+        <a:font script="Tale" typeface="Microsoft Tai Le"/>
+        <a:font script="Talu" typeface="Microsoft New Tai Lue"/>
+        <a:font script="Tfng" typeface="Ebrima"/>
+      </a:majorFont>
+      <a:minorFont>
+        <a:latin typeface="Calibri" panose="020F0502020204030204"/>
+        <a:ea typeface=""/>
+        <a:cs typeface=""/>
+        <a:font script="Jpan" typeface="游ゴシック"/>
+        <a:font script="Hang" typeface="맑은 고딕"/>
+        <a:font script="Hans" typeface="等线"/>
+        <a:font script="Hant" typeface="新細明體"/>
+        <a:font script="Arab" typeface="Arial"/>
+        <a:font script="Hebr" typeface="Arial"/>
+        <a:font script="Thai" typeface="Cordia New"/>
+        <a:font script="Ethi" typeface="Nyala"/>
+        <a:font script="Beng" typeface="Vrinda"/>
+        <a:font script="Gujr" typeface="Shruti"/>
+        <a:font script="Khmr" typeface="DaunPenh"/>
+        <a:font script="Knda" typeface="Tunga"/>
+        <a:font script="Guru" typeface="Raavi"/>
+        <a:font script="Cans" typeface="Euphemia"/>
+        <a:font script="Cher" typeface="Plantagenet Cherokee"/>
+        <a:font script="Yiii" typeface="Microsoft Yi Baiti"/>
+        <a:font script="Tibt" typeface="Microsoft Himalaya"/>
+        <a:font script="Thaa" typeface="MV Boli"/>
+        <a:font script="Deva" typeface="Mangal"/>
+        <a:font script="Telu" typeface="Gautami"/>
+        <a:font script="Taml" typeface="Latha"/>
+        <a:font script="Syrc" typeface="Estrangelo Edessa"/>
+        <a:font script="Orya" typeface="Kalinga"/>
+        <a:font script="Mlym" typeface="Kartika"/>
+        <a:font script="Laoo" typeface="DokChampa"/>
+        <a:font script="Sinh" typeface="Iskoola Pota"/>
+        <a:font script="Mong" typeface="Mongolian Baiti"/>
+        <a:font script="Viet" typeface="Arial"/>
+        <a:font script="Uigh" typeface="Microsoft Uighur"/>
+        <a:font script="Geor" typeface="Sylfaen"/>
+        <a:font script="Armn" typeface="Arial"/>
+        <a:font script="Bugi" typeface="Leelawadee UI"/>
+        <a:font script="Bopo" typeface="Microsoft JhengHei"/>
+        <a:font script="Java" typeface="Javanese Text"/>
+        <a:font script="Lisu" typeface="Segoe UI"/>
+        <a:font script="Mymr" typeface="Myanmar Text"/>
+        <a:font script="Nkoo" typeface="Ebrima"/>
+        <a:font script="Olck" typeface="Nirmala UI"/>
+        <a:font script="Osma" typeface="Ebrima"/>
+        <a:font script="Phag" typeface="Phagspa"/>
+        <a:font script="Syrn" typeface="Estrangelo Edessa"/>
+        <a:font script="Syrj" typeface="Estrangelo Edessa"/>
+        <a:font script="Syre" typeface="Estrangelo Edessa"/>
+        <a:font script="Sora" typeface="Nirmala UI"/>
+        <a:font script="Tale" typeface="Microsoft Tai Le"/>
+        <a:font script="Talu" typeface="Microsoft New Tai Lue"/>
+        <a:font script="Tfng" typeface="Ebrima"/>
+      </a:minorFont>
+    </a:fontScheme>
+    <a:fmtScheme name="Office">
+      <a:fillStyleLst>
+        <a:solidFill>
+          <a:schemeClr val="phClr"/>
+        </a:solidFill>
+        <a:gradFill rotWithShape="1">
+          <a:gsLst>
+            <a:gs pos="0">
+              <a:schemeClr val="phClr">
+                <a:lumMod val="110000"/>
+                <a:satMod val="105000"/>
+                <a:tint val="67000"/>
+              </a:schemeClr>
+            </a:gs>
+            <a:gs pos="50000">
+              <a:schemeClr val="phClr">
+                <a:lumMod val="105000"/>
+                <a:satMod val="103000"/>
+                <a:tint val="73000"/>
+              </a:schemeClr>
+            </a:gs>
+            <a:gs pos="100000">
+              <a:schemeClr val="phClr">
+                <a:lumMod val="105000"/>
+                <a:satMod val="109000"/>
+                <a:tint val="81000"/>
+              </a:schemeClr>
+            </a:gs>
+          </a:gsLst>
+          <a:lin ang="5400000" scaled="0"/>
+        </a:gradFill>
+        <a:gradFill rotWithShape="1">
+          <a:gsLst>
+            <a:gs pos="0">
+              <a:schemeClr val="phClr">
+                <a:satMod val="103000"/>
+                <a:lumMod val="102000"/>
+                <a:tint val="94000"/>
+              </a:schemeClr>
+            </a:gs>
+            <a:gs pos="50000">
+              <a:schemeClr val="phClr">
+                <a:satMod val="110000"/>
+                <a:lumMod val="100000"/>
+                <a:shade val="100000"/>
+              </a:schemeClr>
+            </a:gs>
+            <a:gs pos="100000">
+              <a:schemeClr val="phClr">
+                <a:lumMod val="99000"/>
+                <a:satMod val="120000"/>
+                <a:shade val="78000"/>
+              </a:schemeClr>
+            </a:gs>
+          </a:gsLst>
+          <a:lin ang="5400000" scaled="0"/>
+        </a:gradFill>
+      </a:fillStyleLst>
+      <a:lnStyleLst>
+        <a:ln w="6350" cap="flat" cmpd="sng" algn="ctr">
+          <a:solidFill>
+            <a:schemeClr val="phClr"/>
+          </a:solidFill>
+          <a:prstDash val="solid"/>
+          <a:miter lim="800000"/>
+        </a:ln>
+        <a:ln w="12700" cap="flat" cmpd="sng" algn="ctr">
+          <a:solidFill>
+            <a:schemeClr val="phClr"/>
+          </a:solidFill>
+          <a:prstDash val="solid"/>
+          <a:miter lim="800000"/>
+        </a:ln>
+        <a:ln w="19050" cap="flat" cmpd="sng" algn="ctr">
+          <a:solidFill>
+            <a:schemeClr val="phClr"/>
+          </a:solidFill>
+          <a:prstDash val="solid"/>
+          <a:miter lim="800000"/>
+        </a:ln>
+      </a:lnStyleLst>
+      <a:effectStyleLst>
+        <a:effectStyle>
+          <a:effectLst/>
+        </a:effectStyle>
+        <a:effectStyle>
+          <a:effectLst/>
+        </a:effectStyle>
+        <a:effectStyle>
+          <a:effectLst>
+            <a:outerShdw blurRad="57150" dist="19050" dir="5400000" algn="ctr" rotWithShape="0">
+              <a:srgbClr val="000000">
+                <a:alpha val="63000"/>
+              </a:srgbClr>
+            </a:outerShdw>
+          </a:effectLst>
+        </a:effectStyle>
+      </a:effectStyleLst>
+      <a:bgFillStyleLst>
+        <a:solidFill>
+          <a:schemeClr val="phClr"/>
+        </a:solidFill>
+        <a:solidFill>
+          <a:schemeClr val="phClr">
+            <a:tint val="95000"/>
+            <a:satMod val="170000"/>
+          </a:schemeClr>
+        </a:solidFill>
+        <a:gradFill rotWithShape="1">
+          <a:gsLst>
+            <a:gs pos="0">
+              <a:schemeClr val="phClr">
+                <a:tint val="93000"/>
+                <a:satMod val="150000"/>
+                <a:shade val="98000"/>
+                <a:lumMod val="102000"/>
+              </a:schemeClr>
+            </a:gs>
+            <a:gs pos="50000">
+              <a:schemeClr val="phClr">
+                <a:tint val="98000"/>
+                <a:satMod val="130000"/>
+                <a:shade val="90000"/>
+                <a:lumMod val="103000"/>
+              </a:schemeClr>
+            </a:gs>
+            <a:gs pos="100000">
+              <a:schemeClr val="phClr">
+                <a:shade val="63000"/>
+                <a:satMod val="120000"/>
+              </a:schemeClr>
+            </a:gs>
+          </a:gsLst>
+          <a:lin ang="5400000" scaled="0"/>
+        </a:gradFill>
+      </a:bgFillStyleLst>
+    </a:fmtScheme>
+  </a:themeElements>
+  <a:objectDefaults/>
+  <a:extraClrSchemeLst/>
+  <a:extLst>
+    <a:ext uri="{05A4C25C-085E-4340-85A3-A5531E510DB2}">
+      <thm15:themeFamily xmlns:thm15="http://schemas.microsoft.com/office/thememl/2012/main" name="Office Theme" id="{62F939B6-93AF-4DB8-9C6B-D6C7DFDC589F}" vid="{4A3C46E8-61CC-4603-A589-7422A47A8E4A}"/>
+    </a:ext>
+  </a:extLst>
+</a:theme>
 </file>